--- a/Konvolúciós neuronhálók.pptx
+++ b/Konvolúciós neuronhálók.pptx
@@ -2,10 +2,15 @@
 <file path=ppt/presentation.xml><?xml version="1.0" encoding="utf-8"?>
 <p:presentation xmlns:a="http://schemas.openxmlformats.org/drawingml/2006/main" xmlns:r="http://schemas.openxmlformats.org/officeDocument/2006/relationships" xmlns:p="http://schemas.openxmlformats.org/presentationml/2006/main" autoCompressPictures="0">
   <p:sldMasterIdLst>
-    <p:sldMasterId id="2147483648" r:id="rId1"/>
+    <p:sldMasterId id="2147483705" r:id="rId1"/>
   </p:sldMasterIdLst>
+  <p:notesMasterIdLst>
+    <p:notesMasterId r:id="rId5"/>
+  </p:notesMasterIdLst>
   <p:sldIdLst>
     <p:sldId id="256" r:id="rId2"/>
+    <p:sldId id="257" r:id="rId3"/>
+    <p:sldId id="258" r:id="rId4"/>
   </p:sldIdLst>
   <p:sldSz cx="12192000" cy="6858000"/>
   <p:notesSz cx="6858000" cy="9144000"/>
@@ -104,7 +109,460 @@
       </a:defRPr>
     </a:lvl9pPr>
   </p:defaultTextStyle>
+  <p:extLst>
+    <p:ext uri="{EFAFB233-063F-42B5-8137-9DF3F51BA10A}">
+      <p15:sldGuideLst xmlns:p15="http://schemas.microsoft.com/office/powerpoint/2012/main"/>
+    </p:ext>
+    <p:ext uri="{2D200454-40CA-4A62-9FC3-DE9A4176ACB9}">
+      <p15:notesGuideLst xmlns:p15="http://schemas.microsoft.com/office/powerpoint/2012/main"/>
+    </p:ext>
+  </p:extLst>
 </p:presentation>
+</file>
+
+<file path=ppt/notesMasters/notesMaster1.xml><?xml version="1.0" encoding="utf-8"?>
+<p:notesMaster xmlns:a="http://schemas.openxmlformats.org/drawingml/2006/main" xmlns:r="http://schemas.openxmlformats.org/officeDocument/2006/relationships" xmlns:p="http://schemas.openxmlformats.org/presentationml/2006/main">
+  <p:cSld>
+    <p:bg>
+      <p:bgRef idx="1001">
+        <a:schemeClr val="bg1"/>
+      </p:bgRef>
+    </p:bg>
+    <p:spTree>
+      <p:nvGrpSpPr>
+        <p:cNvPr id="1" name=""/>
+        <p:cNvGrpSpPr/>
+        <p:nvPr/>
+      </p:nvGrpSpPr>
+      <p:grpSpPr>
+        <a:xfrm>
+          <a:off x="0" y="0"/>
+          <a:ext cx="0" cy="0"/>
+          <a:chOff x="0" y="0"/>
+          <a:chExt cx="0" cy="0"/>
+        </a:xfrm>
+      </p:grpSpPr>
+      <p:sp>
+        <p:nvSpPr>
+          <p:cNvPr id="2" name="Élőfej helye 1"/>
+          <p:cNvSpPr>
+            <a:spLocks noGrp="1"/>
+          </p:cNvSpPr>
+          <p:nvPr>
+            <p:ph type="hdr" sz="quarter"/>
+          </p:nvPr>
+        </p:nvSpPr>
+        <p:spPr>
+          <a:xfrm>
+            <a:off x="0" y="1"/>
+            <a:ext cx="2971800" cy="458788"/>
+          </a:xfrm>
+          <a:prstGeom prst="rect">
+            <a:avLst/>
+          </a:prstGeom>
+        </p:spPr>
+        <p:txBody>
+          <a:bodyPr vert="horz" lIns="91440" tIns="45720" rIns="91440" bIns="45720" rtlCol="0"/>
+          <a:lstStyle>
+            <a:lvl1pPr algn="l">
+              <a:defRPr sz="1200"/>
+            </a:lvl1pPr>
+          </a:lstStyle>
+          <a:p>
+            <a:endParaRPr lang="hu-HU"/>
+          </a:p>
+        </p:txBody>
+      </p:sp>
+      <p:sp>
+        <p:nvSpPr>
+          <p:cNvPr id="3" name="Dátum helye 2"/>
+          <p:cNvSpPr>
+            <a:spLocks noGrp="1"/>
+          </p:cNvSpPr>
+          <p:nvPr>
+            <p:ph type="dt" idx="1"/>
+          </p:nvPr>
+        </p:nvSpPr>
+        <p:spPr>
+          <a:xfrm>
+            <a:off x="3884613" y="1"/>
+            <a:ext cx="2971800" cy="458788"/>
+          </a:xfrm>
+          <a:prstGeom prst="rect">
+            <a:avLst/>
+          </a:prstGeom>
+        </p:spPr>
+        <p:txBody>
+          <a:bodyPr vert="horz" lIns="91440" tIns="45720" rIns="91440" bIns="45720" rtlCol="0"/>
+          <a:lstStyle>
+            <a:lvl1pPr algn="r">
+              <a:defRPr sz="1200"/>
+            </a:lvl1pPr>
+          </a:lstStyle>
+          <a:p>
+            <a:fld id="{FBA129F0-E673-42F7-BB8A-869B941021FC}" type="datetimeFigureOut">
+              <a:rPr lang="hu-HU" smtClean="0"/>
+              <a:t>2019. 03. 16.</a:t>
+            </a:fld>
+            <a:endParaRPr lang="hu-HU"/>
+          </a:p>
+        </p:txBody>
+      </p:sp>
+      <p:sp>
+        <p:nvSpPr>
+          <p:cNvPr id="4" name="Diakép helye 3"/>
+          <p:cNvSpPr>
+            <a:spLocks noGrp="1" noRot="1" noChangeAspect="1"/>
+          </p:cNvSpPr>
+          <p:nvPr>
+            <p:ph type="sldImg" idx="2"/>
+          </p:nvPr>
+        </p:nvSpPr>
+        <p:spPr>
+          <a:xfrm>
+            <a:off x="685800" y="1143000"/>
+            <a:ext cx="5486400" cy="3086100"/>
+          </a:xfrm>
+          <a:prstGeom prst="rect">
+            <a:avLst/>
+          </a:prstGeom>
+          <a:noFill/>
+          <a:ln w="12700">
+            <a:solidFill>
+              <a:prstClr val="black"/>
+            </a:solidFill>
+          </a:ln>
+        </p:spPr>
+        <p:txBody>
+          <a:bodyPr vert="horz" lIns="91440" tIns="45720" rIns="91440" bIns="45720" rtlCol="0" anchor="ctr"/>
+          <a:lstStyle/>
+          <a:p>
+            <a:endParaRPr lang="hu-HU"/>
+          </a:p>
+        </p:txBody>
+      </p:sp>
+      <p:sp>
+        <p:nvSpPr>
+          <p:cNvPr id="5" name="Jegyzetek helye 4"/>
+          <p:cNvSpPr>
+            <a:spLocks noGrp="1"/>
+          </p:cNvSpPr>
+          <p:nvPr>
+            <p:ph type="body" sz="quarter" idx="3"/>
+          </p:nvPr>
+        </p:nvSpPr>
+        <p:spPr>
+          <a:xfrm>
+            <a:off x="685800" y="4400549"/>
+            <a:ext cx="5486400" cy="3600451"/>
+          </a:xfrm>
+          <a:prstGeom prst="rect">
+            <a:avLst/>
+          </a:prstGeom>
+        </p:spPr>
+        <p:txBody>
+          <a:bodyPr vert="horz" lIns="91440" tIns="45720" rIns="91440" bIns="45720" rtlCol="0"/>
+          <a:lstStyle/>
+          <a:p>
+            <a:pPr lvl="0"/>
+            <a:r>
+              <a:rPr lang="hu-HU" dirty="0" err="1"/>
+              <a:t>Kovolúció</a:t>
+            </a:r>
+            <a:endParaRPr lang="hu-HU" dirty="0"/>
+          </a:p>
+          <a:p>
+            <a:pPr lvl="1"/>
+            <a:r>
+              <a:rPr lang="hu-HU" dirty="0"/>
+              <a:t>Eljárás</a:t>
+            </a:r>
+          </a:p>
+          <a:p>
+            <a:pPr lvl="1"/>
+            <a:r>
+              <a:rPr lang="hu-HU" dirty="0"/>
+              <a:t>Példa</a:t>
+            </a:r>
+          </a:p>
+          <a:p>
+            <a:pPr lvl="1"/>
+            <a:endParaRPr lang="hu-HU" dirty="0"/>
+          </a:p>
+          <a:p>
+            <a:pPr lvl="2"/>
+            <a:r>
+              <a:rPr lang="hu-HU" dirty="0"/>
+              <a:t>Harmadik szint</a:t>
+            </a:r>
+          </a:p>
+          <a:p>
+            <a:pPr lvl="3"/>
+            <a:r>
+              <a:rPr lang="hu-HU" dirty="0"/>
+              <a:t>Negyedik szint</a:t>
+            </a:r>
+          </a:p>
+          <a:p>
+            <a:pPr lvl="4"/>
+            <a:r>
+              <a:rPr lang="hu-HU" dirty="0"/>
+              <a:t>Ötödik szint</a:t>
+            </a:r>
+          </a:p>
+        </p:txBody>
+      </p:sp>
+      <p:sp>
+        <p:nvSpPr>
+          <p:cNvPr id="6" name="Élőláb helye 5"/>
+          <p:cNvSpPr>
+            <a:spLocks noGrp="1"/>
+          </p:cNvSpPr>
+          <p:nvPr>
+            <p:ph type="ftr" sz="quarter" idx="4"/>
+          </p:nvPr>
+        </p:nvSpPr>
+        <p:spPr>
+          <a:xfrm>
+            <a:off x="0" y="8685213"/>
+            <a:ext cx="2971800" cy="458787"/>
+          </a:xfrm>
+          <a:prstGeom prst="rect">
+            <a:avLst/>
+          </a:prstGeom>
+        </p:spPr>
+        <p:txBody>
+          <a:bodyPr vert="horz" lIns="91440" tIns="45720" rIns="91440" bIns="45720" rtlCol="0" anchor="b"/>
+          <a:lstStyle>
+            <a:lvl1pPr algn="l">
+              <a:defRPr sz="1200"/>
+            </a:lvl1pPr>
+          </a:lstStyle>
+          <a:p>
+            <a:endParaRPr lang="hu-HU"/>
+          </a:p>
+        </p:txBody>
+      </p:sp>
+      <p:sp>
+        <p:nvSpPr>
+          <p:cNvPr id="7" name="Dia számának helye 6"/>
+          <p:cNvSpPr>
+            <a:spLocks noGrp="1"/>
+          </p:cNvSpPr>
+          <p:nvPr>
+            <p:ph type="sldNum" sz="quarter" idx="5"/>
+          </p:nvPr>
+        </p:nvSpPr>
+        <p:spPr>
+          <a:xfrm>
+            <a:off x="3884613" y="8685213"/>
+            <a:ext cx="2971800" cy="458787"/>
+          </a:xfrm>
+          <a:prstGeom prst="rect">
+            <a:avLst/>
+          </a:prstGeom>
+        </p:spPr>
+        <p:txBody>
+          <a:bodyPr vert="horz" lIns="91440" tIns="45720" rIns="91440" bIns="45720" rtlCol="0" anchor="b"/>
+          <a:lstStyle>
+            <a:lvl1pPr algn="r">
+              <a:defRPr sz="1200"/>
+            </a:lvl1pPr>
+          </a:lstStyle>
+          <a:p>
+            <a:fld id="{3BA7F77E-48B0-456D-80A8-F6BD10B88DC8}" type="slidenum">
+              <a:rPr lang="hu-HU" smtClean="0"/>
+              <a:t>‹#›</a:t>
+            </a:fld>
+            <a:endParaRPr lang="hu-HU"/>
+          </a:p>
+        </p:txBody>
+      </p:sp>
+    </p:spTree>
+    <p:extLst>
+      <p:ext uri="{BB962C8B-B14F-4D97-AF65-F5344CB8AC3E}">
+        <p14:creationId xmlns:p14="http://schemas.microsoft.com/office/powerpoint/2010/main" val="1198699466"/>
+      </p:ext>
+    </p:extLst>
+  </p:cSld>
+  <p:clrMap bg1="lt1" tx1="dk1" bg2="lt2" tx2="dk2" accent1="accent1" accent2="accent2" accent3="accent3" accent4="accent4" accent5="accent5" accent6="accent6" hlink="hlink" folHlink="folHlink"/>
+  <p:notesStyle>
+    <a:lvl1pPr marL="0" algn="l" defTabSz="914400" rtl="0" eaLnBrk="1" latinLnBrk="0" hangingPunct="1">
+      <a:defRPr sz="1200" kern="1200">
+        <a:solidFill>
+          <a:schemeClr val="tx1"/>
+        </a:solidFill>
+        <a:latin typeface="+mn-lt"/>
+        <a:ea typeface="+mn-ea"/>
+        <a:cs typeface="+mn-cs"/>
+      </a:defRPr>
+    </a:lvl1pPr>
+    <a:lvl2pPr marL="457200" algn="l" defTabSz="914400" rtl="0" eaLnBrk="1" latinLnBrk="0" hangingPunct="1">
+      <a:defRPr sz="1200" kern="1200">
+        <a:solidFill>
+          <a:schemeClr val="tx1"/>
+        </a:solidFill>
+        <a:latin typeface="+mn-lt"/>
+        <a:ea typeface="+mn-ea"/>
+        <a:cs typeface="+mn-cs"/>
+      </a:defRPr>
+    </a:lvl2pPr>
+    <a:lvl3pPr marL="914400" algn="l" defTabSz="914400" rtl="0" eaLnBrk="1" latinLnBrk="0" hangingPunct="1">
+      <a:defRPr sz="1200" kern="1200">
+        <a:solidFill>
+          <a:schemeClr val="tx1"/>
+        </a:solidFill>
+        <a:latin typeface="+mn-lt"/>
+        <a:ea typeface="+mn-ea"/>
+        <a:cs typeface="+mn-cs"/>
+      </a:defRPr>
+    </a:lvl3pPr>
+    <a:lvl4pPr marL="1371600" algn="l" defTabSz="914400" rtl="0" eaLnBrk="1" latinLnBrk="0" hangingPunct="1">
+      <a:defRPr sz="1200" kern="1200">
+        <a:solidFill>
+          <a:schemeClr val="tx1"/>
+        </a:solidFill>
+        <a:latin typeface="+mn-lt"/>
+        <a:ea typeface="+mn-ea"/>
+        <a:cs typeface="+mn-cs"/>
+      </a:defRPr>
+    </a:lvl4pPr>
+    <a:lvl5pPr marL="1828800" algn="l" defTabSz="914400" rtl="0" eaLnBrk="1" latinLnBrk="0" hangingPunct="1">
+      <a:defRPr sz="1200" kern="1200">
+        <a:solidFill>
+          <a:schemeClr val="tx1"/>
+        </a:solidFill>
+        <a:latin typeface="+mn-lt"/>
+        <a:ea typeface="+mn-ea"/>
+        <a:cs typeface="+mn-cs"/>
+      </a:defRPr>
+    </a:lvl5pPr>
+    <a:lvl6pPr marL="2286000" algn="l" defTabSz="914400" rtl="0" eaLnBrk="1" latinLnBrk="0" hangingPunct="1">
+      <a:defRPr sz="1200" kern="1200">
+        <a:solidFill>
+          <a:schemeClr val="tx1"/>
+        </a:solidFill>
+        <a:latin typeface="+mn-lt"/>
+        <a:ea typeface="+mn-ea"/>
+        <a:cs typeface="+mn-cs"/>
+      </a:defRPr>
+    </a:lvl6pPr>
+    <a:lvl7pPr marL="2743200" algn="l" defTabSz="914400" rtl="0" eaLnBrk="1" latinLnBrk="0" hangingPunct="1">
+      <a:defRPr sz="1200" kern="1200">
+        <a:solidFill>
+          <a:schemeClr val="tx1"/>
+        </a:solidFill>
+        <a:latin typeface="+mn-lt"/>
+        <a:ea typeface="+mn-ea"/>
+        <a:cs typeface="+mn-cs"/>
+      </a:defRPr>
+    </a:lvl7pPr>
+    <a:lvl8pPr marL="3200400" algn="l" defTabSz="914400" rtl="0" eaLnBrk="1" latinLnBrk="0" hangingPunct="1">
+      <a:defRPr sz="1200" kern="1200">
+        <a:solidFill>
+          <a:schemeClr val="tx1"/>
+        </a:solidFill>
+        <a:latin typeface="+mn-lt"/>
+        <a:ea typeface="+mn-ea"/>
+        <a:cs typeface="+mn-cs"/>
+      </a:defRPr>
+    </a:lvl8pPr>
+    <a:lvl9pPr marL="3657600" algn="l" defTabSz="914400" rtl="0" eaLnBrk="1" latinLnBrk="0" hangingPunct="1">
+      <a:defRPr sz="1200" kern="1200">
+        <a:solidFill>
+          <a:schemeClr val="tx1"/>
+        </a:solidFill>
+        <a:latin typeface="+mn-lt"/>
+        <a:ea typeface="+mn-ea"/>
+        <a:cs typeface="+mn-cs"/>
+      </a:defRPr>
+    </a:lvl9pPr>
+  </p:notesStyle>
+</p:notesMaster>
+</file>
+
+<file path=ppt/notesSlides/notesSlide1.xml><?xml version="1.0" encoding="utf-8"?>
+<p:notes xmlns:a="http://schemas.openxmlformats.org/drawingml/2006/main" xmlns:r="http://schemas.openxmlformats.org/officeDocument/2006/relationships" xmlns:p="http://schemas.openxmlformats.org/presentationml/2006/main">
+  <p:cSld>
+    <p:spTree>
+      <p:nvGrpSpPr>
+        <p:cNvPr id="1" name=""/>
+        <p:cNvGrpSpPr/>
+        <p:nvPr/>
+      </p:nvGrpSpPr>
+      <p:grpSpPr>
+        <a:xfrm>
+          <a:off x="0" y="0"/>
+          <a:ext cx="0" cy="0"/>
+          <a:chOff x="0" y="0"/>
+          <a:chExt cx="0" cy="0"/>
+        </a:xfrm>
+      </p:grpSpPr>
+      <p:sp>
+        <p:nvSpPr>
+          <p:cNvPr id="2" name="Diakép helye 1"/>
+          <p:cNvSpPr>
+            <a:spLocks noGrp="1" noRot="1" noChangeAspect="1"/>
+          </p:cNvSpPr>
+          <p:nvPr>
+            <p:ph type="sldImg"/>
+          </p:nvPr>
+        </p:nvSpPr>
+        <p:spPr/>
+      </p:sp>
+      <p:sp>
+        <p:nvSpPr>
+          <p:cNvPr id="3" name="Jegyzetek helye 2"/>
+          <p:cNvSpPr>
+            <a:spLocks noGrp="1"/>
+          </p:cNvSpPr>
+          <p:nvPr>
+            <p:ph type="body" idx="1"/>
+          </p:nvPr>
+        </p:nvSpPr>
+        <p:spPr/>
+        <p:txBody>
+          <a:bodyPr/>
+          <a:lstStyle/>
+          <a:p>
+            <a:endParaRPr lang="hu-HU" dirty="0"/>
+          </a:p>
+        </p:txBody>
+      </p:sp>
+      <p:sp>
+        <p:nvSpPr>
+          <p:cNvPr id="4" name="Dia számának helye 3"/>
+          <p:cNvSpPr>
+            <a:spLocks noGrp="1"/>
+          </p:cNvSpPr>
+          <p:nvPr>
+            <p:ph type="sldNum" sz="quarter" idx="5"/>
+          </p:nvPr>
+        </p:nvSpPr>
+        <p:spPr/>
+        <p:txBody>
+          <a:bodyPr/>
+          <a:lstStyle/>
+          <a:p>
+            <a:fld id="{3BA7F77E-48B0-456D-80A8-F6BD10B88DC8}" type="slidenum">
+              <a:rPr lang="hu-HU" smtClean="0"/>
+              <a:t>1</a:t>
+            </a:fld>
+            <a:endParaRPr lang="hu-HU"/>
+          </a:p>
+        </p:txBody>
+      </p:sp>
+    </p:spTree>
+    <p:extLst>
+      <p:ext uri="{BB962C8B-B14F-4D97-AF65-F5344CB8AC3E}">
+        <p14:creationId xmlns:p14="http://schemas.microsoft.com/office/powerpoint/2010/main" val="684282733"/>
+      </p:ext>
+    </p:extLst>
+  </p:cSld>
+  <p:clrMapOvr>
+    <a:masterClrMapping/>
+  </p:clrMapOvr>
+</p:notes>
 </file>
 
 <file path=ppt/slideLayouts/slideLayout1.xml><?xml version="1.0" encoding="utf-8"?>
@@ -276,8 +734,8 @@
           <a:lstStyle/>
           <a:p>
             <a:fld id="{48A87A34-81AB-432B-8DAE-1953F412C126}" type="datetimeFigureOut">
-              <a:rPr lang="en-US" dirty="0"/>
-              <a:t>3/12/2019</a:t>
+              <a:rPr lang="en-US" smtClean="0"/>
+              <a:t>3/16/2019</a:t>
             </a:fld>
             <a:endParaRPr lang="en-US" dirty="0"/>
           </a:p>
@@ -328,7 +786,7 @@
           <a:lstStyle/>
           <a:p>
             <a:fld id="{6D22F896-40B5-4ADD-8801-0D06FADFA095}" type="slidenum">
-              <a:rPr lang="en-US" dirty="0"/>
+              <a:rPr lang="en-US" smtClean="0"/>
               <a:t>‹#›</a:t>
             </a:fld>
             <a:endParaRPr lang="en-US" dirty="0"/>
@@ -336,6 +794,11 @@
         </p:txBody>
       </p:sp>
     </p:spTree>
+    <p:extLst>
+      <p:ext uri="{BB962C8B-B14F-4D97-AF65-F5344CB8AC3E}">
+        <p14:creationId xmlns:p14="http://schemas.microsoft.com/office/powerpoint/2010/main" val="3840187189"/>
+      </p:ext>
+    </p:extLst>
   </p:cSld>
   <p:clrMapOvr>
     <a:masterClrMapping/>
@@ -538,8 +1001,8 @@
           <a:lstStyle/>
           <a:p>
             <a:fld id="{48A87A34-81AB-432B-8DAE-1953F412C126}" type="datetimeFigureOut">
-              <a:rPr lang="en-US" dirty="0"/>
-              <a:t>3/12/2019</a:t>
+              <a:rPr lang="en-US" smtClean="0"/>
+              <a:t>3/16/2019</a:t>
             </a:fld>
             <a:endParaRPr lang="en-US" dirty="0"/>
           </a:p>
@@ -580,7 +1043,7 @@
           <a:lstStyle/>
           <a:p>
             <a:fld id="{6D22F896-40B5-4ADD-8801-0D06FADFA095}" type="slidenum">
-              <a:rPr lang="en-US" dirty="0"/>
+              <a:rPr lang="en-US" smtClean="0"/>
               <a:t>‹#›</a:t>
             </a:fld>
             <a:endParaRPr lang="en-US" dirty="0"/>
@@ -588,6 +1051,11 @@
         </p:txBody>
       </p:sp>
     </p:spTree>
+    <p:extLst>
+      <p:ext uri="{BB962C8B-B14F-4D97-AF65-F5344CB8AC3E}">
+        <p14:creationId xmlns:p14="http://schemas.microsoft.com/office/powerpoint/2010/main" val="3376899131"/>
+      </p:ext>
+    </p:extLst>
   </p:cSld>
   <p:clrMapOvr>
     <a:masterClrMapping/>
@@ -764,9 +1232,9 @@
           </a:lstStyle>
           <a:p>
             <a:fld id="{48A87A34-81AB-432B-8DAE-1953F412C126}" type="datetimeFigureOut">
-              <a:rPr lang="en-US" dirty="0"/>
+              <a:rPr lang="en-US" smtClean="0"/>
               <a:pPr/>
-              <a:t>3/12/2019</a:t>
+              <a:t>3/16/2019</a:t>
             </a:fld>
             <a:endParaRPr lang="en-US" dirty="0"/>
           </a:p>
@@ -817,7 +1285,7 @@
           <a:lstStyle/>
           <a:p>
             <a:fld id="{6D22F896-40B5-4ADD-8801-0D06FADFA095}" type="slidenum">
-              <a:rPr lang="en-US" dirty="0"/>
+              <a:rPr lang="en-US" smtClean="0"/>
               <a:t>‹#›</a:t>
             </a:fld>
             <a:endParaRPr lang="en-US" dirty="0"/>
@@ -825,6 +1293,11 @@
         </p:txBody>
       </p:sp>
     </p:spTree>
+    <p:extLst>
+      <p:ext uri="{BB962C8B-B14F-4D97-AF65-F5344CB8AC3E}">
+        <p14:creationId xmlns:p14="http://schemas.microsoft.com/office/powerpoint/2010/main" val="3349185846"/>
+      </p:ext>
+    </p:extLst>
   </p:cSld>
   <p:clrMapOvr>
     <a:masterClrMapping/>
@@ -1070,9 +1543,9 @@
           </a:lstStyle>
           <a:p>
             <a:fld id="{48A87A34-81AB-432B-8DAE-1953F412C126}" type="datetimeFigureOut">
-              <a:rPr lang="en-US" dirty="0"/>
+              <a:rPr lang="en-US" smtClean="0"/>
               <a:pPr/>
-              <a:t>3/12/2019</a:t>
+              <a:t>3/16/2019</a:t>
             </a:fld>
             <a:endParaRPr lang="en-US" dirty="0"/>
           </a:p>
@@ -1123,7 +1596,7 @@
           <a:lstStyle/>
           <a:p>
             <a:fld id="{6D22F896-40B5-4ADD-8801-0D06FADFA095}" type="slidenum">
-              <a:rPr lang="en-US" dirty="0"/>
+              <a:rPr lang="en-US" smtClean="0"/>
               <a:t>‹#›</a:t>
             </a:fld>
             <a:endParaRPr lang="en-US" dirty="0"/>
@@ -1363,6 +1836,11 @@
         </p:txBody>
       </p:sp>
     </p:spTree>
+    <p:extLst>
+      <p:ext uri="{BB962C8B-B14F-4D97-AF65-F5344CB8AC3E}">
+        <p14:creationId xmlns:p14="http://schemas.microsoft.com/office/powerpoint/2010/main" val="4021613528"/>
+      </p:ext>
+    </p:extLst>
   </p:cSld>
   <p:clrMapOvr>
     <a:masterClrMapping/>
@@ -1539,9 +2017,9 @@
           </a:lstStyle>
           <a:p>
             <a:fld id="{48A87A34-81AB-432B-8DAE-1953F412C126}" type="datetimeFigureOut">
-              <a:rPr lang="en-US" dirty="0"/>
+              <a:rPr lang="en-US" smtClean="0"/>
               <a:pPr/>
-              <a:t>3/12/2019</a:t>
+              <a:t>3/16/2019</a:t>
             </a:fld>
             <a:endParaRPr lang="en-US" dirty="0"/>
           </a:p>
@@ -1592,7 +2070,7 @@
           <a:lstStyle/>
           <a:p>
             <a:fld id="{6D22F896-40B5-4ADD-8801-0D06FADFA095}" type="slidenum">
-              <a:rPr lang="en-US" dirty="0"/>
+              <a:rPr lang="en-US" smtClean="0"/>
               <a:t>‹#›</a:t>
             </a:fld>
             <a:endParaRPr lang="en-US" dirty="0"/>
@@ -1600,6 +2078,11 @@
         </p:txBody>
       </p:sp>
     </p:spTree>
+    <p:extLst>
+      <p:ext uri="{BB962C8B-B14F-4D97-AF65-F5344CB8AC3E}">
+        <p14:creationId xmlns:p14="http://schemas.microsoft.com/office/powerpoint/2010/main" val="3437862371"/>
+      </p:ext>
+    </p:extLst>
   </p:cSld>
   <p:clrMapOvr>
     <a:masterClrMapping/>
@@ -2082,8 +2565,8 @@
           <a:lstStyle/>
           <a:p>
             <a:fld id="{48A87A34-81AB-432B-8DAE-1953F412C126}" type="datetimeFigureOut">
-              <a:rPr lang="en-US" dirty="0"/>
-              <a:t>3/12/2019</a:t>
+              <a:rPr lang="en-US" smtClean="0"/>
+              <a:t>3/16/2019</a:t>
             </a:fld>
             <a:endParaRPr lang="en-US" dirty="0"/>
           </a:p>
@@ -2124,7 +2607,7 @@
           <a:lstStyle/>
           <a:p>
             <a:fld id="{6D22F896-40B5-4ADD-8801-0D06FADFA095}" type="slidenum">
-              <a:rPr lang="en-US" dirty="0"/>
+              <a:rPr lang="en-US" smtClean="0"/>
               <a:t>‹#›</a:t>
             </a:fld>
             <a:endParaRPr lang="en-US" dirty="0"/>
@@ -2132,6 +2615,11 @@
         </p:txBody>
       </p:sp>
     </p:spTree>
+    <p:extLst>
+      <p:ext uri="{BB962C8B-B14F-4D97-AF65-F5344CB8AC3E}">
+        <p14:creationId xmlns:p14="http://schemas.microsoft.com/office/powerpoint/2010/main" val="3331695108"/>
+      </p:ext>
+    </p:extLst>
   </p:cSld>
   <p:clrMapOvr>
     <a:masterClrMapping/>
@@ -2851,8 +3339,8 @@
           <a:lstStyle/>
           <a:p>
             <a:fld id="{48A87A34-81AB-432B-8DAE-1953F412C126}" type="datetimeFigureOut">
-              <a:rPr lang="en-US" dirty="0"/>
-              <a:t>3/12/2019</a:t>
+              <a:rPr lang="en-US" smtClean="0"/>
+              <a:t>3/16/2019</a:t>
             </a:fld>
             <a:endParaRPr lang="en-US" dirty="0"/>
           </a:p>
@@ -2893,7 +3381,7 @@
           <a:lstStyle/>
           <a:p>
             <a:fld id="{6D22F896-40B5-4ADD-8801-0D06FADFA095}" type="slidenum">
-              <a:rPr lang="en-US" dirty="0"/>
+              <a:rPr lang="en-US" smtClean="0"/>
               <a:t>‹#›</a:t>
             </a:fld>
             <a:endParaRPr lang="en-US" dirty="0"/>
@@ -2901,6 +3389,11 @@
         </p:txBody>
       </p:sp>
     </p:spTree>
+    <p:extLst>
+      <p:ext uri="{BB962C8B-B14F-4D97-AF65-F5344CB8AC3E}">
+        <p14:creationId xmlns:p14="http://schemas.microsoft.com/office/powerpoint/2010/main" val="1738623652"/>
+      </p:ext>
+    </p:extLst>
   </p:cSld>
   <p:clrMapOvr>
     <a:masterClrMapping/>
@@ -3021,8 +3514,8 @@
           <a:lstStyle/>
           <a:p>
             <a:fld id="{48A87A34-81AB-432B-8DAE-1953F412C126}" type="datetimeFigureOut">
-              <a:rPr lang="en-US" dirty="0"/>
-              <a:t>3/12/2019</a:t>
+              <a:rPr lang="en-US" smtClean="0"/>
+              <a:t>3/16/2019</a:t>
             </a:fld>
             <a:endParaRPr lang="en-US" dirty="0"/>
           </a:p>
@@ -3063,7 +3556,7 @@
           <a:lstStyle/>
           <a:p>
             <a:fld id="{6D22F896-40B5-4ADD-8801-0D06FADFA095}" type="slidenum">
-              <a:rPr lang="en-US" dirty="0"/>
+              <a:rPr lang="en-US" smtClean="0"/>
               <a:t>‹#›</a:t>
             </a:fld>
             <a:endParaRPr lang="en-US" dirty="0"/>
@@ -3071,6 +3564,11 @@
         </p:txBody>
       </p:sp>
     </p:spTree>
+    <p:extLst>
+      <p:ext uri="{BB962C8B-B14F-4D97-AF65-F5344CB8AC3E}">
+        <p14:creationId xmlns:p14="http://schemas.microsoft.com/office/powerpoint/2010/main" val="3993332488"/>
+      </p:ext>
+    </p:extLst>
   </p:cSld>
   <p:clrMapOvr>
     <a:masterClrMapping/>
@@ -3239,9 +3737,9 @@
           </a:lstStyle>
           <a:p>
             <a:fld id="{48A87A34-81AB-432B-8DAE-1953F412C126}" type="datetimeFigureOut">
-              <a:rPr lang="en-US" dirty="0"/>
+              <a:rPr lang="en-US" smtClean="0"/>
               <a:pPr/>
-              <a:t>3/12/2019</a:t>
+              <a:t>3/16/2019</a:t>
             </a:fld>
             <a:endParaRPr lang="en-US" dirty="0"/>
           </a:p>
@@ -3292,7 +3790,7 @@
           <a:lstStyle/>
           <a:p>
             <a:fld id="{6D22F896-40B5-4ADD-8801-0D06FADFA095}" type="slidenum">
-              <a:rPr lang="en-US" dirty="0"/>
+              <a:rPr lang="en-US" smtClean="0"/>
               <a:t>‹#›</a:t>
             </a:fld>
             <a:endParaRPr lang="en-US" dirty="0"/>
@@ -3300,6 +3798,11 @@
         </p:txBody>
       </p:sp>
     </p:spTree>
+    <p:extLst>
+      <p:ext uri="{BB962C8B-B14F-4D97-AF65-F5344CB8AC3E}">
+        <p14:creationId xmlns:p14="http://schemas.microsoft.com/office/powerpoint/2010/main" val="264026974"/>
+      </p:ext>
+    </p:extLst>
   </p:cSld>
   <p:clrMapOvr>
     <a:masterClrMapping/>
@@ -3415,8 +3918,8 @@
           <a:lstStyle/>
           <a:p>
             <a:fld id="{48A87A34-81AB-432B-8DAE-1953F412C126}" type="datetimeFigureOut">
-              <a:rPr lang="en-US" dirty="0"/>
-              <a:t>3/12/2019</a:t>
+              <a:rPr lang="en-US" smtClean="0"/>
+              <a:t>3/16/2019</a:t>
             </a:fld>
             <a:endParaRPr lang="en-US" dirty="0"/>
           </a:p>
@@ -3457,7 +3960,7 @@
           <a:lstStyle/>
           <a:p>
             <a:fld id="{6D22F896-40B5-4ADD-8801-0D06FADFA095}" type="slidenum">
-              <a:rPr lang="en-US" dirty="0"/>
+              <a:rPr lang="en-US" smtClean="0"/>
               <a:t>‹#›</a:t>
             </a:fld>
             <a:endParaRPr lang="en-US" dirty="0"/>
@@ -3465,6 +3968,11 @@
         </p:txBody>
       </p:sp>
     </p:spTree>
+    <p:extLst>
+      <p:ext uri="{BB962C8B-B14F-4D97-AF65-F5344CB8AC3E}">
+        <p14:creationId xmlns:p14="http://schemas.microsoft.com/office/powerpoint/2010/main" val="2731228684"/>
+      </p:ext>
+    </p:extLst>
   </p:cSld>
   <p:clrMapOvr>
     <a:masterClrMapping/>
@@ -3699,9 +4207,9 @@
           </a:lstStyle>
           <a:p>
             <a:fld id="{48A87A34-81AB-432B-8DAE-1953F412C126}" type="datetimeFigureOut">
-              <a:rPr lang="en-US" dirty="0"/>
+              <a:rPr lang="en-US" smtClean="0"/>
               <a:pPr/>
-              <a:t>3/12/2019</a:t>
+              <a:t>3/16/2019</a:t>
             </a:fld>
             <a:endParaRPr lang="en-US" dirty="0"/>
           </a:p>
@@ -3752,7 +4260,7 @@
           <a:lstStyle/>
           <a:p>
             <a:fld id="{6D22F896-40B5-4ADD-8801-0D06FADFA095}" type="slidenum">
-              <a:rPr lang="en-US" dirty="0"/>
+              <a:rPr lang="en-US" smtClean="0"/>
               <a:t>‹#›</a:t>
             </a:fld>
             <a:endParaRPr lang="en-US" dirty="0"/>
@@ -3760,6 +4268,11 @@
         </p:txBody>
       </p:sp>
     </p:spTree>
+    <p:extLst>
+      <p:ext uri="{BB962C8B-B14F-4D97-AF65-F5344CB8AC3E}">
+        <p14:creationId xmlns:p14="http://schemas.microsoft.com/office/powerpoint/2010/main" val="18951819"/>
+      </p:ext>
+    </p:extLst>
   </p:cSld>
   <p:clrMapOvr>
     <a:masterClrMapping/>
@@ -3937,8 +4450,8 @@
           <a:lstStyle/>
           <a:p>
             <a:fld id="{48A87A34-81AB-432B-8DAE-1953F412C126}" type="datetimeFigureOut">
-              <a:rPr lang="en-US" dirty="0"/>
-              <a:t>3/12/2019</a:t>
+              <a:rPr lang="en-US" smtClean="0"/>
+              <a:t>3/16/2019</a:t>
             </a:fld>
             <a:endParaRPr lang="en-US" dirty="0"/>
           </a:p>
@@ -3979,7 +4492,7 @@
           <a:lstStyle/>
           <a:p>
             <a:fld id="{6D22F896-40B5-4ADD-8801-0D06FADFA095}" type="slidenum">
-              <a:rPr lang="en-US" dirty="0"/>
+              <a:rPr lang="en-US" smtClean="0"/>
               <a:t>‹#›</a:t>
             </a:fld>
             <a:endParaRPr lang="en-US" dirty="0"/>
@@ -3987,6 +4500,11 @@
         </p:txBody>
       </p:sp>
     </p:spTree>
+    <p:extLst>
+      <p:ext uri="{BB962C8B-B14F-4D97-AF65-F5344CB8AC3E}">
+        <p14:creationId xmlns:p14="http://schemas.microsoft.com/office/powerpoint/2010/main" val="3651746999"/>
+      </p:ext>
+    </p:extLst>
   </p:cSld>
   <p:clrMapOvr>
     <a:masterClrMapping/>
@@ -4311,8 +4829,8 @@
           <a:lstStyle/>
           <a:p>
             <a:fld id="{48A87A34-81AB-432B-8DAE-1953F412C126}" type="datetimeFigureOut">
-              <a:rPr lang="en-US" dirty="0"/>
-              <a:t>3/12/2019</a:t>
+              <a:rPr lang="en-US" smtClean="0"/>
+              <a:t>3/16/2019</a:t>
             </a:fld>
             <a:endParaRPr lang="en-US" dirty="0"/>
           </a:p>
@@ -4353,7 +4871,7 @@
           <a:lstStyle/>
           <a:p>
             <a:fld id="{6D22F896-40B5-4ADD-8801-0D06FADFA095}" type="slidenum">
-              <a:rPr lang="en-US" dirty="0"/>
+              <a:rPr lang="en-US" smtClean="0"/>
               <a:t>‹#›</a:t>
             </a:fld>
             <a:endParaRPr lang="en-US" dirty="0"/>
@@ -4361,6 +4879,11 @@
         </p:txBody>
       </p:sp>
     </p:spTree>
+    <p:extLst>
+      <p:ext uri="{BB962C8B-B14F-4D97-AF65-F5344CB8AC3E}">
+        <p14:creationId xmlns:p14="http://schemas.microsoft.com/office/powerpoint/2010/main" val="189971944"/>
+      </p:ext>
+    </p:extLst>
   </p:cSld>
   <p:clrMapOvr>
     <a:masterClrMapping/>
@@ -4424,8 +4947,8 @@
           <a:lstStyle/>
           <a:p>
             <a:fld id="{48A87A34-81AB-432B-8DAE-1953F412C126}" type="datetimeFigureOut">
-              <a:rPr lang="en-US" dirty="0"/>
-              <a:t>3/12/2019</a:t>
+              <a:rPr lang="en-US" smtClean="0"/>
+              <a:t>3/16/2019</a:t>
             </a:fld>
             <a:endParaRPr lang="en-US" dirty="0"/>
           </a:p>
@@ -4466,7 +4989,7 @@
           <a:lstStyle/>
           <a:p>
             <a:fld id="{6D22F896-40B5-4ADD-8801-0D06FADFA095}" type="slidenum">
-              <a:rPr lang="en-US" dirty="0"/>
+              <a:rPr lang="en-US" smtClean="0"/>
               <a:t>‹#›</a:t>
             </a:fld>
             <a:endParaRPr lang="en-US" dirty="0"/>
@@ -4474,6 +4997,11 @@
         </p:txBody>
       </p:sp>
     </p:spTree>
+    <p:extLst>
+      <p:ext uri="{BB962C8B-B14F-4D97-AF65-F5344CB8AC3E}">
+        <p14:creationId xmlns:p14="http://schemas.microsoft.com/office/powerpoint/2010/main" val="1520664977"/>
+      </p:ext>
+    </p:extLst>
   </p:cSld>
   <p:clrMapOvr>
     <a:masterClrMapping/>
@@ -4514,8 +5042,8 @@
           <a:lstStyle/>
           <a:p>
             <a:fld id="{48A87A34-81AB-432B-8DAE-1953F412C126}" type="datetimeFigureOut">
-              <a:rPr lang="en-US" dirty="0"/>
-              <a:t>3/12/2019</a:t>
+              <a:rPr lang="en-US" smtClean="0"/>
+              <a:t>3/16/2019</a:t>
             </a:fld>
             <a:endParaRPr lang="en-US" dirty="0"/>
           </a:p>
@@ -4556,7 +5084,7 @@
           <a:lstStyle/>
           <a:p>
             <a:fld id="{6D22F896-40B5-4ADD-8801-0D06FADFA095}" type="slidenum">
-              <a:rPr lang="en-US" dirty="0"/>
+              <a:rPr lang="en-US" smtClean="0"/>
               <a:t>‹#›</a:t>
             </a:fld>
             <a:endParaRPr lang="en-US" dirty="0"/>
@@ -4564,6 +5092,11 @@
         </p:txBody>
       </p:sp>
     </p:spTree>
+    <p:extLst>
+      <p:ext uri="{BB962C8B-B14F-4D97-AF65-F5344CB8AC3E}">
+        <p14:creationId xmlns:p14="http://schemas.microsoft.com/office/powerpoint/2010/main" val="766571244"/>
+      </p:ext>
+    </p:extLst>
   </p:cSld>
   <p:clrMapOvr>
     <a:masterClrMapping/>
@@ -4758,8 +5291,8 @@
           <a:lstStyle/>
           <a:p>
             <a:fld id="{48A87A34-81AB-432B-8DAE-1953F412C126}" type="datetimeFigureOut">
-              <a:rPr lang="en-US" dirty="0"/>
-              <a:t>3/12/2019</a:t>
+              <a:rPr lang="en-US" smtClean="0"/>
+              <a:t>3/16/2019</a:t>
             </a:fld>
             <a:endParaRPr lang="en-US" dirty="0"/>
           </a:p>
@@ -4800,7 +5333,7 @@
           <a:lstStyle/>
           <a:p>
             <a:fld id="{6D22F896-40B5-4ADD-8801-0D06FADFA095}" type="slidenum">
-              <a:rPr lang="en-US" dirty="0"/>
+              <a:rPr lang="en-US" smtClean="0"/>
               <a:t>‹#›</a:t>
             </a:fld>
             <a:endParaRPr lang="en-US" dirty="0"/>
@@ -4808,6 +5341,11 @@
         </p:txBody>
       </p:sp>
     </p:spTree>
+    <p:extLst>
+      <p:ext uri="{BB962C8B-B14F-4D97-AF65-F5344CB8AC3E}">
+        <p14:creationId xmlns:p14="http://schemas.microsoft.com/office/powerpoint/2010/main" val="483595271"/>
+      </p:ext>
+    </p:extLst>
   </p:cSld>
   <p:clrMapOvr>
     <a:masterClrMapping/>
@@ -5010,8 +5548,8 @@
           <a:lstStyle/>
           <a:p>
             <a:fld id="{48A87A34-81AB-432B-8DAE-1953F412C126}" type="datetimeFigureOut">
-              <a:rPr lang="en-US" dirty="0"/>
-              <a:t>3/12/2019</a:t>
+              <a:rPr lang="en-US" smtClean="0"/>
+              <a:t>3/16/2019</a:t>
             </a:fld>
             <a:endParaRPr lang="en-US" dirty="0"/>
           </a:p>
@@ -5052,7 +5590,7 @@
           <a:lstStyle/>
           <a:p>
             <a:fld id="{6D22F896-40B5-4ADD-8801-0D06FADFA095}" type="slidenum">
-              <a:rPr lang="en-US" dirty="0"/>
+              <a:rPr lang="en-US" smtClean="0"/>
               <a:t>‹#›</a:t>
             </a:fld>
             <a:endParaRPr lang="en-US" dirty="0"/>
@@ -5060,6 +5598,11 @@
         </p:txBody>
       </p:sp>
     </p:spTree>
+    <p:extLst>
+      <p:ext uri="{BB962C8B-B14F-4D97-AF65-F5344CB8AC3E}">
+        <p14:creationId xmlns:p14="http://schemas.microsoft.com/office/powerpoint/2010/main" val="4122856358"/>
+      </p:ext>
+    </p:extLst>
   </p:cSld>
   <p:clrMapOvr>
     <a:masterClrMapping/>
@@ -5248,9 +5791,9 @@
           </a:lstStyle>
           <a:p>
             <a:fld id="{48A87A34-81AB-432B-8DAE-1953F412C126}" type="datetimeFigureOut">
-              <a:rPr lang="en-US" dirty="0"/>
+              <a:rPr lang="en-US" smtClean="0"/>
               <a:pPr/>
-              <a:t>3/12/2019</a:t>
+              <a:t>3/16/2019</a:t>
             </a:fld>
             <a:endParaRPr lang="en-US" dirty="0"/>
           </a:p>
@@ -5327,7 +5870,7 @@
           </a:lstStyle>
           <a:p>
             <a:fld id="{6D22F896-40B5-4ADD-8801-0D06FADFA095}" type="slidenum">
-              <a:rPr lang="en-US" dirty="0"/>
+              <a:rPr lang="en-US" smtClean="0"/>
               <a:pPr/>
               <a:t>‹#›</a:t>
             </a:fld>
@@ -5336,26 +5879,31 @@
         </p:txBody>
       </p:sp>
     </p:spTree>
+    <p:extLst>
+      <p:ext uri="{BB962C8B-B14F-4D97-AF65-F5344CB8AC3E}">
+        <p14:creationId xmlns:p14="http://schemas.microsoft.com/office/powerpoint/2010/main" val="1672460401"/>
+      </p:ext>
+    </p:extLst>
   </p:cSld>
   <p:clrMap bg1="dk1" tx1="lt1" bg2="dk2" tx2="lt2" accent1="accent1" accent2="accent2" accent3="accent3" accent4="accent4" accent5="accent5" accent6="accent6" hlink="hlink" folHlink="folHlink"/>
   <p:sldLayoutIdLst>
-    <p:sldLayoutId id="2147483649" r:id="rId1"/>
-    <p:sldLayoutId id="2147483650" r:id="rId2"/>
-    <p:sldLayoutId id="2147483651" r:id="rId3"/>
-    <p:sldLayoutId id="2147483652" r:id="rId4"/>
-    <p:sldLayoutId id="2147483653" r:id="rId5"/>
-    <p:sldLayoutId id="2147483654" r:id="rId6"/>
-    <p:sldLayoutId id="2147483655" r:id="rId7"/>
-    <p:sldLayoutId id="2147483656" r:id="rId8"/>
-    <p:sldLayoutId id="2147483657" r:id="rId9"/>
-    <p:sldLayoutId id="2147483660" r:id="rId10"/>
-    <p:sldLayoutId id="2147483661" r:id="rId11"/>
-    <p:sldLayoutId id="2147483666" r:id="rId12"/>
-    <p:sldLayoutId id="2147483663" r:id="rId13"/>
-    <p:sldLayoutId id="2147483667" r:id="rId14"/>
-    <p:sldLayoutId id="2147483668" r:id="rId15"/>
-    <p:sldLayoutId id="2147483658" r:id="rId16"/>
-    <p:sldLayoutId id="2147483659" r:id="rId17"/>
+    <p:sldLayoutId id="2147483706" r:id="rId1"/>
+    <p:sldLayoutId id="2147483707" r:id="rId2"/>
+    <p:sldLayoutId id="2147483708" r:id="rId3"/>
+    <p:sldLayoutId id="2147483709" r:id="rId4"/>
+    <p:sldLayoutId id="2147483710" r:id="rId5"/>
+    <p:sldLayoutId id="2147483711" r:id="rId6"/>
+    <p:sldLayoutId id="2147483712" r:id="rId7"/>
+    <p:sldLayoutId id="2147483713" r:id="rId8"/>
+    <p:sldLayoutId id="2147483714" r:id="rId9"/>
+    <p:sldLayoutId id="2147483715" r:id="rId10"/>
+    <p:sldLayoutId id="2147483716" r:id="rId11"/>
+    <p:sldLayoutId id="2147483717" r:id="rId12"/>
+    <p:sldLayoutId id="2147483718" r:id="rId13"/>
+    <p:sldLayoutId id="2147483719" r:id="rId14"/>
+    <p:sldLayoutId id="2147483720" r:id="rId15"/>
+    <p:sldLayoutId id="2147483721" r:id="rId16"/>
+    <p:sldLayoutId id="2147483722" r:id="rId17"/>
   </p:sldLayoutIdLst>
   <p:txStyles>
     <p:titleStyle>
@@ -5750,6 +6298,10 @@
               <a:t>2019</a:t>
             </a:r>
           </a:p>
+          <a:p>
+            <a:pPr algn="ctr"/>
+            <a:endParaRPr lang="hu-HU" dirty="0"/>
+          </a:p>
         </p:txBody>
       </p:sp>
     </p:spTree>
@@ -5765,10 +6317,445 @@
 </p:sld>
 </file>
 
+<file path=ppt/slides/slide2.xml><?xml version="1.0" encoding="utf-8"?>
+<p:sld xmlns:a="http://schemas.openxmlformats.org/drawingml/2006/main" xmlns:r="http://schemas.openxmlformats.org/officeDocument/2006/relationships" xmlns:p="http://schemas.openxmlformats.org/presentationml/2006/main">
+  <p:cSld>
+    <p:spTree>
+      <p:nvGrpSpPr>
+        <p:cNvPr id="1" name=""/>
+        <p:cNvGrpSpPr/>
+        <p:nvPr/>
+      </p:nvGrpSpPr>
+      <p:grpSpPr>
+        <a:xfrm>
+          <a:off x="0" y="0"/>
+          <a:ext cx="0" cy="0"/>
+          <a:chOff x="0" y="0"/>
+          <a:chExt cx="0" cy="0"/>
+        </a:xfrm>
+      </p:grpSpPr>
+      <p:sp>
+        <p:nvSpPr>
+          <p:cNvPr id="4" name="Cím 1">
+            <a:extLst>
+              <a:ext uri="{FF2B5EF4-FFF2-40B4-BE49-F238E27FC236}">
+                <a16:creationId xmlns:a16="http://schemas.microsoft.com/office/drawing/2014/main" id="{6F8381D0-FCAD-4C42-B81C-067561EEE756}"/>
+              </a:ext>
+            </a:extLst>
+          </p:cNvPr>
+          <p:cNvSpPr>
+            <a:spLocks noGrp="1"/>
+          </p:cNvSpPr>
+          <p:nvPr>
+            <p:ph type="title"/>
+          </p:nvPr>
+        </p:nvSpPr>
+        <p:spPr>
+          <a:xfrm>
+            <a:off x="685800" y="639315"/>
+            <a:ext cx="8610600" cy="1293812"/>
+          </a:xfrm>
+        </p:spPr>
+        <p:txBody>
+          <a:bodyPr/>
+          <a:lstStyle/>
+          <a:p>
+            <a:r>
+              <a:rPr lang="ro-RO" dirty="0"/>
+              <a:t>Egy általános neurális háló</a:t>
+            </a:r>
+            <a:endParaRPr lang="hu-HU" dirty="0"/>
+          </a:p>
+        </p:txBody>
+      </p:sp>
+      <p:sp>
+        <p:nvSpPr>
+          <p:cNvPr id="5" name="Cím 1">
+            <a:extLst>
+              <a:ext uri="{FF2B5EF4-FFF2-40B4-BE49-F238E27FC236}">
+                <a16:creationId xmlns:a16="http://schemas.microsoft.com/office/drawing/2014/main" id="{A337DADC-B017-4E71-9C00-02F13F73BA24}"/>
+              </a:ext>
+            </a:extLst>
+          </p:cNvPr>
+          <p:cNvSpPr txBox="1">
+            <a:spLocks/>
+          </p:cNvSpPr>
+          <p:nvPr/>
+        </p:nvSpPr>
+        <p:spPr>
+          <a:xfrm>
+            <a:off x="0" y="-79914"/>
+            <a:ext cx="10515600" cy="1325563"/>
+          </a:xfrm>
+          <a:prstGeom prst="rect">
+            <a:avLst/>
+          </a:prstGeom>
+        </p:spPr>
+        <p:txBody>
+          <a:bodyPr vert="horz" lIns="91440" tIns="45720" rIns="91440" bIns="45720" rtlCol="0" anchor="ctr">
+            <a:normAutofit/>
+          </a:bodyPr>
+          <a:lstStyle>
+            <a:lvl1pPr algn="r" defTabSz="914400" rtl="0" eaLnBrk="1" latinLnBrk="0" hangingPunct="1">
+              <a:lnSpc>
+                <a:spcPct val="90000"/>
+              </a:lnSpc>
+              <a:spcBef>
+                <a:spcPct val="0"/>
+              </a:spcBef>
+              <a:buNone/>
+              <a:defRPr sz="4000" kern="1200" cap="all" baseline="0">
+                <a:solidFill>
+                  <a:schemeClr val="tx1"/>
+                </a:solidFill>
+                <a:latin typeface="+mj-lt"/>
+                <a:ea typeface="+mj-ea"/>
+                <a:cs typeface="+mj-cs"/>
+              </a:defRPr>
+            </a:lvl1pPr>
+          </a:lstStyle>
+          <a:p>
+            <a:pPr algn="ctr"/>
+            <a:r>
+              <a:rPr lang="ro-RO" dirty="0"/>
+              <a:t>Emlékeztet</a:t>
+            </a:r>
+            <a:r>
+              <a:rPr lang="hu-HU" dirty="0"/>
+              <a:t>ő</a:t>
+            </a:r>
+          </a:p>
+        </p:txBody>
+      </p:sp>
+      <p:sp>
+        <p:nvSpPr>
+          <p:cNvPr id="6" name="Tartalom helye 3">
+            <a:extLst>
+              <a:ext uri="{FF2B5EF4-FFF2-40B4-BE49-F238E27FC236}">
+                <a16:creationId xmlns:a16="http://schemas.microsoft.com/office/drawing/2014/main" id="{01F82133-4639-4252-B822-82F043978317}"/>
+              </a:ext>
+            </a:extLst>
+          </p:cNvPr>
+          <p:cNvSpPr>
+            <a:spLocks noGrp="1"/>
+          </p:cNvSpPr>
+          <p:nvPr>
+            <p:ph idx="1"/>
+          </p:nvPr>
+        </p:nvSpPr>
+        <p:spPr>
+          <a:xfrm>
+            <a:off x="685800" y="2193925"/>
+            <a:ext cx="5668505" cy="4024313"/>
+          </a:xfrm>
+        </p:spPr>
+        <p:txBody>
+          <a:bodyPr>
+            <a:normAutofit/>
+          </a:bodyPr>
+          <a:lstStyle/>
+          <a:p>
+            <a:pPr marL="0" indent="0" algn="just">
+              <a:buNone/>
+            </a:pPr>
+            <a:r>
+              <a:rPr lang="hu-HU" b="1" dirty="0">
+                <a:latin typeface="+mj-lt"/>
+              </a:rPr>
+              <a:t>Bementi réteg</a:t>
+            </a:r>
+            <a:r>
+              <a:rPr lang="hu-HU" dirty="0">
+                <a:latin typeface="+mj-lt"/>
+              </a:rPr>
+              <a:t>: módosítatlanul továbbítja a bemenetként átadott adatot a hálózat többi részének. </a:t>
+            </a:r>
+          </a:p>
+          <a:p>
+            <a:pPr marL="0" indent="0" algn="just">
+              <a:buNone/>
+            </a:pPr>
+            <a:r>
+              <a:rPr lang="hu-HU" b="1" dirty="0">
+                <a:latin typeface="+mj-lt"/>
+              </a:rPr>
+              <a:t>Rejtett rétegek</a:t>
+            </a:r>
+            <a:r>
+              <a:rPr lang="hu-HU" dirty="0">
+                <a:latin typeface="+mj-lt"/>
+              </a:rPr>
+              <a:t>: a bemenet és a kimenet között helyezkednek el, feladatuk az információ transzformációja, kódolása, illetve absztrakciók, köztes reprezentációk létrehozása. </a:t>
+            </a:r>
+          </a:p>
+          <a:p>
+            <a:pPr marL="0" indent="0" algn="just">
+              <a:buNone/>
+            </a:pPr>
+            <a:r>
+              <a:rPr lang="hu-HU" b="1" dirty="0">
+                <a:latin typeface="+mj-lt"/>
+              </a:rPr>
+              <a:t>Kimeneti réteg</a:t>
+            </a:r>
+            <a:r>
+              <a:rPr lang="hu-HU" dirty="0">
+                <a:latin typeface="+mj-lt"/>
+              </a:rPr>
+              <a:t>: A kimeneti függvényt és a kimeneti neuronok számát az adott probléma jellege határozza meg.</a:t>
+            </a:r>
+          </a:p>
+        </p:txBody>
+      </p:sp>
+      <p:grpSp>
+        <p:nvGrpSpPr>
+          <p:cNvPr id="7" name="Csoportba foglalás 6">
+            <a:extLst>
+              <a:ext uri="{FF2B5EF4-FFF2-40B4-BE49-F238E27FC236}">
+                <a16:creationId xmlns:a16="http://schemas.microsoft.com/office/drawing/2014/main" id="{FDDF496D-34CB-4E90-B127-4707B23074D1}"/>
+              </a:ext>
+            </a:extLst>
+          </p:cNvPr>
+          <p:cNvGrpSpPr/>
+          <p:nvPr/>
+        </p:nvGrpSpPr>
+        <p:grpSpPr>
+          <a:xfrm>
+            <a:off x="7280694" y="1813302"/>
+            <a:ext cx="4658264" cy="4846289"/>
+            <a:chOff x="7056408" y="1173192"/>
+            <a:chExt cx="4658264" cy="5262113"/>
+          </a:xfrm>
+          <a:solidFill>
+            <a:schemeClr val="tx1"/>
+          </a:solidFill>
+        </p:grpSpPr>
+        <p:sp>
+          <p:nvSpPr>
+            <p:cNvPr id="8" name="Téglalap 7">
+              <a:extLst>
+                <a:ext uri="{FF2B5EF4-FFF2-40B4-BE49-F238E27FC236}">
+                  <a16:creationId xmlns:a16="http://schemas.microsoft.com/office/drawing/2014/main" id="{CA98417B-857B-4441-A460-9460DC25FA7F}"/>
+                </a:ext>
+              </a:extLst>
+            </p:cNvPr>
+            <p:cNvSpPr/>
+            <p:nvPr/>
+          </p:nvSpPr>
+          <p:spPr>
+            <a:xfrm>
+              <a:off x="7056408" y="1173192"/>
+              <a:ext cx="4658264" cy="5262113"/>
+            </a:xfrm>
+            <a:prstGeom prst="rect">
+              <a:avLst/>
+            </a:prstGeom>
+            <a:grpFill/>
+          </p:spPr>
+          <p:style>
+            <a:lnRef idx="2">
+              <a:schemeClr val="accent1">
+                <a:shade val="50000"/>
+              </a:schemeClr>
+            </a:lnRef>
+            <a:fillRef idx="1">
+              <a:schemeClr val="accent1"/>
+            </a:fillRef>
+            <a:effectRef idx="0">
+              <a:schemeClr val="accent1"/>
+            </a:effectRef>
+            <a:fontRef idx="minor">
+              <a:schemeClr val="lt1"/>
+            </a:fontRef>
+          </p:style>
+          <p:txBody>
+            <a:bodyPr rtlCol="0" anchor="ctr"/>
+            <a:lstStyle/>
+            <a:p>
+              <a:pPr algn="ctr"/>
+              <a:endParaRPr lang="hu-HU"/>
+            </a:p>
+          </p:txBody>
+        </p:sp>
+        <p:pic>
+          <p:nvPicPr>
+            <p:cNvPr id="9" name="Picture 2" descr="https://upload.wikimedia.org/wikipedia/commons/b/b9/Szines_neuralis_halo.png">
+              <a:extLst>
+                <a:ext uri="{FF2B5EF4-FFF2-40B4-BE49-F238E27FC236}">
+                  <a16:creationId xmlns:a16="http://schemas.microsoft.com/office/drawing/2014/main" id="{8472C259-F6E6-4EF9-A195-EA4D09372D70}"/>
+                </a:ext>
+              </a:extLst>
+            </p:cNvPr>
+            <p:cNvPicPr>
+              <a:picLocks noChangeAspect="1" noChangeArrowheads="1"/>
+            </p:cNvPicPr>
+            <p:nvPr/>
+          </p:nvPicPr>
+          <p:blipFill>
+            <a:blip r:embed="rId2">
+              <a:extLst>
+                <a:ext uri="{28A0092B-C50C-407E-A947-70E740481C1C}">
+                  <a14:useLocalDpi xmlns:a14="http://schemas.microsoft.com/office/drawing/2010/main" val="0"/>
+                </a:ext>
+              </a:extLst>
+            </a:blip>
+            <a:srcRect/>
+            <a:stretch>
+              <a:fillRect/>
+            </a:stretch>
+          </p:blipFill>
+          <p:spPr bwMode="auto">
+            <a:xfrm>
+              <a:off x="7346051" y="1320533"/>
+              <a:ext cx="4111265" cy="4947454"/>
+            </a:xfrm>
+            <a:prstGeom prst="rect">
+              <a:avLst/>
+            </a:prstGeom>
+            <a:grpFill/>
+            <a:extLst>
+              <a:ext uri="{909E8E84-426E-40DD-AFC4-6F175D3DCCD1}">
+                <a14:hiddenFill xmlns:a14="http://schemas.microsoft.com/office/drawing/2010/main">
+                  <a:solidFill>
+                    <a:srgbClr val="FFFFFF"/>
+                  </a:solidFill>
+                </a14:hiddenFill>
+              </a:ext>
+            </a:extLst>
+          </p:spPr>
+        </p:pic>
+      </p:grpSp>
+    </p:spTree>
+    <p:extLst>
+      <p:ext uri="{BB962C8B-B14F-4D97-AF65-F5344CB8AC3E}">
+        <p14:creationId xmlns:p14="http://schemas.microsoft.com/office/powerpoint/2010/main" val="3253175854"/>
+      </p:ext>
+    </p:extLst>
+  </p:cSld>
+  <p:clrMapOvr>
+    <a:masterClrMapping/>
+  </p:clrMapOvr>
+</p:sld>
+</file>
+
+<file path=ppt/slides/slide3.xml><?xml version="1.0" encoding="utf-8"?>
+<p:sld xmlns:a="http://schemas.openxmlformats.org/drawingml/2006/main" xmlns:r="http://schemas.openxmlformats.org/officeDocument/2006/relationships" xmlns:p="http://schemas.openxmlformats.org/presentationml/2006/main">
+  <p:cSld>
+    <p:spTree>
+      <p:nvGrpSpPr>
+        <p:cNvPr id="1" name=""/>
+        <p:cNvGrpSpPr/>
+        <p:nvPr/>
+      </p:nvGrpSpPr>
+      <p:grpSpPr>
+        <a:xfrm>
+          <a:off x="0" y="0"/>
+          <a:ext cx="0" cy="0"/>
+          <a:chOff x="0" y="0"/>
+          <a:chExt cx="0" cy="0"/>
+        </a:xfrm>
+      </p:grpSpPr>
+      <p:sp>
+        <p:nvSpPr>
+          <p:cNvPr id="4" name="Cím 3">
+            <a:extLst>
+              <a:ext uri="{FF2B5EF4-FFF2-40B4-BE49-F238E27FC236}">
+                <a16:creationId xmlns:a16="http://schemas.microsoft.com/office/drawing/2014/main" id="{D906D088-24EC-4FDF-8CCA-A16110D02BF5}"/>
+              </a:ext>
+            </a:extLst>
+          </p:cNvPr>
+          <p:cNvSpPr>
+            <a:spLocks noGrp="1"/>
+          </p:cNvSpPr>
+          <p:nvPr>
+            <p:ph type="title"/>
+          </p:nvPr>
+        </p:nvSpPr>
+        <p:spPr>
+          <a:xfrm>
+            <a:off x="685800" y="639315"/>
+            <a:ext cx="10820400" cy="1293812"/>
+          </a:xfrm>
+        </p:spPr>
+        <p:txBody>
+          <a:bodyPr/>
+          <a:lstStyle/>
+          <a:p>
+            <a:pPr algn="ctr"/>
+            <a:r>
+              <a:rPr lang="ro-RO" dirty="0"/>
+              <a:t>Neurális hálózat típusok</a:t>
+            </a:r>
+            <a:endParaRPr lang="hu-HU" dirty="0"/>
+          </a:p>
+        </p:txBody>
+      </p:sp>
+      <p:pic>
+        <p:nvPicPr>
+          <p:cNvPr id="5" name="Picture 2" descr="https://s3-ap-south-1.amazonaws.com/av-blog-media/wp-content/uploads/2018/10/Screenshot-from-2018-10-12-14-10-51.png">
+            <a:extLst>
+              <a:ext uri="{FF2B5EF4-FFF2-40B4-BE49-F238E27FC236}">
+                <a16:creationId xmlns:a16="http://schemas.microsoft.com/office/drawing/2014/main" id="{C62CC931-41DD-4A06-96B3-75B92055886C}"/>
+              </a:ext>
+            </a:extLst>
+          </p:cNvPr>
+          <p:cNvPicPr>
+            <a:picLocks noGrp="1" noChangeAspect="1" noChangeArrowheads="1"/>
+          </p:cNvPicPr>
+          <p:nvPr>
+            <p:ph idx="1"/>
+          </p:nvPr>
+        </p:nvPicPr>
+        <p:blipFill>
+          <a:blip r:embed="rId2">
+            <a:extLst>
+              <a:ext uri="{28A0092B-C50C-407E-A947-70E740481C1C}">
+                <a14:useLocalDpi xmlns:a14="http://schemas.microsoft.com/office/drawing/2010/main" val="0"/>
+              </a:ext>
+            </a:extLst>
+          </a:blip>
+          <a:srcRect/>
+          <a:stretch>
+            <a:fillRect/>
+          </a:stretch>
+        </p:blipFill>
+        <p:spPr bwMode="auto">
+          <a:xfrm>
+            <a:off x="1604962" y="2202873"/>
+            <a:ext cx="8982075" cy="3393858"/>
+          </a:xfrm>
+          <a:prstGeom prst="rect">
+            <a:avLst/>
+          </a:prstGeom>
+          <a:noFill/>
+          <a:extLst>
+            <a:ext uri="{909E8E84-426E-40DD-AFC4-6F175D3DCCD1}">
+              <a14:hiddenFill xmlns:a14="http://schemas.microsoft.com/office/drawing/2010/main">
+                <a:solidFill>
+                  <a:srgbClr val="FFFFFF"/>
+                </a:solidFill>
+              </a14:hiddenFill>
+            </a:ext>
+          </a:extLst>
+        </p:spPr>
+      </p:pic>
+    </p:spTree>
+    <p:extLst>
+      <p:ext uri="{BB962C8B-B14F-4D97-AF65-F5344CB8AC3E}">
+        <p14:creationId xmlns:p14="http://schemas.microsoft.com/office/powerpoint/2010/main" val="2930737173"/>
+      </p:ext>
+    </p:extLst>
+  </p:cSld>
+  <p:clrMapOvr>
+    <a:masterClrMapping/>
+  </p:clrMapOvr>
+</p:sld>
+</file>
+
 <file path=ppt/theme/theme1.xml><?xml version="1.0" encoding="utf-8"?>
 <a:theme xmlns:a="http://schemas.openxmlformats.org/drawingml/2006/main" name="Kondenzcsík">
   <a:themeElements>
-    <a:clrScheme name="Vapor Trail">
+    <a:clrScheme name="Kondenzcsík">
       <a:dk1>
         <a:sysClr val="windowText" lastClr="000000"/>
       </a:dk1>
@@ -5806,7 +6793,7 @@
         <a:srgbClr val="F38B53"/>
       </a:folHlink>
     </a:clrScheme>
-    <a:fontScheme name="Vapor Trail">
+    <a:fontScheme name="Kondenzcsík">
       <a:majorFont>
         <a:latin typeface="Century Gothic" panose="020B0502020202020204"/>
         <a:ea typeface=""/>
@@ -5878,7 +6865,7 @@
         <a:font script="Geor" typeface="Sylfaen"/>
       </a:minorFont>
     </a:fontScheme>
-    <a:fmtScheme name="Vapor Trail">
+    <a:fmtScheme name="Kondenzcsík">
       <a:fillStyleLst>
         <a:solidFill>
           <a:schemeClr val="phClr"/>
@@ -6033,4 +7020,299 @@
     </a:ext>
   </a:extLst>
 </a:theme>
+</file>
+
+<file path=ppt/theme/theme2.xml><?xml version="1.0" encoding="utf-8"?>
+<a:theme xmlns:a="http://schemas.openxmlformats.org/drawingml/2006/main" name="Office-téma">
+  <a:themeElements>
+    <a:clrScheme name="Office">
+      <a:dk1>
+        <a:sysClr val="windowText" lastClr="000000"/>
+      </a:dk1>
+      <a:lt1>
+        <a:sysClr val="window" lastClr="FFFFFF"/>
+      </a:lt1>
+      <a:dk2>
+        <a:srgbClr val="44546A"/>
+      </a:dk2>
+      <a:lt2>
+        <a:srgbClr val="E7E6E6"/>
+      </a:lt2>
+      <a:accent1>
+        <a:srgbClr val="4472C4"/>
+      </a:accent1>
+      <a:accent2>
+        <a:srgbClr val="ED7D31"/>
+      </a:accent2>
+      <a:accent3>
+        <a:srgbClr val="A5A5A5"/>
+      </a:accent3>
+      <a:accent4>
+        <a:srgbClr val="FFC000"/>
+      </a:accent4>
+      <a:accent5>
+        <a:srgbClr val="5B9BD5"/>
+      </a:accent5>
+      <a:accent6>
+        <a:srgbClr val="70AD47"/>
+      </a:accent6>
+      <a:hlink>
+        <a:srgbClr val="0563C1"/>
+      </a:hlink>
+      <a:folHlink>
+        <a:srgbClr val="954F72"/>
+      </a:folHlink>
+    </a:clrScheme>
+    <a:fontScheme name="Office">
+      <a:majorFont>
+        <a:latin typeface="Calibri Light" panose="020F0302020204030204"/>
+        <a:ea typeface=""/>
+        <a:cs typeface=""/>
+        <a:font script="Jpan" typeface="游ゴシック Light"/>
+        <a:font script="Hang" typeface="맑은 고딕"/>
+        <a:font script="Hans" typeface="等线 Light"/>
+        <a:font script="Hant" typeface="新細明體"/>
+        <a:font script="Arab" typeface="Times New Roman"/>
+        <a:font script="Hebr" typeface="Times New Roman"/>
+        <a:font script="Thai" typeface="Angsana New"/>
+        <a:font script="Ethi" typeface="Nyala"/>
+        <a:font script="Beng" typeface="Vrinda"/>
+        <a:font script="Gujr" typeface="Shruti"/>
+        <a:font script="Khmr" typeface="MoolBoran"/>
+        <a:font script="Knda" typeface="Tunga"/>
+        <a:font script="Guru" typeface="Raavi"/>
+        <a:font script="Cans" typeface="Euphemia"/>
+        <a:font script="Cher" typeface="Plantagenet Cherokee"/>
+        <a:font script="Yiii" typeface="Microsoft Yi Baiti"/>
+        <a:font script="Tibt" typeface="Microsoft Himalaya"/>
+        <a:font script="Thaa" typeface="MV Boli"/>
+        <a:font script="Deva" typeface="Mangal"/>
+        <a:font script="Telu" typeface="Gautami"/>
+        <a:font script="Taml" typeface="Latha"/>
+        <a:font script="Syrc" typeface="Estrangelo Edessa"/>
+        <a:font script="Orya" typeface="Kalinga"/>
+        <a:font script="Mlym" typeface="Kartika"/>
+        <a:font script="Laoo" typeface="DokChampa"/>
+        <a:font script="Sinh" typeface="Iskoola Pota"/>
+        <a:font script="Mong" typeface="Mongolian Baiti"/>
+        <a:font script="Viet" typeface="Times New Roman"/>
+        <a:font script="Uigh" typeface="Microsoft Uighur"/>
+        <a:font script="Geor" typeface="Sylfaen"/>
+        <a:font script="Armn" typeface="Arial"/>
+        <a:font script="Bugi" typeface="Leelawadee UI"/>
+        <a:font script="Bopo" typeface="Microsoft JhengHei"/>
+        <a:font script="Java" typeface="Javanese Text"/>
+        <a:font script="Lisu" typeface="Segoe UI"/>
+        <a:font script="Mymr" typeface="Myanmar Text"/>
+        <a:font script="Nkoo" typeface="Ebrima"/>
+        <a:font script="Olck" typeface="Nirmala UI"/>
+        <a:font script="Osma" typeface="Ebrima"/>
+        <a:font script="Phag" typeface="Phagspa"/>
+        <a:font script="Syrn" typeface="Estrangelo Edessa"/>
+        <a:font script="Syrj" typeface="Estrangelo Edessa"/>
+        <a:font script="Syre" typeface="Estrangelo Edessa"/>
+        <a:font script="Sora" typeface="Nirmala UI"/>
+        <a:font script="Tale" typeface="Microsoft Tai Le"/>
+        <a:font script="Talu" typeface="Microsoft New Tai Lue"/>
+        <a:font script="Tfng" typeface="Ebrima"/>
+      </a:majorFont>
+      <a:minorFont>
+        <a:latin typeface="Calibri" panose="020F0502020204030204"/>
+        <a:ea typeface=""/>
+        <a:cs typeface=""/>
+        <a:font script="Jpan" typeface="游ゴシック"/>
+        <a:font script="Hang" typeface="맑은 고딕"/>
+        <a:font script="Hans" typeface="等线"/>
+        <a:font script="Hant" typeface="新細明體"/>
+        <a:font script="Arab" typeface="Arial"/>
+        <a:font script="Hebr" typeface="Arial"/>
+        <a:font script="Thai" typeface="Cordia New"/>
+        <a:font script="Ethi" typeface="Nyala"/>
+        <a:font script="Beng" typeface="Vrinda"/>
+        <a:font script="Gujr" typeface="Shruti"/>
+        <a:font script="Khmr" typeface="DaunPenh"/>
+        <a:font script="Knda" typeface="Tunga"/>
+        <a:font script="Guru" typeface="Raavi"/>
+        <a:font script="Cans" typeface="Euphemia"/>
+        <a:font script="Cher" typeface="Plantagenet Cherokee"/>
+        <a:font script="Yiii" typeface="Microsoft Yi Baiti"/>
+        <a:font script="Tibt" typeface="Microsoft Himalaya"/>
+        <a:font script="Thaa" typeface="MV Boli"/>
+        <a:font script="Deva" typeface="Mangal"/>
+        <a:font script="Telu" typeface="Gautami"/>
+        <a:font script="Taml" typeface="Latha"/>
+        <a:font script="Syrc" typeface="Estrangelo Edessa"/>
+        <a:font script="Orya" typeface="Kalinga"/>
+        <a:font script="Mlym" typeface="Kartika"/>
+        <a:font script="Laoo" typeface="DokChampa"/>
+        <a:font script="Sinh" typeface="Iskoola Pota"/>
+        <a:font script="Mong" typeface="Mongolian Baiti"/>
+        <a:font script="Viet" typeface="Arial"/>
+        <a:font script="Uigh" typeface="Microsoft Uighur"/>
+        <a:font script="Geor" typeface="Sylfaen"/>
+        <a:font script="Armn" typeface="Arial"/>
+        <a:font script="Bugi" typeface="Leelawadee UI"/>
+        <a:font script="Bopo" typeface="Microsoft JhengHei"/>
+        <a:font script="Java" typeface="Javanese Text"/>
+        <a:font script="Lisu" typeface="Segoe UI"/>
+        <a:font script="Mymr" typeface="Myanmar Text"/>
+        <a:font script="Nkoo" typeface="Ebrima"/>
+        <a:font script="Olck" typeface="Nirmala UI"/>
+        <a:font script="Osma" typeface="Ebrima"/>
+        <a:font script="Phag" typeface="Phagspa"/>
+        <a:font script="Syrn" typeface="Estrangelo Edessa"/>
+        <a:font script="Syrj" typeface="Estrangelo Edessa"/>
+        <a:font script="Syre" typeface="Estrangelo Edessa"/>
+        <a:font script="Sora" typeface="Nirmala UI"/>
+        <a:font script="Tale" typeface="Microsoft Tai Le"/>
+        <a:font script="Talu" typeface="Microsoft New Tai Lue"/>
+        <a:font script="Tfng" typeface="Ebrima"/>
+      </a:minorFont>
+    </a:fontScheme>
+    <a:fmtScheme name="Office">
+      <a:fillStyleLst>
+        <a:solidFill>
+          <a:schemeClr val="phClr"/>
+        </a:solidFill>
+        <a:gradFill rotWithShape="1">
+          <a:gsLst>
+            <a:gs pos="0">
+              <a:schemeClr val="phClr">
+                <a:lumMod val="110000"/>
+                <a:satMod val="105000"/>
+                <a:tint val="67000"/>
+              </a:schemeClr>
+            </a:gs>
+            <a:gs pos="50000">
+              <a:schemeClr val="phClr">
+                <a:lumMod val="105000"/>
+                <a:satMod val="103000"/>
+                <a:tint val="73000"/>
+              </a:schemeClr>
+            </a:gs>
+            <a:gs pos="100000">
+              <a:schemeClr val="phClr">
+                <a:lumMod val="105000"/>
+                <a:satMod val="109000"/>
+                <a:tint val="81000"/>
+              </a:schemeClr>
+            </a:gs>
+          </a:gsLst>
+          <a:lin ang="5400000" scaled="0"/>
+        </a:gradFill>
+        <a:gradFill rotWithShape="1">
+          <a:gsLst>
+            <a:gs pos="0">
+              <a:schemeClr val="phClr">
+                <a:satMod val="103000"/>
+                <a:lumMod val="102000"/>
+                <a:tint val="94000"/>
+              </a:schemeClr>
+            </a:gs>
+            <a:gs pos="50000">
+              <a:schemeClr val="phClr">
+                <a:satMod val="110000"/>
+                <a:lumMod val="100000"/>
+                <a:shade val="100000"/>
+              </a:schemeClr>
+            </a:gs>
+            <a:gs pos="100000">
+              <a:schemeClr val="phClr">
+                <a:lumMod val="99000"/>
+                <a:satMod val="120000"/>
+                <a:shade val="78000"/>
+              </a:schemeClr>
+            </a:gs>
+          </a:gsLst>
+          <a:lin ang="5400000" scaled="0"/>
+        </a:gradFill>
+      </a:fillStyleLst>
+      <a:lnStyleLst>
+        <a:ln w="6350" cap="flat" cmpd="sng" algn="ctr">
+          <a:solidFill>
+            <a:schemeClr val="phClr"/>
+          </a:solidFill>
+          <a:prstDash val="solid"/>
+          <a:miter lim="800000"/>
+        </a:ln>
+        <a:ln w="12700" cap="flat" cmpd="sng" algn="ctr">
+          <a:solidFill>
+            <a:schemeClr val="phClr"/>
+          </a:solidFill>
+          <a:prstDash val="solid"/>
+          <a:miter lim="800000"/>
+        </a:ln>
+        <a:ln w="19050" cap="flat" cmpd="sng" algn="ctr">
+          <a:solidFill>
+            <a:schemeClr val="phClr"/>
+          </a:solidFill>
+          <a:prstDash val="solid"/>
+          <a:miter lim="800000"/>
+        </a:ln>
+      </a:lnStyleLst>
+      <a:effectStyleLst>
+        <a:effectStyle>
+          <a:effectLst/>
+        </a:effectStyle>
+        <a:effectStyle>
+          <a:effectLst/>
+        </a:effectStyle>
+        <a:effectStyle>
+          <a:effectLst>
+            <a:outerShdw blurRad="57150" dist="19050" dir="5400000" algn="ctr" rotWithShape="0">
+              <a:srgbClr val="000000">
+                <a:alpha val="63000"/>
+              </a:srgbClr>
+            </a:outerShdw>
+          </a:effectLst>
+        </a:effectStyle>
+      </a:effectStyleLst>
+      <a:bgFillStyleLst>
+        <a:solidFill>
+          <a:schemeClr val="phClr"/>
+        </a:solidFill>
+        <a:solidFill>
+          <a:schemeClr val="phClr">
+            <a:tint val="95000"/>
+            <a:satMod val="170000"/>
+          </a:schemeClr>
+        </a:solidFill>
+        <a:gradFill rotWithShape="1">
+          <a:gsLst>
+            <a:gs pos="0">
+              <a:schemeClr val="phClr">
+                <a:tint val="93000"/>
+                <a:satMod val="150000"/>
+                <a:shade val="98000"/>
+                <a:lumMod val="102000"/>
+              </a:schemeClr>
+            </a:gs>
+            <a:gs pos="50000">
+              <a:schemeClr val="phClr">
+                <a:tint val="98000"/>
+                <a:satMod val="130000"/>
+                <a:shade val="90000"/>
+                <a:lumMod val="103000"/>
+              </a:schemeClr>
+            </a:gs>
+            <a:gs pos="100000">
+              <a:schemeClr val="phClr">
+                <a:shade val="63000"/>
+                <a:satMod val="120000"/>
+              </a:schemeClr>
+            </a:gs>
+          </a:gsLst>
+          <a:lin ang="5400000" scaled="0"/>
+        </a:gradFill>
+      </a:bgFillStyleLst>
+    </a:fmtScheme>
+  </a:themeElements>
+  <a:objectDefaults/>
+  <a:extraClrSchemeLst/>
+  <a:extLst>
+    <a:ext uri="{05A4C25C-085E-4340-85A3-A5531E510DB2}">
+      <thm15:themeFamily xmlns:thm15="http://schemas.microsoft.com/office/thememl/2012/main" name="Office Theme" id="{62F939B6-93AF-4DB8-9C6B-D6C7DFDC589F}" vid="{4A3C46E8-61CC-4603-A589-7422A47A8E4A}"/>
+    </a:ext>
+  </a:extLst>
+</a:theme>
 </file>
--- a/Konvolúciós neuronhálók.pptx
+++ b/Konvolúciós neuronhálók.pptx
@@ -5,12 +5,15 @@
     <p:sldMasterId id="2147483705" r:id="rId1"/>
   </p:sldMasterIdLst>
   <p:notesMasterIdLst>
-    <p:notesMasterId r:id="rId5"/>
+    <p:notesMasterId r:id="rId8"/>
   </p:notesMasterIdLst>
   <p:sldIdLst>
     <p:sldId id="256" r:id="rId2"/>
     <p:sldId id="257" r:id="rId3"/>
     <p:sldId id="258" r:id="rId4"/>
+    <p:sldId id="261" r:id="rId5"/>
+    <p:sldId id="259" r:id="rId6"/>
+    <p:sldId id="260" r:id="rId7"/>
   </p:sldIdLst>
   <p:sldSz cx="12192000" cy="6858000"/>
   <p:notesSz cx="6858000" cy="9144000"/>
@@ -6743,6 +6746,859 @@
     <p:extLst>
       <p:ext uri="{BB962C8B-B14F-4D97-AF65-F5344CB8AC3E}">
         <p14:creationId xmlns:p14="http://schemas.microsoft.com/office/powerpoint/2010/main" val="2930737173"/>
+      </p:ext>
+    </p:extLst>
+  </p:cSld>
+  <p:clrMapOvr>
+    <a:masterClrMapping/>
+  </p:clrMapOvr>
+</p:sld>
+</file>
+
+<file path=ppt/slides/slide4.xml><?xml version="1.0" encoding="utf-8"?>
+<p:sld xmlns:a="http://schemas.openxmlformats.org/drawingml/2006/main" xmlns:r="http://schemas.openxmlformats.org/officeDocument/2006/relationships" xmlns:p="http://schemas.openxmlformats.org/presentationml/2006/main">
+  <p:cSld>
+    <p:spTree>
+      <p:nvGrpSpPr>
+        <p:cNvPr id="1" name=""/>
+        <p:cNvGrpSpPr/>
+        <p:nvPr/>
+      </p:nvGrpSpPr>
+      <p:grpSpPr>
+        <a:xfrm>
+          <a:off x="0" y="0"/>
+          <a:ext cx="0" cy="0"/>
+          <a:chOff x="0" y="0"/>
+          <a:chExt cx="0" cy="0"/>
+        </a:xfrm>
+      </p:grpSpPr>
+      <p:sp>
+        <p:nvSpPr>
+          <p:cNvPr id="2" name="Cím 1">
+            <a:extLst>
+              <a:ext uri="{FF2B5EF4-FFF2-40B4-BE49-F238E27FC236}">
+                <a16:creationId xmlns:a16="http://schemas.microsoft.com/office/drawing/2014/main" id="{A96F165B-386F-4099-B28E-248749164597}"/>
+              </a:ext>
+            </a:extLst>
+          </p:cNvPr>
+          <p:cNvSpPr>
+            <a:spLocks noGrp="1"/>
+          </p:cNvSpPr>
+          <p:nvPr>
+            <p:ph type="title"/>
+          </p:nvPr>
+        </p:nvSpPr>
+        <p:spPr/>
+        <p:txBody>
+          <a:bodyPr/>
+          <a:lstStyle/>
+          <a:p>
+            <a:pPr algn="ctr"/>
+            <a:r>
+              <a:rPr lang="hu-HU" dirty="0" err="1"/>
+              <a:t>Konvolúciós</a:t>
+            </a:r>
+            <a:r>
+              <a:rPr lang="hu-HU" dirty="0"/>
+              <a:t> neurális hálózatok</a:t>
+            </a:r>
+          </a:p>
+        </p:txBody>
+      </p:sp>
+      <p:sp>
+        <p:nvSpPr>
+          <p:cNvPr id="3" name="Tartalom helye 2">
+            <a:extLst>
+              <a:ext uri="{FF2B5EF4-FFF2-40B4-BE49-F238E27FC236}">
+                <a16:creationId xmlns:a16="http://schemas.microsoft.com/office/drawing/2014/main" id="{92DE8B83-9D39-4003-BF1E-1D667D58A747}"/>
+              </a:ext>
+            </a:extLst>
+          </p:cNvPr>
+          <p:cNvSpPr>
+            <a:spLocks noGrp="1"/>
+          </p:cNvSpPr>
+          <p:nvPr>
+            <p:ph idx="1"/>
+          </p:nvPr>
+        </p:nvSpPr>
+        <p:spPr/>
+        <p:txBody>
+          <a:bodyPr/>
+          <a:lstStyle/>
+          <a:p>
+            <a:endParaRPr lang="hu-HU" dirty="0"/>
+          </a:p>
+        </p:txBody>
+      </p:sp>
+    </p:spTree>
+    <p:extLst>
+      <p:ext uri="{BB962C8B-B14F-4D97-AF65-F5344CB8AC3E}">
+        <p14:creationId xmlns:p14="http://schemas.microsoft.com/office/powerpoint/2010/main" val="1711342600"/>
+      </p:ext>
+    </p:extLst>
+  </p:cSld>
+  <p:clrMapOvr>
+    <a:masterClrMapping/>
+  </p:clrMapOvr>
+</p:sld>
+</file>
+
+<file path=ppt/slides/slide5.xml><?xml version="1.0" encoding="utf-8"?>
+<p:sld xmlns:a="http://schemas.openxmlformats.org/drawingml/2006/main" xmlns:r="http://schemas.openxmlformats.org/officeDocument/2006/relationships" xmlns:p="http://schemas.openxmlformats.org/presentationml/2006/main">
+  <p:cSld>
+    <p:spTree>
+      <p:nvGrpSpPr>
+        <p:cNvPr id="1" name=""/>
+        <p:cNvGrpSpPr/>
+        <p:nvPr/>
+      </p:nvGrpSpPr>
+      <p:grpSpPr>
+        <a:xfrm>
+          <a:off x="0" y="0"/>
+          <a:ext cx="0" cy="0"/>
+          <a:chOff x="0" y="0"/>
+          <a:chExt cx="0" cy="0"/>
+        </a:xfrm>
+      </p:grpSpPr>
+      <p:sp>
+        <p:nvSpPr>
+          <p:cNvPr id="2" name="Cím 1">
+            <a:extLst>
+              <a:ext uri="{FF2B5EF4-FFF2-40B4-BE49-F238E27FC236}">
+                <a16:creationId xmlns:a16="http://schemas.microsoft.com/office/drawing/2014/main" id="{CAF363D5-D8AB-43FA-903C-938AFB900365}"/>
+              </a:ext>
+            </a:extLst>
+          </p:cNvPr>
+          <p:cNvSpPr>
+            <a:spLocks noGrp="1"/>
+          </p:cNvSpPr>
+          <p:nvPr>
+            <p:ph type="title"/>
+          </p:nvPr>
+        </p:nvSpPr>
+        <p:spPr/>
+        <p:txBody>
+          <a:bodyPr/>
+          <a:lstStyle/>
+          <a:p>
+            <a:pPr algn="ctr"/>
+            <a:r>
+              <a:rPr lang="hu-HU" dirty="0"/>
+              <a:t>A </a:t>
+            </a:r>
+            <a:r>
+              <a:rPr lang="hu-HU" dirty="0" err="1"/>
+              <a:t>Konvolúciós</a:t>
+            </a:r>
+            <a:r>
+              <a:rPr lang="hu-HU" dirty="0"/>
+              <a:t> eljárás</a:t>
+            </a:r>
+          </a:p>
+        </p:txBody>
+      </p:sp>
+      <mc:AlternateContent xmlns:mc="http://schemas.openxmlformats.org/markup-compatibility/2006">
+        <mc:Choice xmlns:a14="http://schemas.microsoft.com/office/drawing/2010/main" Requires="a14">
+          <p:sp>
+            <p:nvSpPr>
+              <p:cNvPr id="3" name="Tartalom helye 2">
+                <a:extLst>
+                  <a:ext uri="{FF2B5EF4-FFF2-40B4-BE49-F238E27FC236}">
+                    <a16:creationId xmlns:a16="http://schemas.microsoft.com/office/drawing/2014/main" id="{9150C4F3-CFEA-4EBC-995C-AAF24814C682}"/>
+                  </a:ext>
+                </a:extLst>
+              </p:cNvPr>
+              <p:cNvSpPr>
+                <a:spLocks noGrp="1"/>
+              </p:cNvSpPr>
+              <p:nvPr>
+                <p:ph idx="1"/>
+              </p:nvPr>
+            </p:nvSpPr>
+            <p:spPr/>
+            <p:txBody>
+              <a:bodyPr/>
+              <a:lstStyle/>
+              <a:p>
+                <a:r>
+                  <a:rPr lang="hu-HU" dirty="0"/>
+                  <a:t>Mi is az a </a:t>
+                </a:r>
+                <a:r>
+                  <a:rPr lang="hu-HU" dirty="0" err="1"/>
+                  <a:t>konvolúció</a:t>
+                </a:r>
+                <a:r>
+                  <a:rPr lang="hu-HU" dirty="0"/>
+                  <a:t>?</a:t>
+                </a:r>
+              </a:p>
+              <a:p>
+                <a:pPr lvl="1"/>
+                <a:r>
+                  <a:rPr lang="hu-HU" dirty="0"/>
+                  <a:t>A </a:t>
+                </a:r>
+                <a:r>
+                  <a:rPr lang="hu-HU" dirty="0" err="1"/>
+                  <a:t>konvolúció</a:t>
+                </a:r>
+                <a:r>
+                  <a:rPr lang="hu-HU" dirty="0"/>
+                  <a:t> matematikai eljárás, mely legáltalánosabb formájában két valós </a:t>
+                </a:r>
+                <a:r>
+                  <a:rPr lang="hu-HU" dirty="0" err="1"/>
+                  <a:t>paraméterezésű</a:t>
+                </a:r>
+                <a:r>
+                  <a:rPr lang="hu-HU" dirty="0"/>
+                  <a:t> függvény közötti eljárás:</a:t>
+                </a:r>
+              </a:p>
+              <a:p>
+                <a:pPr marL="457200" lvl="1" indent="0">
+                  <a:buNone/>
+                </a:pPr>
+                <a:endParaRPr lang="hu-HU" dirty="0"/>
+              </a:p>
+              <a:p>
+                <a:pPr lvl="1"/>
+                <a:r>
+                  <a:rPr lang="hu-HU" dirty="0"/>
+                  <a:t>[</a:t>
+                </a:r>
+                <a14:m>
+                  <m:oMath xmlns:m="http://schemas.openxmlformats.org/officeDocument/2006/math">
+                    <m:r>
+                      <a:rPr lang="hu-HU" i="1" dirty="0" smtClean="0">
+                        <a:latin typeface="Cambria Math" panose="02040503050406030204" pitchFamily="18" charset="0"/>
+                      </a:rPr>
+                      <m:t>𝑠</m:t>
+                    </m:r>
+                    <m:d>
+                      <m:dPr>
+                        <m:ctrlPr>
+                          <a:rPr lang="hu-HU" i="1" dirty="0">
+                            <a:latin typeface="Cambria Math" panose="02040503050406030204" pitchFamily="18" charset="0"/>
+                          </a:rPr>
+                        </m:ctrlPr>
+                      </m:dPr>
+                      <m:e>
+                        <m:r>
+                          <a:rPr lang="hu-HU" i="1" dirty="0">
+                            <a:latin typeface="Cambria Math" panose="02040503050406030204" pitchFamily="18" charset="0"/>
+                          </a:rPr>
+                          <m:t>𝑡</m:t>
+                        </m:r>
+                      </m:e>
+                    </m:d>
+                    <m:r>
+                      <a:rPr lang="hu-HU" i="0" dirty="0">
+                        <a:latin typeface="Cambria Math" panose="02040503050406030204" pitchFamily="18" charset="0"/>
+                      </a:rPr>
+                      <m:t>=</m:t>
+                    </m:r>
+                    <m:nary>
+                      <m:naryPr>
+                        <m:grow m:val="on"/>
+                        <m:subHide m:val="on"/>
+                        <m:supHide m:val="on"/>
+                        <m:ctrlPr>
+                          <a:rPr lang="hu-HU" i="1" dirty="0">
+                            <a:latin typeface="Cambria Math" panose="02040503050406030204" pitchFamily="18" charset="0"/>
+                          </a:rPr>
+                        </m:ctrlPr>
+                      </m:naryPr>
+                      <m:sub/>
+                      <m:sup/>
+                      <m:e>
+                        <m:r>
+                          <a:rPr lang="hu-HU" i="1" dirty="0">
+                            <a:latin typeface="Cambria Math" panose="02040503050406030204" pitchFamily="18" charset="0"/>
+                          </a:rPr>
+                          <m:t>𝑥</m:t>
+                        </m:r>
+                        <m:d>
+                          <m:dPr>
+                            <m:ctrlPr>
+                              <a:rPr lang="hu-HU" i="1" dirty="0">
+                                <a:latin typeface="Cambria Math" panose="02040503050406030204" pitchFamily="18" charset="0"/>
+                              </a:rPr>
+                            </m:ctrlPr>
+                          </m:dPr>
+                          <m:e>
+                            <m:r>
+                              <a:rPr lang="hu-HU" i="1" dirty="0">
+                                <a:latin typeface="Cambria Math" panose="02040503050406030204" pitchFamily="18" charset="0"/>
+                              </a:rPr>
+                              <m:t>𝑎</m:t>
+                            </m:r>
+                          </m:e>
+                        </m:d>
+                        <m:r>
+                          <a:rPr lang="hu-HU" i="1" dirty="0">
+                            <a:latin typeface="Cambria Math" panose="02040503050406030204" pitchFamily="18" charset="0"/>
+                          </a:rPr>
+                          <m:t>𝜔</m:t>
+                        </m:r>
+                        <m:d>
+                          <m:dPr>
+                            <m:ctrlPr>
+                              <a:rPr lang="hu-HU" i="1" dirty="0">
+                                <a:latin typeface="Cambria Math" panose="02040503050406030204" pitchFamily="18" charset="0"/>
+                              </a:rPr>
+                            </m:ctrlPr>
+                          </m:dPr>
+                          <m:e>
+                            <m:r>
+                              <a:rPr lang="hu-HU" i="1" dirty="0">
+                                <a:latin typeface="Cambria Math" panose="02040503050406030204" pitchFamily="18" charset="0"/>
+                              </a:rPr>
+                              <m:t>𝑡</m:t>
+                            </m:r>
+                            <m:r>
+                              <a:rPr lang="hu-HU" i="0" dirty="0">
+                                <a:latin typeface="Cambria Math" panose="02040503050406030204" pitchFamily="18" charset="0"/>
+                              </a:rPr>
+                              <m:t>−</m:t>
+                            </m:r>
+                            <m:r>
+                              <a:rPr lang="hu-HU" i="1" dirty="0">
+                                <a:latin typeface="Cambria Math" panose="02040503050406030204" pitchFamily="18" charset="0"/>
+                              </a:rPr>
+                              <m:t>𝑎</m:t>
+                            </m:r>
+                          </m:e>
+                        </m:d>
+                        <m:r>
+                          <a:rPr lang="hu-HU" i="0" dirty="0">
+                            <a:latin typeface="Cambria Math" panose="02040503050406030204" pitchFamily="18" charset="0"/>
+                          </a:rPr>
+                          <m:t>ⅆ</m:t>
+                        </m:r>
+                        <m:r>
+                          <a:rPr lang="hu-HU" i="1" dirty="0">
+                            <a:latin typeface="Cambria Math" panose="02040503050406030204" pitchFamily="18" charset="0"/>
+                          </a:rPr>
+                          <m:t>𝑎</m:t>
+                        </m:r>
+                        <m:r>
+                          <a:rPr lang="hu-HU" b="0" i="1" dirty="0" smtClean="0">
+                            <a:latin typeface="Cambria Math" panose="02040503050406030204" pitchFamily="18" charset="0"/>
+                          </a:rPr>
+                          <m:t>]</m:t>
+                        </m:r>
+                      </m:e>
+                    </m:nary>
+                  </m:oMath>
+                </a14:m>
+                <a:r>
+                  <a:rPr lang="hu-HU" dirty="0"/>
+                  <a:t> vagyis [s</a:t>
+                </a:r>
+                <a14:m>
+                  <m:oMath xmlns:m="http://schemas.openxmlformats.org/officeDocument/2006/math">
+                    <m:d>
+                      <m:dPr>
+                        <m:ctrlPr>
+                          <a:rPr lang="hu-HU" i="1" dirty="0">
+                            <a:latin typeface="Cambria Math" panose="02040503050406030204" pitchFamily="18" charset="0"/>
+                          </a:rPr>
+                        </m:ctrlPr>
+                      </m:dPr>
+                      <m:e>
+                        <m:r>
+                          <a:rPr lang="hu-HU" i="1" dirty="0">
+                            <a:latin typeface="Cambria Math" panose="02040503050406030204" pitchFamily="18" charset="0"/>
+                          </a:rPr>
+                          <m:t>𝑡</m:t>
+                        </m:r>
+                      </m:e>
+                    </m:d>
+                    <m:r>
+                      <a:rPr lang="hu-HU" i="0" dirty="0">
+                        <a:latin typeface="Cambria Math" panose="02040503050406030204" pitchFamily="18" charset="0"/>
+                      </a:rPr>
+                      <m:t>=</m:t>
+                    </m:r>
+                    <m:d>
+                      <m:dPr>
+                        <m:ctrlPr>
+                          <a:rPr lang="hu-HU" i="1" dirty="0">
+                            <a:latin typeface="Cambria Math" panose="02040503050406030204" pitchFamily="18" charset="0"/>
+                          </a:rPr>
+                        </m:ctrlPr>
+                      </m:dPr>
+                      <m:e>
+                        <m:r>
+                          <a:rPr lang="hu-HU" i="1" dirty="0">
+                            <a:latin typeface="Cambria Math" panose="02040503050406030204" pitchFamily="18" charset="0"/>
+                          </a:rPr>
+                          <m:t>𝑥</m:t>
+                        </m:r>
+                        <m:r>
+                          <a:rPr lang="hu-HU" i="0" dirty="0">
+                            <a:latin typeface="Cambria Math" panose="02040503050406030204" pitchFamily="18" charset="0"/>
+                          </a:rPr>
+                          <m:t>∗</m:t>
+                        </m:r>
+                        <m:r>
+                          <a:rPr lang="hu-HU" i="1" dirty="0">
+                            <a:latin typeface="Cambria Math" panose="02040503050406030204" pitchFamily="18" charset="0"/>
+                          </a:rPr>
+                          <m:t>𝑤</m:t>
+                        </m:r>
+                      </m:e>
+                    </m:d>
+                    <m:d>
+                      <m:dPr>
+                        <m:ctrlPr>
+                          <a:rPr lang="hu-HU" i="1" dirty="0">
+                            <a:latin typeface="Cambria Math" panose="02040503050406030204" pitchFamily="18" charset="0"/>
+                          </a:rPr>
+                        </m:ctrlPr>
+                      </m:dPr>
+                      <m:e>
+                        <m:r>
+                          <a:rPr lang="hu-HU" i="1" dirty="0">
+                            <a:latin typeface="Cambria Math" panose="02040503050406030204" pitchFamily="18" charset="0"/>
+                          </a:rPr>
+                          <m:t>𝑡</m:t>
+                        </m:r>
+                      </m:e>
+                    </m:d>
+                    <m:r>
+                      <a:rPr lang="hu-HU" b="0" i="1" dirty="0" smtClean="0">
+                        <a:latin typeface="Cambria Math" panose="02040503050406030204" pitchFamily="18" charset="0"/>
+                      </a:rPr>
+                      <m:t>]</m:t>
+                    </m:r>
+                    <m:r>
+                      <a:rPr lang="hu-HU" b="0" i="0" dirty="0" smtClean="0">
+                        <a:latin typeface="Cambria Math" panose="02040503050406030204" pitchFamily="18" charset="0"/>
+                      </a:rPr>
+                      <m:t> </m:t>
+                    </m:r>
+                  </m:oMath>
+                </a14:m>
+                <a:endParaRPr lang="hu-HU" b="0" dirty="0"/>
+              </a:p>
+              <a:p>
+                <a:pPr lvl="1"/>
+                <a:r>
+                  <a:rPr lang="hu-HU" dirty="0"/>
+                  <a:t>Ebből adódóan egy dimenzióra a konvolúció képlete: </a:t>
+                </a:r>
+                <a14:m>
+                  <m:oMath xmlns:m="http://schemas.openxmlformats.org/officeDocument/2006/math">
+                    <m:nary>
+                      <m:naryPr>
+                        <m:chr m:val="∑"/>
+                        <m:limLoc m:val="undOvr"/>
+                        <m:grow m:val="on"/>
+                        <m:ctrlPr>
+                          <a:rPr lang="hu-HU" dirty="0" smtClean="0">
+                            <a:latin typeface="Cambria Math" panose="02040503050406030204" pitchFamily="18" charset="0"/>
+                          </a:rPr>
+                        </m:ctrlPr>
+                      </m:naryPr>
+                      <m:sub>
+                        <m:r>
+                          <a:rPr lang="hu-HU" i="1" dirty="0">
+                            <a:latin typeface="Cambria Math" panose="02040503050406030204" pitchFamily="18" charset="0"/>
+                          </a:rPr>
+                          <m:t>𝑎</m:t>
+                        </m:r>
+                        <m:r>
+                          <a:rPr lang="hu-HU" i="0" dirty="0">
+                            <a:latin typeface="Cambria Math" panose="02040503050406030204" pitchFamily="18" charset="0"/>
+                          </a:rPr>
+                          <m:t>=−∞</m:t>
+                        </m:r>
+                      </m:sub>
+                      <m:sup>
+                        <m:r>
+                          <a:rPr lang="hu-HU" i="0" dirty="0">
+                            <a:latin typeface="Cambria Math" panose="02040503050406030204" pitchFamily="18" charset="0"/>
+                          </a:rPr>
+                          <m:t>∞</m:t>
+                        </m:r>
+                      </m:sup>
+                      <m:e>
+                        <m:r>
+                          <a:rPr lang="hu-HU" i="1" dirty="0">
+                            <a:latin typeface="Cambria Math" panose="02040503050406030204" pitchFamily="18" charset="0"/>
+                          </a:rPr>
+                          <m:t>𝑥</m:t>
+                        </m:r>
+                      </m:e>
+                    </m:nary>
+                    <m:d>
+                      <m:dPr>
+                        <m:ctrlPr>
+                          <a:rPr lang="hu-HU" i="1" dirty="0">
+                            <a:latin typeface="Cambria Math" panose="02040503050406030204" pitchFamily="18" charset="0"/>
+                          </a:rPr>
+                        </m:ctrlPr>
+                      </m:dPr>
+                      <m:e>
+                        <m:r>
+                          <a:rPr lang="hu-HU" i="1" dirty="0">
+                            <a:latin typeface="Cambria Math" panose="02040503050406030204" pitchFamily="18" charset="0"/>
+                          </a:rPr>
+                          <m:t>𝑎</m:t>
+                        </m:r>
+                      </m:e>
+                    </m:d>
+                    <m:r>
+                      <a:rPr lang="hu-HU" i="1" dirty="0">
+                        <a:latin typeface="Cambria Math" panose="02040503050406030204" pitchFamily="18" charset="0"/>
+                      </a:rPr>
+                      <m:t>𝜔</m:t>
+                    </m:r>
+                    <m:d>
+                      <m:dPr>
+                        <m:ctrlPr>
+                          <a:rPr lang="hu-HU" i="1" dirty="0">
+                            <a:latin typeface="Cambria Math" panose="02040503050406030204" pitchFamily="18" charset="0"/>
+                          </a:rPr>
+                        </m:ctrlPr>
+                      </m:dPr>
+                      <m:e>
+                        <m:r>
+                          <a:rPr lang="hu-HU" i="1" dirty="0">
+                            <a:latin typeface="Cambria Math" panose="02040503050406030204" pitchFamily="18" charset="0"/>
+                          </a:rPr>
+                          <m:t>𝑡</m:t>
+                        </m:r>
+                        <m:r>
+                          <a:rPr lang="hu-HU" i="0" dirty="0">
+                            <a:latin typeface="Cambria Math" panose="02040503050406030204" pitchFamily="18" charset="0"/>
+                          </a:rPr>
+                          <m:t>−</m:t>
+                        </m:r>
+                        <m:r>
+                          <a:rPr lang="hu-HU" i="1" dirty="0">
+                            <a:latin typeface="Cambria Math" panose="02040503050406030204" pitchFamily="18" charset="0"/>
+                          </a:rPr>
+                          <m:t>𝑎</m:t>
+                        </m:r>
+                      </m:e>
+                    </m:d>
+                  </m:oMath>
+                </a14:m>
+                <a:endParaRPr lang="hu-HU" dirty="0"/>
+              </a:p>
+              <a:p>
+                <a:pPr lvl="1"/>
+                <a:r>
+                  <a:rPr lang="hu-HU" dirty="0"/>
+                  <a:t>A </a:t>
+                </a:r>
+                <a:r>
+                  <a:rPr lang="hu-HU" dirty="0" err="1"/>
+                  <a:t>konvolúciós</a:t>
+                </a:r>
+                <a:r>
+                  <a:rPr lang="hu-HU" dirty="0"/>
+                  <a:t> eljárást azonban érdemesebb két dimenziós objektumokra például képekre alkalmazni. Ennek képlete:</a:t>
+                </a:r>
+              </a:p>
+              <a:p>
+                <a:pPr lvl="1"/>
+                <a14:m>
+                  <m:oMath xmlns:m="http://schemas.openxmlformats.org/officeDocument/2006/math">
+                    <m:nary>
+                      <m:naryPr>
+                        <m:chr m:val="∑"/>
+                        <m:grow m:val="on"/>
+                        <m:subHide m:val="on"/>
+                        <m:supHide m:val="on"/>
+                        <m:ctrlPr>
+                          <a:rPr lang="hu-HU" dirty="0" smtClean="0">
+                            <a:latin typeface="Cambria Math" panose="02040503050406030204" pitchFamily="18" charset="0"/>
+                          </a:rPr>
+                        </m:ctrlPr>
+                      </m:naryPr>
+                      <m:sub/>
+                      <m:sup/>
+                      <m:e>
+                        <m:nary>
+                          <m:naryPr>
+                            <m:chr m:val="∑"/>
+                            <m:grow m:val="on"/>
+                            <m:subHide m:val="on"/>
+                            <m:supHide m:val="on"/>
+                            <m:ctrlPr>
+                              <a:rPr lang="hu-HU" i="1" dirty="0">
+                                <a:latin typeface="Cambria Math" panose="02040503050406030204" pitchFamily="18" charset="0"/>
+                              </a:rPr>
+                            </m:ctrlPr>
+                          </m:naryPr>
+                          <m:sub/>
+                          <m:sup/>
+                          <m:e>
+                            <m:r>
+                              <a:rPr lang="hu-HU" i="1" dirty="0">
+                                <a:latin typeface="Cambria Math" panose="02040503050406030204" pitchFamily="18" charset="0"/>
+                              </a:rPr>
+                              <m:t>𝐼</m:t>
+                            </m:r>
+                            <m:d>
+                              <m:dPr>
+                                <m:ctrlPr>
+                                  <a:rPr lang="hu-HU" i="1" dirty="0">
+                                    <a:latin typeface="Cambria Math" panose="02040503050406030204" pitchFamily="18" charset="0"/>
+                                  </a:rPr>
+                                </m:ctrlPr>
+                              </m:dPr>
+                              <m:e>
+                                <m:r>
+                                  <a:rPr lang="hu-HU" i="1" dirty="0">
+                                    <a:latin typeface="Cambria Math" panose="02040503050406030204" pitchFamily="18" charset="0"/>
+                                  </a:rPr>
+                                  <m:t>𝑚</m:t>
+                                </m:r>
+                                <m:r>
+                                  <a:rPr lang="hu-HU" i="0" dirty="0">
+                                    <a:latin typeface="Cambria Math" panose="02040503050406030204" pitchFamily="18" charset="0"/>
+                                  </a:rPr>
+                                  <m:t>,</m:t>
+                                </m:r>
+                                <m:r>
+                                  <a:rPr lang="hu-HU" i="1" dirty="0">
+                                    <a:latin typeface="Cambria Math" panose="02040503050406030204" pitchFamily="18" charset="0"/>
+                                  </a:rPr>
+                                  <m:t>𝑛</m:t>
+                                </m:r>
+                              </m:e>
+                            </m:d>
+                            <m:sSub>
+                              <m:sSubPr>
+                                <m:ctrlPr>
+                                  <a:rPr lang="hu-HU" i="1" dirty="0">
+                                    <a:latin typeface="Cambria Math" panose="02040503050406030204" pitchFamily="18" charset="0"/>
+                                  </a:rPr>
+                                </m:ctrlPr>
+                              </m:sSubPr>
+                              <m:e>
+                                <m:r>
+                                  <a:rPr lang="hu-HU" i="1" dirty="0">
+                                    <a:latin typeface="Cambria Math" panose="02040503050406030204" pitchFamily="18" charset="0"/>
+                                  </a:rPr>
+                                  <m:t>𝐾</m:t>
+                                </m:r>
+                              </m:e>
+                              <m:sub>
+                                <m:d>
+                                  <m:dPr>
+                                    <m:ctrlPr>
+                                      <a:rPr lang="hu-HU" i="1" dirty="0">
+                                        <a:latin typeface="Cambria Math" panose="02040503050406030204" pitchFamily="18" charset="0"/>
+                                      </a:rPr>
+                                    </m:ctrlPr>
+                                  </m:dPr>
+                                  <m:e>
+                                    <m:r>
+                                      <a:rPr lang="hu-HU" i="1" dirty="0">
+                                        <a:latin typeface="Cambria Math" panose="02040503050406030204" pitchFamily="18" charset="0"/>
+                                      </a:rPr>
+                                      <m:t>𝑖</m:t>
+                                    </m:r>
+                                    <m:r>
+                                      <a:rPr lang="hu-HU" i="0" dirty="0">
+                                        <a:latin typeface="Cambria Math" panose="02040503050406030204" pitchFamily="18" charset="0"/>
+                                      </a:rPr>
+                                      <m:t>−</m:t>
+                                    </m:r>
+                                    <m:r>
+                                      <a:rPr lang="hu-HU" i="1" dirty="0">
+                                        <a:latin typeface="Cambria Math" panose="02040503050406030204" pitchFamily="18" charset="0"/>
+                                      </a:rPr>
+                                      <m:t>𝑚</m:t>
+                                    </m:r>
+                                    <m:r>
+                                      <a:rPr lang="hu-HU" b="0" i="1" dirty="0" smtClean="0">
+                                        <a:latin typeface="Cambria Math" panose="02040503050406030204" pitchFamily="18" charset="0"/>
+                                      </a:rPr>
+                                      <m:t>,</m:t>
+                                    </m:r>
+                                    <m:r>
+                                      <a:rPr lang="hu-HU" i="1" dirty="0">
+                                        <a:latin typeface="Cambria Math" panose="02040503050406030204" pitchFamily="18" charset="0"/>
+                                      </a:rPr>
+                                      <m:t>𝑗</m:t>
+                                    </m:r>
+                                    <m:r>
+                                      <a:rPr lang="hu-HU" i="0" dirty="0">
+                                        <a:latin typeface="Cambria Math" panose="02040503050406030204" pitchFamily="18" charset="0"/>
+                                      </a:rPr>
+                                      <m:t>−</m:t>
+                                    </m:r>
+                                    <m:r>
+                                      <a:rPr lang="hu-HU" i="1" dirty="0">
+                                        <a:latin typeface="Cambria Math" panose="02040503050406030204" pitchFamily="18" charset="0"/>
+                                      </a:rPr>
+                                      <m:t>𝑛</m:t>
+                                    </m:r>
+                                  </m:e>
+                                </m:d>
+                              </m:sub>
+                            </m:sSub>
+                          </m:e>
+                        </m:nary>
+                      </m:e>
+                    </m:nary>
+                  </m:oMath>
+                </a14:m>
+                <a:r>
+                  <a:rPr lang="hu-HU" dirty="0"/>
+                  <a:t> ahol I az image és K a kernel.</a:t>
+                </a:r>
+              </a:p>
+              <a:p>
+                <a:pPr lvl="1"/>
+                <a:r>
+                  <a:rPr lang="hu-HU" dirty="0"/>
+                  <a:t>Erre a függvényre érvényesül az asszociativitás [A * (B * C) = (A * B) * C]</a:t>
+                </a:r>
+              </a:p>
+            </p:txBody>
+          </p:sp>
+        </mc:Choice>
+        <mc:Fallback>
+          <p:sp>
+            <p:nvSpPr>
+              <p:cNvPr id="3" name="Tartalom helye 2">
+                <a:extLst>
+                  <a:ext uri="{FF2B5EF4-FFF2-40B4-BE49-F238E27FC236}">
+                    <a16:creationId xmlns:a16="http://schemas.microsoft.com/office/drawing/2014/main" id="{9150C4F3-CFEA-4EBC-995C-AAF24814C682}"/>
+                  </a:ext>
+                </a:extLst>
+              </p:cNvPr>
+              <p:cNvSpPr>
+                <a:spLocks noGrp="1" noRot="1" noChangeAspect="1" noMove="1" noResize="1" noEditPoints="1" noAdjustHandles="1" noChangeArrowheads="1" noChangeShapeType="1" noTextEdit="1"/>
+              </p:cNvSpPr>
+              <p:nvPr>
+                <p:ph idx="1"/>
+              </p:nvPr>
+            </p:nvSpPr>
+            <p:spPr>
+              <a:blipFill>
+                <a:blip r:embed="rId2"/>
+                <a:stretch>
+                  <a:fillRect l="-676" t="-1970"/>
+                </a:stretch>
+              </a:blipFill>
+            </p:spPr>
+            <p:txBody>
+              <a:bodyPr/>
+              <a:lstStyle/>
+              <a:p>
+                <a:r>
+                  <a:rPr lang="hu-HU">
+                    <a:noFill/>
+                  </a:rPr>
+                  <a:t> </a:t>
+                </a:r>
+              </a:p>
+            </p:txBody>
+          </p:sp>
+        </mc:Fallback>
+      </mc:AlternateContent>
+    </p:spTree>
+    <p:extLst>
+      <p:ext uri="{BB962C8B-B14F-4D97-AF65-F5344CB8AC3E}">
+        <p14:creationId xmlns:p14="http://schemas.microsoft.com/office/powerpoint/2010/main" val="2239358826"/>
+      </p:ext>
+    </p:extLst>
+  </p:cSld>
+  <p:clrMapOvr>
+    <a:masterClrMapping/>
+  </p:clrMapOvr>
+</p:sld>
+</file>
+
+<file path=ppt/slides/slide6.xml><?xml version="1.0" encoding="utf-8"?>
+<p:sld xmlns:a="http://schemas.openxmlformats.org/drawingml/2006/main" xmlns:r="http://schemas.openxmlformats.org/officeDocument/2006/relationships" xmlns:p="http://schemas.openxmlformats.org/presentationml/2006/main">
+  <p:cSld>
+    <p:spTree>
+      <p:nvGrpSpPr>
+        <p:cNvPr id="1" name=""/>
+        <p:cNvGrpSpPr/>
+        <p:nvPr/>
+      </p:nvGrpSpPr>
+      <p:grpSpPr>
+        <a:xfrm>
+          <a:off x="0" y="0"/>
+          <a:ext cx="0" cy="0"/>
+          <a:chOff x="0" y="0"/>
+          <a:chExt cx="0" cy="0"/>
+        </a:xfrm>
+      </p:grpSpPr>
+      <p:sp>
+        <p:nvSpPr>
+          <p:cNvPr id="2" name="Cím 1">
+            <a:extLst>
+              <a:ext uri="{FF2B5EF4-FFF2-40B4-BE49-F238E27FC236}">
+                <a16:creationId xmlns:a16="http://schemas.microsoft.com/office/drawing/2014/main" id="{892BEACE-2362-4145-A082-B83A65275C99}"/>
+              </a:ext>
+            </a:extLst>
+          </p:cNvPr>
+          <p:cNvSpPr>
+            <a:spLocks noGrp="1"/>
+          </p:cNvSpPr>
+          <p:nvPr>
+            <p:ph type="title"/>
+          </p:nvPr>
+        </p:nvSpPr>
+        <p:spPr/>
+        <p:txBody>
+          <a:bodyPr/>
+          <a:lstStyle/>
+          <a:p>
+            <a:r>
+              <a:rPr lang="hu-HU" dirty="0"/>
+              <a:t>Példa a </a:t>
+            </a:r>
+            <a:r>
+              <a:rPr lang="hu-HU" dirty="0" err="1"/>
+              <a:t>konvolúcióra</a:t>
+            </a:r>
+            <a:endParaRPr lang="hu-HU" dirty="0"/>
+          </a:p>
+        </p:txBody>
+      </p:sp>
+      <p:sp>
+        <p:nvSpPr>
+          <p:cNvPr id="3" name="Tartalom helye 2">
+            <a:extLst>
+              <a:ext uri="{FF2B5EF4-FFF2-40B4-BE49-F238E27FC236}">
+                <a16:creationId xmlns:a16="http://schemas.microsoft.com/office/drawing/2014/main" id="{27922B5B-D7B6-4ED6-BB4D-9323B29B7275}"/>
+              </a:ext>
+            </a:extLst>
+          </p:cNvPr>
+          <p:cNvSpPr>
+            <a:spLocks noGrp="1"/>
+          </p:cNvSpPr>
+          <p:nvPr>
+            <p:ph idx="1"/>
+          </p:nvPr>
+        </p:nvSpPr>
+        <p:spPr/>
+        <p:txBody>
+          <a:bodyPr/>
+          <a:lstStyle/>
+          <a:p>
+            <a:endParaRPr lang="hu-HU" dirty="0"/>
+          </a:p>
+        </p:txBody>
+      </p:sp>
+    </p:spTree>
+    <p:extLst>
+      <p:ext uri="{BB962C8B-B14F-4D97-AF65-F5344CB8AC3E}">
+        <p14:creationId xmlns:p14="http://schemas.microsoft.com/office/powerpoint/2010/main" val="3147127643"/>
       </p:ext>
     </p:extLst>
   </p:cSld>

--- a/Konvolúciós neuronhálók.pptx
+++ b/Konvolúciós neuronhálók.pptx
@@ -5,15 +5,16 @@
     <p:sldMasterId id="2147483705" r:id="rId1"/>
   </p:sldMasterIdLst>
   <p:notesMasterIdLst>
-    <p:notesMasterId r:id="rId8"/>
+    <p:notesMasterId r:id="rId9"/>
   </p:notesMasterIdLst>
   <p:sldIdLst>
     <p:sldId id="256" r:id="rId2"/>
     <p:sldId id="257" r:id="rId3"/>
     <p:sldId id="258" r:id="rId4"/>
     <p:sldId id="261" r:id="rId5"/>
-    <p:sldId id="259" r:id="rId6"/>
-    <p:sldId id="260" r:id="rId7"/>
+    <p:sldId id="260" r:id="rId6"/>
+    <p:sldId id="262" r:id="rId7"/>
+    <p:sldId id="259" r:id="rId8"/>
   </p:sldIdLst>
   <p:sldSz cx="12192000" cy="6858000"/>
   <p:notesSz cx="6858000" cy="9144000"/>
@@ -559,6 +560,93 @@
     <p:extLst>
       <p:ext uri="{BB962C8B-B14F-4D97-AF65-F5344CB8AC3E}">
         <p14:creationId xmlns:p14="http://schemas.microsoft.com/office/powerpoint/2010/main" val="684282733"/>
+      </p:ext>
+    </p:extLst>
+  </p:cSld>
+  <p:clrMapOvr>
+    <a:masterClrMapping/>
+  </p:clrMapOvr>
+</p:notes>
+</file>
+
+<file path=ppt/notesSlides/notesSlide2.xml><?xml version="1.0" encoding="utf-8"?>
+<p:notes xmlns:a="http://schemas.openxmlformats.org/drawingml/2006/main" xmlns:r="http://schemas.openxmlformats.org/officeDocument/2006/relationships" xmlns:p="http://schemas.openxmlformats.org/presentationml/2006/main">
+  <p:cSld>
+    <p:spTree>
+      <p:nvGrpSpPr>
+        <p:cNvPr id="1" name=""/>
+        <p:cNvGrpSpPr/>
+        <p:nvPr/>
+      </p:nvGrpSpPr>
+      <p:grpSpPr>
+        <a:xfrm>
+          <a:off x="0" y="0"/>
+          <a:ext cx="0" cy="0"/>
+          <a:chOff x="0" y="0"/>
+          <a:chExt cx="0" cy="0"/>
+        </a:xfrm>
+      </p:grpSpPr>
+      <p:sp>
+        <p:nvSpPr>
+          <p:cNvPr id="2" name="Diakép helye 1"/>
+          <p:cNvSpPr>
+            <a:spLocks noGrp="1" noRot="1" noChangeAspect="1"/>
+          </p:cNvSpPr>
+          <p:nvPr>
+            <p:ph type="sldImg"/>
+          </p:nvPr>
+        </p:nvSpPr>
+        <p:spPr/>
+      </p:sp>
+      <p:sp>
+        <p:nvSpPr>
+          <p:cNvPr id="3" name="Jegyzetek helye 2"/>
+          <p:cNvSpPr>
+            <a:spLocks noGrp="1"/>
+          </p:cNvSpPr>
+          <p:nvPr>
+            <p:ph type="body" idx="1"/>
+          </p:nvPr>
+        </p:nvSpPr>
+        <p:spPr/>
+        <p:txBody>
+          <a:bodyPr/>
+          <a:lstStyle/>
+          <a:p>
+            <a:r>
+              <a:rPr lang="hu-HU" dirty="0"/>
+              <a:t>Mi főleg a képfeldolgozásban elért eredményeket és módszereket fogjuk bemutatni</a:t>
+            </a:r>
+          </a:p>
+        </p:txBody>
+      </p:sp>
+      <p:sp>
+        <p:nvSpPr>
+          <p:cNvPr id="4" name="Dia számának helye 3"/>
+          <p:cNvSpPr>
+            <a:spLocks noGrp="1"/>
+          </p:cNvSpPr>
+          <p:nvPr>
+            <p:ph type="sldNum" sz="quarter" idx="5"/>
+          </p:nvPr>
+        </p:nvSpPr>
+        <p:spPr/>
+        <p:txBody>
+          <a:bodyPr/>
+          <a:lstStyle/>
+          <a:p>
+            <a:fld id="{3BA7F77E-48B0-456D-80A8-F6BD10B88DC8}" type="slidenum">
+              <a:rPr lang="hu-HU" smtClean="0"/>
+              <a:t>5</a:t>
+            </a:fld>
+            <a:endParaRPr lang="hu-HU"/>
+          </a:p>
+        </p:txBody>
+      </p:sp>
+    </p:spTree>
+    <p:extLst>
+      <p:ext uri="{BB962C8B-B14F-4D97-AF65-F5344CB8AC3E}">
+        <p14:creationId xmlns:p14="http://schemas.microsoft.com/office/powerpoint/2010/main" val="3876978895"/>
       </p:ext>
     </p:extLst>
   </p:cSld>
@@ -6616,15 +6704,7 @@
               <a:avLst/>
             </a:prstGeom>
             <a:grpFill/>
-            <a:extLst>
-              <a:ext uri="{909E8E84-426E-40DD-AFC4-6F175D3DCCD1}">
-                <a14:hiddenFill xmlns:a14="http://schemas.microsoft.com/office/drawing/2010/main">
-                  <a:solidFill>
-                    <a:srgbClr val="FFFFFF"/>
-                  </a:solidFill>
-                </a14:hiddenFill>
-              </a:ext>
-            </a:extLst>
+            <a:extLst/>
           </p:spPr>
         </p:pic>
       </p:grpSp>
@@ -6823,8 +6903,97 @@
         </p:nvSpPr>
         <p:spPr/>
         <p:txBody>
-          <a:bodyPr/>
+          <a:bodyPr>
+            <a:normAutofit lnSpcReduction="10000"/>
+          </a:bodyPr>
           <a:lstStyle/>
+          <a:p>
+            <a:r>
+              <a:rPr lang="hu-HU" dirty="0"/>
+              <a:t>A </a:t>
+            </a:r>
+            <a:r>
+              <a:rPr lang="hu-HU" dirty="0" err="1"/>
+              <a:t>konvolúciós</a:t>
+            </a:r>
+            <a:r>
+              <a:rPr lang="hu-HU" dirty="0"/>
+              <a:t> neurális hálókat a biológia virtuális kéreg ihlette</a:t>
+            </a:r>
+          </a:p>
+          <a:p>
+            <a:r>
+              <a:rPr lang="hu-HU" dirty="0"/>
+              <a:t>A kéregnek kis méretű sejtjei vannak amelyek érzékenyek a vizuális mező specifikus területeire </a:t>
+            </a:r>
+          </a:p>
+          <a:p>
+            <a:r>
+              <a:rPr lang="hu-HU" dirty="0"/>
+              <a:t>Ezt az elképzelést </a:t>
+            </a:r>
+            <a:r>
+              <a:rPr lang="hu-HU" dirty="0" err="1"/>
+              <a:t>Hubel</a:t>
+            </a:r>
+            <a:r>
+              <a:rPr lang="hu-HU" dirty="0"/>
+              <a:t> és Wiesel 1962-ben elvégzett kísérlete bővítette</a:t>
+            </a:r>
+          </a:p>
+          <a:p>
+            <a:r>
+              <a:rPr lang="hu-HU" dirty="0"/>
+              <a:t>A kísérlet eredményeképpen rájöttek, hogy egyes neuronok az agyunkban  csak bizonyos élek jelenlétében aktiválódnak például, függőleges és vízszintes élek esetén. </a:t>
+            </a:r>
+          </a:p>
+          <a:p>
+            <a:r>
+              <a:rPr lang="hu-HU" dirty="0"/>
+              <a:t>A két tudós, úgy találta, hogy ezek a neuronok oszlopos módon rendeződnek és együtt állították a elő a vizuális észlelést </a:t>
+            </a:r>
+          </a:p>
+          <a:p>
+            <a:r>
+              <a:rPr lang="hu-HU" dirty="0"/>
+              <a:t>A </a:t>
+            </a:r>
+            <a:r>
+              <a:rPr lang="hu-HU" dirty="0" err="1"/>
+              <a:t>konvolúciós</a:t>
+            </a:r>
+            <a:r>
+              <a:rPr lang="hu-HU" dirty="0"/>
+              <a:t> </a:t>
+            </a:r>
+            <a:r>
+              <a:rPr lang="hu-HU" dirty="0" err="1"/>
+              <a:t>hálozatok</a:t>
+            </a:r>
+            <a:r>
+              <a:rPr lang="hu-HU" dirty="0"/>
+              <a:t> egyszerű neurális hálózatok amelyek </a:t>
+            </a:r>
+            <a:r>
+              <a:rPr lang="hu-HU" dirty="0" err="1"/>
+              <a:t>konvolúciót</a:t>
+            </a:r>
+            <a:r>
+              <a:rPr lang="hu-HU" dirty="0"/>
+              <a:t> használnak az egyszerű mátrix szorzás helyett legalább egy </a:t>
+            </a:r>
+            <a:r>
+              <a:rPr lang="hu-HU" dirty="0" err="1"/>
+              <a:t>rétegűkben</a:t>
+            </a:r>
+            <a:endParaRPr lang="hu-HU" dirty="0"/>
+          </a:p>
+          <a:p>
+            <a:pPr marL="0" indent="0">
+              <a:buNone/>
+            </a:pPr>
+            <a:endParaRPr lang="hu-HU" dirty="0"/>
+          </a:p>
           <a:p>
             <a:endParaRPr lang="hu-HU" dirty="0"/>
           </a:p>
@@ -6865,6 +7034,356 @@
           <p:cNvPr id="2" name="Cím 1">
             <a:extLst>
               <a:ext uri="{FF2B5EF4-FFF2-40B4-BE49-F238E27FC236}">
+                <a16:creationId xmlns:a16="http://schemas.microsoft.com/office/drawing/2014/main" id="{892BEACE-2362-4145-A082-B83A65275C99}"/>
+              </a:ext>
+            </a:extLst>
+          </p:cNvPr>
+          <p:cNvSpPr>
+            <a:spLocks noGrp="1"/>
+          </p:cNvSpPr>
+          <p:nvPr>
+            <p:ph type="title"/>
+          </p:nvPr>
+        </p:nvSpPr>
+        <p:spPr/>
+        <p:txBody>
+          <a:bodyPr/>
+          <a:lstStyle/>
+          <a:p>
+            <a:r>
+              <a:rPr lang="hu-HU" dirty="0"/>
+              <a:t>Példa a </a:t>
+            </a:r>
+            <a:r>
+              <a:rPr lang="hu-HU" dirty="0" err="1"/>
+              <a:t>konvolúcióra</a:t>
+            </a:r>
+            <a:endParaRPr lang="hu-HU" dirty="0"/>
+          </a:p>
+        </p:txBody>
+      </p:sp>
+      <p:sp>
+        <p:nvSpPr>
+          <p:cNvPr id="3" name="Tartalom helye 2">
+            <a:extLst>
+              <a:ext uri="{FF2B5EF4-FFF2-40B4-BE49-F238E27FC236}">
+                <a16:creationId xmlns:a16="http://schemas.microsoft.com/office/drawing/2014/main" id="{27922B5B-D7B6-4ED6-BB4D-9323B29B7275}"/>
+              </a:ext>
+            </a:extLst>
+          </p:cNvPr>
+          <p:cNvSpPr>
+            <a:spLocks noGrp="1"/>
+          </p:cNvSpPr>
+          <p:nvPr>
+            <p:ph idx="1"/>
+          </p:nvPr>
+        </p:nvSpPr>
+        <p:spPr/>
+        <p:txBody>
+          <a:bodyPr/>
+          <a:lstStyle/>
+          <a:p>
+            <a:r>
+              <a:rPr lang="hu-HU" dirty="0"/>
+              <a:t>A </a:t>
+            </a:r>
+            <a:r>
+              <a:rPr lang="hu-HU" dirty="0" err="1"/>
+              <a:t>konvolúciós</a:t>
+            </a:r>
+            <a:r>
+              <a:rPr lang="hu-HU" dirty="0"/>
+              <a:t> neurális hálózatok egy nagy előrelépés volt a gépi látás terén</a:t>
+            </a:r>
+          </a:p>
+          <a:p>
+            <a:r>
+              <a:rPr lang="hu-HU" dirty="0"/>
+              <a:t>Sokkal jobban teljesítettek, mint a hagyományos gépi látás, és a legkorszerűbb eredményeket hozták</a:t>
+            </a:r>
+          </a:p>
+          <a:p>
+            <a:r>
+              <a:rPr lang="hu-HU" dirty="0"/>
+              <a:t>Ezek a neurális </a:t>
+            </a:r>
+            <a:r>
+              <a:rPr lang="hu-HU" dirty="0" err="1"/>
+              <a:t>hálozatók</a:t>
+            </a:r>
+            <a:r>
+              <a:rPr lang="hu-HU" dirty="0"/>
+              <a:t> sikeresnek bizonyultak  több </a:t>
+            </a:r>
+            <a:r>
+              <a:rPr lang="hu-HU" dirty="0" err="1"/>
+              <a:t>különbüző</a:t>
+            </a:r>
+            <a:r>
+              <a:rPr lang="hu-HU" dirty="0"/>
+              <a:t> valós alkalmazásban is: </a:t>
+            </a:r>
+          </a:p>
+          <a:p>
+            <a:pPr lvl="1">
+              <a:buFont typeface="Wingdings" panose="05000000000000000000" pitchFamily="2" charset="2"/>
+              <a:buChar char="Ø"/>
+            </a:pPr>
+            <a:r>
+              <a:rPr lang="hu-HU" dirty="0"/>
+              <a:t>	képosztályozás, objektum felismerés, szegmentálás és arcfelismerés</a:t>
+            </a:r>
+          </a:p>
+          <a:p>
+            <a:pPr lvl="1">
+              <a:buFont typeface="Wingdings" panose="05000000000000000000" pitchFamily="2" charset="2"/>
+              <a:buChar char="Ø"/>
+            </a:pPr>
+            <a:r>
+              <a:rPr lang="hu-HU" dirty="0"/>
+              <a:t> 	önvezető autók, amelyek sikeresen kihasználják CNN alapú látásrendszert</a:t>
+            </a:r>
+          </a:p>
+          <a:p>
+            <a:pPr lvl="1">
+              <a:buFont typeface="Wingdings" panose="05000000000000000000" pitchFamily="2" charset="2"/>
+              <a:buChar char="Ø"/>
+            </a:pPr>
+            <a:r>
+              <a:rPr lang="hu-HU" dirty="0"/>
+              <a:t> 	kristály szerkezet osztályozása </a:t>
+            </a:r>
+          </a:p>
+        </p:txBody>
+      </p:sp>
+    </p:spTree>
+    <p:extLst>
+      <p:ext uri="{BB962C8B-B14F-4D97-AF65-F5344CB8AC3E}">
+        <p14:creationId xmlns:p14="http://schemas.microsoft.com/office/powerpoint/2010/main" val="3147127643"/>
+      </p:ext>
+    </p:extLst>
+  </p:cSld>
+  <p:clrMapOvr>
+    <a:masterClrMapping/>
+  </p:clrMapOvr>
+</p:sld>
+</file>
+
+<file path=ppt/slides/slide6.xml><?xml version="1.0" encoding="utf-8"?>
+<p:sld xmlns:a="http://schemas.openxmlformats.org/drawingml/2006/main" xmlns:r="http://schemas.openxmlformats.org/officeDocument/2006/relationships" xmlns:p="http://schemas.openxmlformats.org/presentationml/2006/main">
+  <p:cSld>
+    <p:spTree>
+      <p:nvGrpSpPr>
+        <p:cNvPr id="1" name=""/>
+        <p:cNvGrpSpPr/>
+        <p:nvPr/>
+      </p:nvGrpSpPr>
+      <p:grpSpPr>
+        <a:xfrm>
+          <a:off x="0" y="0"/>
+          <a:ext cx="0" cy="0"/>
+          <a:chOff x="0" y="0"/>
+          <a:chExt cx="0" cy="0"/>
+        </a:xfrm>
+      </p:grpSpPr>
+      <p:sp>
+        <p:nvSpPr>
+          <p:cNvPr id="4" name="AutoShape 2" descr="convolutional neural networks python">
+            <a:extLst>
+              <a:ext uri="{FF2B5EF4-FFF2-40B4-BE49-F238E27FC236}">
+                <a16:creationId xmlns:a16="http://schemas.microsoft.com/office/drawing/2014/main" id="{46121E96-0927-4527-8363-ABA7BDC677CA}"/>
+              </a:ext>
+            </a:extLst>
+          </p:cNvPr>
+          <p:cNvSpPr>
+            <a:spLocks noChangeAspect="1" noChangeArrowheads="1"/>
+          </p:cNvSpPr>
+          <p:nvPr/>
+        </p:nvSpPr>
+        <p:spPr bwMode="auto">
+          <a:xfrm>
+            <a:off x="5943600" y="3276600"/>
+            <a:ext cx="304800" cy="304800"/>
+          </a:xfrm>
+          <a:prstGeom prst="rect">
+            <a:avLst/>
+          </a:prstGeom>
+          <a:noFill/>
+          <a:extLst>
+            <a:ext uri="{909E8E84-426E-40DD-AFC4-6F175D3DCCD1}">
+              <a14:hiddenFill xmlns:a14="http://schemas.microsoft.com/office/drawing/2010/main">
+                <a:solidFill>
+                  <a:srgbClr val="FFFFFF"/>
+                </a:solidFill>
+              </a14:hiddenFill>
+            </a:ext>
+          </a:extLst>
+        </p:spPr>
+        <p:txBody>
+          <a:bodyPr vert="horz" wrap="square" lIns="91440" tIns="45720" rIns="91440" bIns="45720" numCol="1" anchor="t" anchorCtr="0" compatLnSpc="1">
+            <a:prstTxWarp prst="textNoShape">
+              <a:avLst/>
+            </a:prstTxWarp>
+          </a:bodyPr>
+          <a:lstStyle/>
+          <a:p>
+            <a:endParaRPr lang="hu-HU"/>
+          </a:p>
+        </p:txBody>
+      </p:sp>
+      <p:sp>
+        <p:nvSpPr>
+          <p:cNvPr id="5" name="AutoShape 4" descr="convolutional neural networks python">
+            <a:extLst>
+              <a:ext uri="{FF2B5EF4-FFF2-40B4-BE49-F238E27FC236}">
+                <a16:creationId xmlns:a16="http://schemas.microsoft.com/office/drawing/2014/main" id="{DC0F57D3-DA07-41E5-936C-DA45FFE43F42}"/>
+              </a:ext>
+            </a:extLst>
+          </p:cNvPr>
+          <p:cNvSpPr>
+            <a:spLocks noChangeAspect="1" noChangeArrowheads="1"/>
+          </p:cNvSpPr>
+          <p:nvPr/>
+        </p:nvSpPr>
+        <p:spPr bwMode="auto">
+          <a:xfrm>
+            <a:off x="6096000" y="3429000"/>
+            <a:ext cx="304800" cy="304800"/>
+          </a:xfrm>
+          <a:prstGeom prst="rect">
+            <a:avLst/>
+          </a:prstGeom>
+          <a:noFill/>
+          <a:extLst>
+            <a:ext uri="{909E8E84-426E-40DD-AFC4-6F175D3DCCD1}">
+              <a14:hiddenFill xmlns:a14="http://schemas.microsoft.com/office/drawing/2010/main">
+                <a:solidFill>
+                  <a:srgbClr val="FFFFFF"/>
+                </a:solidFill>
+              </a14:hiddenFill>
+            </a:ext>
+          </a:extLst>
+        </p:spPr>
+        <p:txBody>
+          <a:bodyPr vert="horz" wrap="square" lIns="91440" tIns="45720" rIns="91440" bIns="45720" numCol="1" anchor="t" anchorCtr="0" compatLnSpc="1">
+            <a:prstTxWarp prst="textNoShape">
+              <a:avLst/>
+            </a:prstTxWarp>
+          </a:bodyPr>
+          <a:lstStyle/>
+          <a:p>
+            <a:endParaRPr lang="hu-HU"/>
+          </a:p>
+        </p:txBody>
+      </p:sp>
+      <p:pic>
+        <p:nvPicPr>
+          <p:cNvPr id="9" name="Kép 8">
+            <a:extLst>
+              <a:ext uri="{FF2B5EF4-FFF2-40B4-BE49-F238E27FC236}">
+                <a16:creationId xmlns:a16="http://schemas.microsoft.com/office/drawing/2014/main" id="{89F2A066-97EA-4101-8A3B-E2249B08AA12}"/>
+              </a:ext>
+            </a:extLst>
+          </p:cNvPr>
+          <p:cNvPicPr>
+            <a:picLocks noChangeAspect="1"/>
+          </p:cNvPicPr>
+          <p:nvPr/>
+        </p:nvPicPr>
+        <p:blipFill>
+          <a:blip r:embed="rId2"/>
+          <a:stretch>
+            <a:fillRect/>
+          </a:stretch>
+        </p:blipFill>
+        <p:spPr>
+          <a:xfrm>
+            <a:off x="325755" y="1653540"/>
+            <a:ext cx="11540490" cy="3550920"/>
+          </a:xfrm>
+          <a:prstGeom prst="rect">
+            <a:avLst/>
+          </a:prstGeom>
+        </p:spPr>
+      </p:pic>
+      <p:sp>
+        <p:nvSpPr>
+          <p:cNvPr id="10" name="Szövegdoboz 9">
+            <a:extLst>
+              <a:ext uri="{FF2B5EF4-FFF2-40B4-BE49-F238E27FC236}">
+                <a16:creationId xmlns:a16="http://schemas.microsoft.com/office/drawing/2014/main" id="{35D369AC-7016-4CAC-BFB7-722EB1BDA1F9}"/>
+              </a:ext>
+            </a:extLst>
+          </p:cNvPr>
+          <p:cNvSpPr txBox="1"/>
+          <p:nvPr/>
+        </p:nvSpPr>
+        <p:spPr>
+          <a:xfrm>
+            <a:off x="4191000" y="5650230"/>
+            <a:ext cx="5547360" cy="365760"/>
+          </a:xfrm>
+          <a:prstGeom prst="rect">
+            <a:avLst/>
+          </a:prstGeom>
+          <a:noFill/>
+        </p:spPr>
+        <p:txBody>
+          <a:bodyPr wrap="square" rtlCol="0">
+            <a:spAutoFit/>
+          </a:bodyPr>
+          <a:lstStyle/>
+          <a:p>
+            <a:r>
+              <a:rPr lang="hu-HU" dirty="0"/>
+              <a:t>1. Ábra </a:t>
+            </a:r>
+            <a:r>
+              <a:rPr lang="hu-HU" dirty="0" err="1"/>
+              <a:t>Konvlúciós</a:t>
+            </a:r>
+            <a:r>
+              <a:rPr lang="hu-HU" dirty="0"/>
+              <a:t> neurális hálózat</a:t>
+            </a:r>
+          </a:p>
+        </p:txBody>
+      </p:sp>
+    </p:spTree>
+    <p:extLst>
+      <p:ext uri="{BB962C8B-B14F-4D97-AF65-F5344CB8AC3E}">
+        <p14:creationId xmlns:p14="http://schemas.microsoft.com/office/powerpoint/2010/main" val="871001838"/>
+      </p:ext>
+    </p:extLst>
+  </p:cSld>
+  <p:clrMapOvr>
+    <a:masterClrMapping/>
+  </p:clrMapOvr>
+</p:sld>
+</file>
+
+<file path=ppt/slides/slide7.xml><?xml version="1.0" encoding="utf-8"?>
+<p:sld xmlns:a="http://schemas.openxmlformats.org/drawingml/2006/main" xmlns:r="http://schemas.openxmlformats.org/officeDocument/2006/relationships" xmlns:p="http://schemas.openxmlformats.org/presentationml/2006/main">
+  <p:cSld>
+    <p:spTree>
+      <p:nvGrpSpPr>
+        <p:cNvPr id="1" name=""/>
+        <p:cNvGrpSpPr/>
+        <p:nvPr/>
+      </p:nvGrpSpPr>
+      <p:grpSpPr>
+        <a:xfrm>
+          <a:off x="0" y="0"/>
+          <a:ext cx="0" cy="0"/>
+          <a:chOff x="0" y="0"/>
+          <a:chExt cx="0" cy="0"/>
+        </a:xfrm>
+      </p:grpSpPr>
+      <p:sp>
+        <p:nvSpPr>
+          <p:cNvPr id="2" name="Cím 1">
+            <a:extLst>
+              <a:ext uri="{FF2B5EF4-FFF2-40B4-BE49-F238E27FC236}">
                 <a16:creationId xmlns:a16="http://schemas.microsoft.com/office/drawing/2014/main" id="{CAF363D5-D8AB-43FA-903C-938AFB900365}"/>
               </a:ext>
             </a:extLst>
@@ -6897,8 +7416,8 @@
           </a:p>
         </p:txBody>
       </p:sp>
-      <mc:AlternateContent xmlns:mc="http://schemas.openxmlformats.org/markup-compatibility/2006">
-        <mc:Choice xmlns:a14="http://schemas.microsoft.com/office/drawing/2010/main" Requires="a14">
+      <mc:AlternateContent xmlns:mc="http://schemas.openxmlformats.org/markup-compatibility/2006" xmlns:a14="http://schemas.microsoft.com/office/drawing/2010/main">
+        <mc:Choice Requires="a14">
           <p:sp>
             <p:nvSpPr>
               <p:cNvPr id="3" name="Tartalom helye 2">
@@ -7198,7 +7717,7 @@
                         <m:limLoc m:val="undOvr"/>
                         <m:grow m:val="on"/>
                         <m:ctrlPr>
-                          <a:rPr lang="hu-HU" dirty="0" smtClean="0">
+                          <a:rPr lang="hu-HU" i="1" dirty="0" smtClean="0">
                             <a:latin typeface="Cambria Math" panose="02040503050406030204" pitchFamily="18" charset="0"/>
                           </a:rPr>
                         </m:ctrlPr>
@@ -7316,7 +7835,7 @@
                         <m:subHide m:val="on"/>
                         <m:supHide m:val="on"/>
                         <m:ctrlPr>
-                          <a:rPr lang="hu-HU" dirty="0" smtClean="0">
+                          <a:rPr lang="hu-HU" i="1" dirty="0" smtClean="0">
                             <a:latin typeface="Cambria Math" panose="02040503050406030204" pitchFamily="18" charset="0"/>
                           </a:rPr>
                         </m:ctrlPr>
@@ -7467,7 +7986,7 @@
             </p:txBody>
           </p:sp>
         </mc:Choice>
-        <mc:Fallback>
+        <mc:Fallback xmlns="">
           <p:sp>
             <p:nvSpPr>
               <p:cNvPr id="3" name="Tartalom helye 2">
@@ -7511,94 +8030,6 @@
     <p:extLst>
       <p:ext uri="{BB962C8B-B14F-4D97-AF65-F5344CB8AC3E}">
         <p14:creationId xmlns:p14="http://schemas.microsoft.com/office/powerpoint/2010/main" val="2239358826"/>
-      </p:ext>
-    </p:extLst>
-  </p:cSld>
-  <p:clrMapOvr>
-    <a:masterClrMapping/>
-  </p:clrMapOvr>
-</p:sld>
-</file>
-
-<file path=ppt/slides/slide6.xml><?xml version="1.0" encoding="utf-8"?>
-<p:sld xmlns:a="http://schemas.openxmlformats.org/drawingml/2006/main" xmlns:r="http://schemas.openxmlformats.org/officeDocument/2006/relationships" xmlns:p="http://schemas.openxmlformats.org/presentationml/2006/main">
-  <p:cSld>
-    <p:spTree>
-      <p:nvGrpSpPr>
-        <p:cNvPr id="1" name=""/>
-        <p:cNvGrpSpPr/>
-        <p:nvPr/>
-      </p:nvGrpSpPr>
-      <p:grpSpPr>
-        <a:xfrm>
-          <a:off x="0" y="0"/>
-          <a:ext cx="0" cy="0"/>
-          <a:chOff x="0" y="0"/>
-          <a:chExt cx="0" cy="0"/>
-        </a:xfrm>
-      </p:grpSpPr>
-      <p:sp>
-        <p:nvSpPr>
-          <p:cNvPr id="2" name="Cím 1">
-            <a:extLst>
-              <a:ext uri="{FF2B5EF4-FFF2-40B4-BE49-F238E27FC236}">
-                <a16:creationId xmlns:a16="http://schemas.microsoft.com/office/drawing/2014/main" id="{892BEACE-2362-4145-A082-B83A65275C99}"/>
-              </a:ext>
-            </a:extLst>
-          </p:cNvPr>
-          <p:cNvSpPr>
-            <a:spLocks noGrp="1"/>
-          </p:cNvSpPr>
-          <p:nvPr>
-            <p:ph type="title"/>
-          </p:nvPr>
-        </p:nvSpPr>
-        <p:spPr/>
-        <p:txBody>
-          <a:bodyPr/>
-          <a:lstStyle/>
-          <a:p>
-            <a:r>
-              <a:rPr lang="hu-HU" dirty="0"/>
-              <a:t>Példa a </a:t>
-            </a:r>
-            <a:r>
-              <a:rPr lang="hu-HU" dirty="0" err="1"/>
-              <a:t>konvolúcióra</a:t>
-            </a:r>
-            <a:endParaRPr lang="hu-HU" dirty="0"/>
-          </a:p>
-        </p:txBody>
-      </p:sp>
-      <p:sp>
-        <p:nvSpPr>
-          <p:cNvPr id="3" name="Tartalom helye 2">
-            <a:extLst>
-              <a:ext uri="{FF2B5EF4-FFF2-40B4-BE49-F238E27FC236}">
-                <a16:creationId xmlns:a16="http://schemas.microsoft.com/office/drawing/2014/main" id="{27922B5B-D7B6-4ED6-BB4D-9323B29B7275}"/>
-              </a:ext>
-            </a:extLst>
-          </p:cNvPr>
-          <p:cNvSpPr>
-            <a:spLocks noGrp="1"/>
-          </p:cNvSpPr>
-          <p:nvPr>
-            <p:ph idx="1"/>
-          </p:nvPr>
-        </p:nvSpPr>
-        <p:spPr/>
-        <p:txBody>
-          <a:bodyPr/>
-          <a:lstStyle/>
-          <a:p>
-            <a:endParaRPr lang="hu-HU" dirty="0"/>
-          </a:p>
-        </p:txBody>
-      </p:sp>
-    </p:spTree>
-    <p:extLst>
-      <p:ext uri="{BB962C8B-B14F-4D97-AF65-F5344CB8AC3E}">
-        <p14:creationId xmlns:p14="http://schemas.microsoft.com/office/powerpoint/2010/main" val="3147127643"/>
       </p:ext>
     </p:extLst>
   </p:cSld>

--- a/Konvolúciós neuronhálók.pptx
+++ b/Konvolúciós neuronhálók.pptx
@@ -13579,39 +13579,21 @@
                                   </p:childTnLst>
                                 </p:cTn>
                               </p:par>
-                            </p:childTnLst>
-                          </p:cTn>
-                        </p:par>
-                      </p:childTnLst>
-                    </p:cTn>
-                  </p:par>
-                  <p:par>
-                    <p:cTn id="32" fill="hold">
-                      <p:stCondLst>
-                        <p:cond delay="indefinite"/>
-                      </p:stCondLst>
-                      <p:childTnLst>
-                        <p:par>
-                          <p:cTn id="33" fill="hold">
-                            <p:stCondLst>
-                              <p:cond delay="0"/>
-                            </p:stCondLst>
-                            <p:childTnLst>
                               <p:par>
-                                <p:cTn id="34" presetID="1" presetClass="entr" presetSubtype="0" fill="hold" nodeType="clickEffect">
+                                <p:cTn id="32" presetID="1" presetClass="entr" presetSubtype="0" fill="hold" grpId="0" nodeType="withEffect">
                                   <p:stCondLst>
                                     <p:cond delay="0"/>
                                   </p:stCondLst>
                                   <p:childTnLst>
                                     <p:set>
                                       <p:cBhvr>
-                                        <p:cTn id="35" dur="1" fill="hold">
+                                        <p:cTn id="33" dur="1" fill="hold">
                                           <p:stCondLst>
                                             <p:cond delay="0"/>
                                           </p:stCondLst>
                                         </p:cTn>
                                         <p:tgtEl>
-                                          <p:spTgt spid="13"/>
+                                          <p:spTgt spid="14"/>
                                         </p:tgtEl>
                                         <p:attrNameLst>
                                           <p:attrName>style.visibility</p:attrName>
@@ -13624,8 +13606,26 @@
                                   </p:childTnLst>
                                 </p:cTn>
                               </p:par>
+                            </p:childTnLst>
+                          </p:cTn>
+                        </p:par>
+                      </p:childTnLst>
+                    </p:cTn>
+                  </p:par>
+                  <p:par>
+                    <p:cTn id="34" fill="hold">
+                      <p:stCondLst>
+                        <p:cond delay="indefinite"/>
+                      </p:stCondLst>
+                      <p:childTnLst>
+                        <p:par>
+                          <p:cTn id="35" fill="hold">
+                            <p:stCondLst>
+                              <p:cond delay="0"/>
+                            </p:stCondLst>
+                            <p:childTnLst>
                               <p:par>
-                                <p:cTn id="36" presetID="1" presetClass="entr" presetSubtype="0" fill="hold" grpId="0" nodeType="withEffect">
+                                <p:cTn id="36" presetID="1" presetClass="entr" presetSubtype="0" fill="hold" nodeType="clickEffect">
                                   <p:stCondLst>
                                     <p:cond delay="0"/>
                                   </p:stCondLst>
@@ -13638,7 +13638,7 @@
                                           </p:stCondLst>
                                         </p:cTn>
                                         <p:tgtEl>
-                                          <p:spTgt spid="14"/>
+                                          <p:spTgt spid="13"/>
                                         </p:tgtEl>
                                         <p:attrNameLst>
                                           <p:attrName>style.visibility</p:attrName>

--- a/Konvolúciós neuronhálók.pptx
+++ b/Konvolúciós neuronhálók.pptx
@@ -5,7 +5,7 @@
     <p:sldMasterId id="2147483741" r:id="rId1"/>
   </p:sldMasterIdLst>
   <p:notesMasterIdLst>
-    <p:notesMasterId r:id="rId16"/>
+    <p:notesMasterId r:id="rId18"/>
   </p:notesMasterIdLst>
   <p:sldIdLst>
     <p:sldId id="256" r:id="rId2"/>
@@ -22,6 +22,8 @@
     <p:sldId id="267" r:id="rId13"/>
     <p:sldId id="268" r:id="rId14"/>
     <p:sldId id="269" r:id="rId15"/>
+    <p:sldId id="270" r:id="rId16"/>
+    <p:sldId id="271" r:id="rId17"/>
   </p:sldIdLst>
   <p:sldSz cx="12192000" cy="6858000"/>
   <p:notesSz cx="6858000" cy="9144000"/>
@@ -753,6 +755,93 @@
     <p:extLst>
       <p:ext uri="{BB962C8B-B14F-4D97-AF65-F5344CB8AC3E}">
         <p14:creationId xmlns:p14="http://schemas.microsoft.com/office/powerpoint/2010/main" val="1482542094"/>
+      </p:ext>
+    </p:extLst>
+  </p:cSld>
+  <p:clrMapOvr>
+    <a:masterClrMapping/>
+  </p:clrMapOvr>
+</p:notes>
+</file>
+
+<file path=ppt/notesSlides/notesSlide4.xml><?xml version="1.0" encoding="utf-8"?>
+<p:notes xmlns:a="http://schemas.openxmlformats.org/drawingml/2006/main" xmlns:r="http://schemas.openxmlformats.org/officeDocument/2006/relationships" xmlns:p="http://schemas.openxmlformats.org/presentationml/2006/main">
+  <p:cSld>
+    <p:spTree>
+      <p:nvGrpSpPr>
+        <p:cNvPr id="1" name=""/>
+        <p:cNvGrpSpPr/>
+        <p:nvPr/>
+      </p:nvGrpSpPr>
+      <p:grpSpPr>
+        <a:xfrm>
+          <a:off x="0" y="0"/>
+          <a:ext cx="0" cy="0"/>
+          <a:chOff x="0" y="0"/>
+          <a:chExt cx="0" cy="0"/>
+        </a:xfrm>
+      </p:grpSpPr>
+      <p:sp>
+        <p:nvSpPr>
+          <p:cNvPr id="2" name="Diakép helye 1"/>
+          <p:cNvSpPr>
+            <a:spLocks noGrp="1" noRot="1" noChangeAspect="1"/>
+          </p:cNvSpPr>
+          <p:nvPr>
+            <p:ph type="sldImg"/>
+          </p:nvPr>
+        </p:nvSpPr>
+        <p:spPr/>
+      </p:sp>
+      <p:sp>
+        <p:nvSpPr>
+          <p:cNvPr id="3" name="Jegyzetek helye 2"/>
+          <p:cNvSpPr>
+            <a:spLocks noGrp="1"/>
+          </p:cNvSpPr>
+          <p:nvPr>
+            <p:ph type="body" idx="1"/>
+          </p:nvPr>
+        </p:nvSpPr>
+        <p:spPr/>
+        <p:txBody>
+          <a:bodyPr/>
+          <a:lstStyle/>
+          <a:p>
+            <a:r>
+              <a:rPr lang="hu-HU" dirty="0"/>
+              <a:t>Értelemszerűen az </a:t>
+            </a:r>
+          </a:p>
+        </p:txBody>
+      </p:sp>
+      <p:sp>
+        <p:nvSpPr>
+          <p:cNvPr id="4" name="Dia számának helye 3"/>
+          <p:cNvSpPr>
+            <a:spLocks noGrp="1"/>
+          </p:cNvSpPr>
+          <p:nvPr>
+            <p:ph type="sldNum" sz="quarter" idx="5"/>
+          </p:nvPr>
+        </p:nvSpPr>
+        <p:spPr/>
+        <p:txBody>
+          <a:bodyPr/>
+          <a:lstStyle/>
+          <a:p>
+            <a:fld id="{3BA7F77E-48B0-456D-80A8-F6BD10B88DC8}" type="slidenum">
+              <a:rPr lang="hu-HU" smtClean="0"/>
+              <a:t>16</a:t>
+            </a:fld>
+            <a:endParaRPr lang="hu-HU"/>
+          </a:p>
+        </p:txBody>
+      </p:sp>
+    </p:spTree>
+    <p:extLst>
+      <p:ext uri="{BB962C8B-B14F-4D97-AF65-F5344CB8AC3E}">
+        <p14:creationId xmlns:p14="http://schemas.microsoft.com/office/powerpoint/2010/main" val="1451588488"/>
       </p:ext>
     </p:extLst>
   </p:cSld>
@@ -9911,6 +10000,9 @@
         <p:txBody>
           <a:bodyPr/>
           <a:lstStyle/>
+          <a:p>
+            <a:endParaRPr lang="hu-HU" dirty="0"/>
+          </a:p>
           <a:p>
             <a:r>
               <a:rPr lang="hu-HU" dirty="0"/>
@@ -13712,6 +13804,395 @@
       <p:bldP spid="15" grpId="0"/>
     </p:bldLst>
   </p:timing>
+</p:sld>
+</file>
+
+<file path=ppt/slides/slide15.xml><?xml version="1.0" encoding="utf-8"?>
+<p:sld xmlns:a="http://schemas.openxmlformats.org/drawingml/2006/main" xmlns:r="http://schemas.openxmlformats.org/officeDocument/2006/relationships" xmlns:p="http://schemas.openxmlformats.org/presentationml/2006/main">
+  <p:cSld>
+    <p:spTree>
+      <p:nvGrpSpPr>
+        <p:cNvPr id="1" name=""/>
+        <p:cNvGrpSpPr/>
+        <p:nvPr/>
+      </p:nvGrpSpPr>
+      <p:grpSpPr>
+        <a:xfrm>
+          <a:off x="0" y="0"/>
+          <a:ext cx="0" cy="0"/>
+          <a:chOff x="0" y="0"/>
+          <a:chExt cx="0" cy="0"/>
+        </a:xfrm>
+      </p:grpSpPr>
+      <p:sp>
+        <p:nvSpPr>
+          <p:cNvPr id="3" name="Cím 2">
+            <a:extLst>
+              <a:ext uri="{FF2B5EF4-FFF2-40B4-BE49-F238E27FC236}">
+                <a16:creationId xmlns:a16="http://schemas.microsoft.com/office/drawing/2014/main" id="{0DE73879-8B76-4129-9514-18065C4CABB7}"/>
+              </a:ext>
+            </a:extLst>
+          </p:cNvPr>
+          <p:cNvSpPr>
+            <a:spLocks noGrp="1"/>
+          </p:cNvSpPr>
+          <p:nvPr>
+            <p:ph type="title"/>
+          </p:nvPr>
+        </p:nvSpPr>
+        <p:spPr/>
+        <p:txBody>
+          <a:bodyPr/>
+          <a:lstStyle/>
+          <a:p>
+            <a:r>
+              <a:rPr lang="hu-HU" dirty="0"/>
+              <a:t>KONVOLÚCIÓK TÍPUSAI</a:t>
+            </a:r>
+          </a:p>
+        </p:txBody>
+      </p:sp>
+      <p:sp>
+        <p:nvSpPr>
+          <p:cNvPr id="4" name="Tartalom helye 3">
+            <a:extLst>
+              <a:ext uri="{FF2B5EF4-FFF2-40B4-BE49-F238E27FC236}">
+                <a16:creationId xmlns:a16="http://schemas.microsoft.com/office/drawing/2014/main" id="{3D45C3EC-68B5-42A7-A36F-475BDE3413FE}"/>
+              </a:ext>
+            </a:extLst>
+          </p:cNvPr>
+          <p:cNvSpPr>
+            <a:spLocks noGrp="1"/>
+          </p:cNvSpPr>
+          <p:nvPr>
+            <p:ph idx="1"/>
+          </p:nvPr>
+        </p:nvSpPr>
+        <p:spPr/>
+        <p:txBody>
+          <a:bodyPr/>
+          <a:lstStyle/>
+          <a:p>
+            <a:r>
+              <a:rPr lang="hu-HU" dirty="0"/>
+              <a:t>Valódi(</a:t>
+            </a:r>
+            <a:r>
+              <a:rPr lang="hu-HU" dirty="0" err="1"/>
+              <a:t>valid</a:t>
+            </a:r>
+            <a:r>
+              <a:rPr lang="hu-HU" dirty="0"/>
+              <a:t>): </a:t>
+            </a:r>
+          </a:p>
+          <a:p>
+            <a:pPr lvl="1"/>
+            <a:r>
+              <a:rPr lang="hu-HU" dirty="0"/>
+              <a:t>Valódi esetén a veszteségünk 2px lesz, például egy 10x10-es mátrixból </a:t>
+            </a:r>
+            <a:r>
+              <a:rPr lang="hu-HU" dirty="0" err="1"/>
+              <a:t>konvolúció</a:t>
+            </a:r>
+            <a:r>
+              <a:rPr lang="hu-HU" dirty="0"/>
+              <a:t> után egy 8x8-as mátrixot kapunk  3x3-as szűrűvel</a:t>
+            </a:r>
+          </a:p>
+          <a:p>
+            <a:pPr lvl="1"/>
+            <a:r>
+              <a:rPr lang="en-GB" dirty="0"/>
+              <a:t>(n </a:t>
+            </a:r>
+            <a:r>
+              <a:rPr lang="hu-HU" dirty="0"/>
+              <a:t>x</a:t>
+            </a:r>
+            <a:r>
+              <a:rPr lang="en-GB" dirty="0"/>
+              <a:t> </a:t>
+            </a:r>
+            <a:r>
+              <a:rPr lang="hu-HU" dirty="0"/>
+              <a:t>n</a:t>
+            </a:r>
+            <a:r>
+              <a:rPr lang="en-GB" dirty="0"/>
+              <a:t>)</a:t>
+            </a:r>
+            <a:r>
+              <a:rPr lang="hu-HU" dirty="0"/>
+              <a:t> </a:t>
+            </a:r>
+            <a:r>
+              <a:rPr lang="en-GB" dirty="0"/>
+              <a:t>* (f x f) </a:t>
+            </a:r>
+            <a:r>
+              <a:rPr lang="en-GB" dirty="0">
+                <a:sym typeface="Wingdings" panose="05000000000000000000" pitchFamily="2" charset="2"/>
+              </a:rPr>
+              <a:t> (n – f +1) x (n – f +1)</a:t>
+            </a:r>
+            <a:endParaRPr lang="hu-HU" dirty="0">
+              <a:sym typeface="Wingdings" panose="05000000000000000000" pitchFamily="2" charset="2"/>
+            </a:endParaRPr>
+          </a:p>
+          <a:p>
+            <a:pPr lvl="1"/>
+            <a:endParaRPr lang="hu-HU" dirty="0"/>
+          </a:p>
+          <a:p>
+            <a:r>
+              <a:rPr lang="hu-HU" dirty="0"/>
+              <a:t>Azonos(</a:t>
+            </a:r>
+            <a:r>
+              <a:rPr lang="hu-HU" dirty="0" err="1"/>
+              <a:t>same</a:t>
+            </a:r>
+            <a:r>
+              <a:rPr lang="hu-HU" dirty="0"/>
+              <a:t>):</a:t>
+            </a:r>
+          </a:p>
+          <a:p>
+            <a:pPr lvl="1"/>
+            <a:r>
+              <a:rPr lang="hu-HU" dirty="0"/>
+              <a:t>Azonos esetén pedig a bemeneti mátrix  azonos lesz a kimeneti mátrix</a:t>
+            </a:r>
+            <a:r>
+              <a:rPr lang="en-GB" dirty="0"/>
+              <a:t> </a:t>
+            </a:r>
+            <a:r>
+              <a:rPr lang="hu-HU" dirty="0"/>
+              <a:t>méretével</a:t>
+            </a:r>
+            <a:endParaRPr lang="en-GB" dirty="0"/>
+          </a:p>
+          <a:p>
+            <a:pPr lvl="1"/>
+            <a:r>
+              <a:rPr lang="hu-HU" dirty="0"/>
+              <a:t>(</a:t>
+            </a:r>
+            <a:r>
+              <a:rPr lang="en-GB" dirty="0"/>
+              <a:t>n </a:t>
+            </a:r>
+            <a:r>
+              <a:rPr lang="hu-HU" dirty="0"/>
+              <a:t>x</a:t>
+            </a:r>
+            <a:r>
+              <a:rPr lang="en-GB" dirty="0"/>
+              <a:t> </a:t>
+            </a:r>
+            <a:r>
+              <a:rPr lang="hu-HU" dirty="0"/>
+              <a:t>n</a:t>
+            </a:r>
+            <a:r>
+              <a:rPr lang="en-GB" dirty="0"/>
+              <a:t>)</a:t>
+            </a:r>
+            <a:r>
+              <a:rPr lang="hu-HU" dirty="0"/>
+              <a:t> </a:t>
+            </a:r>
+            <a:r>
+              <a:rPr lang="en-GB" dirty="0"/>
+              <a:t>* (f x f) </a:t>
+            </a:r>
+            <a:r>
+              <a:rPr lang="en-GB" dirty="0">
+                <a:sym typeface="Wingdings" panose="05000000000000000000" pitchFamily="2" charset="2"/>
+              </a:rPr>
+              <a:t> (n </a:t>
+            </a:r>
+            <a:r>
+              <a:rPr lang="hu-HU" dirty="0">
+                <a:sym typeface="Wingdings" panose="05000000000000000000" pitchFamily="2" charset="2"/>
+              </a:rPr>
+              <a:t>+ 2p </a:t>
+            </a:r>
+            <a:r>
+              <a:rPr lang="en-GB" dirty="0">
+                <a:sym typeface="Wingdings" panose="05000000000000000000" pitchFamily="2" charset="2"/>
+              </a:rPr>
+              <a:t>– f +1) x (n</a:t>
+            </a:r>
+            <a:r>
+              <a:rPr lang="hu-HU" dirty="0">
+                <a:sym typeface="Wingdings" panose="05000000000000000000" pitchFamily="2" charset="2"/>
+              </a:rPr>
+              <a:t> + 2p</a:t>
+            </a:r>
+            <a:r>
+              <a:rPr lang="en-GB" dirty="0">
+                <a:sym typeface="Wingdings" panose="05000000000000000000" pitchFamily="2" charset="2"/>
+              </a:rPr>
+              <a:t> – f +1)</a:t>
+            </a:r>
+            <a:endParaRPr lang="hu-HU" dirty="0"/>
+          </a:p>
+          <a:p>
+            <a:endParaRPr lang="hu-HU" dirty="0"/>
+          </a:p>
+        </p:txBody>
+      </p:sp>
+    </p:spTree>
+    <p:extLst>
+      <p:ext uri="{BB962C8B-B14F-4D97-AF65-F5344CB8AC3E}">
+        <p14:creationId xmlns:p14="http://schemas.microsoft.com/office/powerpoint/2010/main" val="1326463676"/>
+      </p:ext>
+    </p:extLst>
+  </p:cSld>
+  <p:clrMapOvr>
+    <a:masterClrMapping/>
+  </p:clrMapOvr>
+</p:sld>
+</file>
+
+<file path=ppt/slides/slide16.xml><?xml version="1.0" encoding="utf-8"?>
+<p:sld xmlns:a="http://schemas.openxmlformats.org/drawingml/2006/main" xmlns:r="http://schemas.openxmlformats.org/officeDocument/2006/relationships" xmlns:p="http://schemas.openxmlformats.org/presentationml/2006/main">
+  <p:cSld>
+    <p:spTree>
+      <p:nvGrpSpPr>
+        <p:cNvPr id="1" name=""/>
+        <p:cNvGrpSpPr/>
+        <p:nvPr/>
+      </p:nvGrpSpPr>
+      <p:grpSpPr>
+        <a:xfrm>
+          <a:off x="0" y="0"/>
+          <a:ext cx="0" cy="0"/>
+          <a:chOff x="0" y="0"/>
+          <a:chExt cx="0" cy="0"/>
+        </a:xfrm>
+      </p:grpSpPr>
+      <p:sp>
+        <p:nvSpPr>
+          <p:cNvPr id="2" name="Cím 1">
+            <a:extLst>
+              <a:ext uri="{FF2B5EF4-FFF2-40B4-BE49-F238E27FC236}">
+                <a16:creationId xmlns:a16="http://schemas.microsoft.com/office/drawing/2014/main" id="{CF193FAF-2C7F-4116-904F-5D571EDC9909}"/>
+              </a:ext>
+            </a:extLst>
+          </p:cNvPr>
+          <p:cNvSpPr>
+            <a:spLocks noGrp="1"/>
+          </p:cNvSpPr>
+          <p:nvPr>
+            <p:ph type="title"/>
+          </p:nvPr>
+        </p:nvSpPr>
+        <p:spPr/>
+        <p:txBody>
+          <a:bodyPr/>
+          <a:lstStyle/>
+          <a:p>
+            <a:r>
+              <a:rPr lang="hu-HU" dirty="0"/>
+              <a:t>LÉPTETETT KONVOLÚCIÓ</a:t>
+            </a:r>
+          </a:p>
+        </p:txBody>
+      </p:sp>
+      <p:sp>
+        <p:nvSpPr>
+          <p:cNvPr id="3" name="Tartalom helye 2">
+            <a:extLst>
+              <a:ext uri="{FF2B5EF4-FFF2-40B4-BE49-F238E27FC236}">
+                <a16:creationId xmlns:a16="http://schemas.microsoft.com/office/drawing/2014/main" id="{1A38B5D1-9276-40C0-9FEA-7898D0F3351D}"/>
+              </a:ext>
+            </a:extLst>
+          </p:cNvPr>
+          <p:cNvSpPr>
+            <a:spLocks noGrp="1"/>
+          </p:cNvSpPr>
+          <p:nvPr>
+            <p:ph idx="1"/>
+          </p:nvPr>
+        </p:nvSpPr>
+        <p:spPr/>
+        <p:txBody>
+          <a:bodyPr/>
+          <a:lstStyle/>
+          <a:p>
+            <a:r>
+              <a:rPr lang="hu-HU" dirty="0"/>
+              <a:t>A léptett vagyis </a:t>
+            </a:r>
+            <a:r>
+              <a:rPr lang="hu-HU" dirty="0" err="1"/>
+              <a:t>strided</a:t>
+            </a:r>
+            <a:r>
+              <a:rPr lang="hu-HU" dirty="0"/>
+              <a:t> </a:t>
+            </a:r>
+            <a:r>
+              <a:rPr lang="hu-HU" dirty="0" err="1"/>
+              <a:t>konvolúció</a:t>
+            </a:r>
+            <a:r>
+              <a:rPr lang="hu-HU" dirty="0"/>
+              <a:t> lényege, hogy amilyen értéket adunk meg a </a:t>
+            </a:r>
+            <a:r>
+              <a:rPr lang="hu-HU" dirty="0" err="1"/>
+              <a:t>stride-nak</a:t>
+            </a:r>
+            <a:r>
+              <a:rPr lang="hu-HU" dirty="0"/>
+              <a:t> annyival fogja a filtert tovább tolni, mint vízszintes és függőleges irányban is</a:t>
+            </a:r>
+          </a:p>
+          <a:p>
+            <a:r>
+              <a:rPr lang="hu-HU" dirty="0"/>
+              <a:t>Az előbb említett képletünk is megfog változni ez által:</a:t>
+            </a:r>
+          </a:p>
+          <a:p>
+            <a:pPr lvl="1"/>
+            <a:r>
+              <a:rPr lang="hu-HU" dirty="0"/>
+              <a:t>(n + 2p – f ) / s + 1 </a:t>
+            </a:r>
+          </a:p>
+          <a:p>
+            <a:r>
+              <a:rPr lang="hu-HU" dirty="0"/>
+              <a:t>Lényegében meggyorsítja a </a:t>
+            </a:r>
+            <a:r>
+              <a:rPr lang="hu-HU" dirty="0" err="1"/>
+              <a:t>konvolúció</a:t>
+            </a:r>
+            <a:r>
+              <a:rPr lang="hu-HU" dirty="0"/>
+              <a:t> folyamatát</a:t>
+            </a:r>
+          </a:p>
+        </p:txBody>
+      </p:sp>
+    </p:spTree>
+    <p:extLst>
+      <p:ext uri="{BB962C8B-B14F-4D97-AF65-F5344CB8AC3E}">
+        <p14:creationId xmlns:p14="http://schemas.microsoft.com/office/powerpoint/2010/main" val="681584913"/>
+      </p:ext>
+    </p:extLst>
+  </p:cSld>
+  <p:clrMapOvr>
+    <a:masterClrMapping/>
+  </p:clrMapOvr>
 </p:sld>
 </file>
 

--- a/Konvolúciós neuronhálók.pptx
+++ b/Konvolúciós neuronhálók.pptx
@@ -5,7 +5,7 @@
     <p:sldMasterId id="2147483741" r:id="rId1"/>
   </p:sldMasterIdLst>
   <p:notesMasterIdLst>
-    <p:notesMasterId r:id="rId18"/>
+    <p:notesMasterId r:id="rId26"/>
   </p:notesMasterIdLst>
   <p:sldIdLst>
     <p:sldId id="256" r:id="rId2"/>
@@ -24,6 +24,14 @@
     <p:sldId id="269" r:id="rId15"/>
     <p:sldId id="270" r:id="rId16"/>
     <p:sldId id="271" r:id="rId17"/>
+    <p:sldId id="273" r:id="rId18"/>
+    <p:sldId id="274" r:id="rId19"/>
+    <p:sldId id="275" r:id="rId20"/>
+    <p:sldId id="276" r:id="rId21"/>
+    <p:sldId id="277" r:id="rId22"/>
+    <p:sldId id="279" r:id="rId23"/>
+    <p:sldId id="280" r:id="rId24"/>
+    <p:sldId id="278" r:id="rId25"/>
   </p:sldIdLst>
   <p:sldSz cx="12192000" cy="6858000"/>
   <p:notesSz cx="6858000" cy="9144000"/>
@@ -811,6 +819,18 @@
             <a:r>
               <a:rPr lang="hu-HU" dirty="0"/>
               <a:t>Értelemszerűen az </a:t>
+            </a:r>
+            <a:r>
+              <a:rPr lang="en-US" dirty="0"/>
+              <a:t>s a </a:t>
+            </a:r>
+            <a:r>
+              <a:rPr lang="en-US" dirty="0" err="1"/>
+              <a:t>strid</a:t>
+            </a:r>
+            <a:r>
+              <a:rPr lang="hu-HU" dirty="0"/>
+              <a:t>e rövidítése</a:t>
             </a:r>
           </a:p>
         </p:txBody>
@@ -13890,7 +13910,15 @@
             <a:pPr lvl="1"/>
             <a:r>
               <a:rPr lang="hu-HU" dirty="0"/>
-              <a:t>Valódi esetén a veszteségünk 2px lesz, például egy 10x10-es mátrixból </a:t>
+              <a:t>Valódi </a:t>
+            </a:r>
+            <a:r>
+              <a:rPr lang="hu-HU" dirty="0" err="1"/>
+              <a:t>konvolúció</a:t>
+            </a:r>
+            <a:r>
+              <a:rPr lang="hu-HU" dirty="0"/>
+              <a:t> esetén a veszteségünk 2 pixel lesz, például egy 10x10-es mátrixból </a:t>
             </a:r>
             <a:r>
               <a:rPr lang="hu-HU" dirty="0" err="1"/>
@@ -13963,7 +13991,7 @@
             <a:pPr lvl="1"/>
             <a:r>
               <a:rPr lang="hu-HU" dirty="0"/>
-              <a:t>Azonos esetén pedig a bemeneti mátrix  azonos lesz a kimeneti mátrix</a:t>
+              <a:t>Azonos esetén pedig a bemeneti mátrix mérete azonos lesz a kimeneti mátrix</a:t>
             </a:r>
             <a:r>
               <a:rPr lang="en-GB" dirty="0"/>
@@ -14104,12 +14132,368 @@
           </a:p>
         </p:txBody>
       </p:sp>
+      <mc:AlternateContent xmlns:mc="http://schemas.openxmlformats.org/markup-compatibility/2006">
+        <mc:Choice xmlns:a14="http://schemas.microsoft.com/office/drawing/2010/main" Requires="a14">
+          <p:sp>
+            <p:nvSpPr>
+              <p:cNvPr id="3" name="Tartalom helye 2">
+                <a:extLst>
+                  <a:ext uri="{FF2B5EF4-FFF2-40B4-BE49-F238E27FC236}">
+                    <a16:creationId xmlns:a16="http://schemas.microsoft.com/office/drawing/2014/main" id="{1A38B5D1-9276-40C0-9FEA-7898D0F3351D}"/>
+                  </a:ext>
+                </a:extLst>
+              </p:cNvPr>
+              <p:cNvSpPr>
+                <a:spLocks noGrp="1"/>
+              </p:cNvSpPr>
+              <p:nvPr>
+                <p:ph idx="1"/>
+              </p:nvPr>
+            </p:nvSpPr>
+            <p:spPr/>
+            <p:txBody>
+              <a:bodyPr/>
+              <a:lstStyle/>
+              <a:p>
+                <a:r>
+                  <a:rPr lang="hu-HU" dirty="0"/>
+                  <a:t>A léptett vagyis </a:t>
+                </a:r>
+                <a:r>
+                  <a:rPr lang="hu-HU" dirty="0" err="1"/>
+                  <a:t>strided</a:t>
+                </a:r>
+                <a:r>
+                  <a:rPr lang="hu-HU" dirty="0"/>
+                  <a:t> </a:t>
+                </a:r>
+                <a:r>
+                  <a:rPr lang="hu-HU" dirty="0" err="1"/>
+                  <a:t>konvolúció</a:t>
+                </a:r>
+                <a:r>
+                  <a:rPr lang="hu-HU" dirty="0"/>
+                  <a:t> lényege, hogy amilyen értéket adunk meg a </a:t>
+                </a:r>
+                <a:r>
+                  <a:rPr lang="hu-HU" dirty="0" err="1"/>
+                  <a:t>stride-nak</a:t>
+                </a:r>
+                <a:r>
+                  <a:rPr lang="hu-HU" dirty="0"/>
+                  <a:t> annyival fogja a filtert tovább tolni, mind vízszintes és függőleges irányban is</a:t>
+                </a:r>
+              </a:p>
+              <a:p>
+                <a:r>
+                  <a:rPr lang="hu-HU" dirty="0"/>
+                  <a:t>Az előbb említett képletünk is megfog változni ez által:</a:t>
+                </a:r>
+              </a:p>
+              <a:p>
+                <a:pPr lvl="1"/>
+                <a14:m>
+                  <m:oMath xmlns:m="http://schemas.openxmlformats.org/officeDocument/2006/math">
+                    <m:f>
+                      <m:fPr>
+                        <m:ctrlPr>
+                          <a:rPr lang="hu-HU" i="1" smtClean="0">
+                            <a:latin typeface="Cambria Math" panose="02040503050406030204" pitchFamily="18" charset="0"/>
+                          </a:rPr>
+                        </m:ctrlPr>
+                      </m:fPr>
+                      <m:num>
+                        <m:r>
+                          <m:rPr>
+                            <m:nor/>
+                          </m:rPr>
+                          <a:rPr lang="hu-HU" dirty="0"/>
+                          <m:t>(</m:t>
+                        </m:r>
+                        <m:r>
+                          <m:rPr>
+                            <m:nor/>
+                          </m:rPr>
+                          <a:rPr lang="hu-HU" dirty="0"/>
+                          <m:t>n</m:t>
+                        </m:r>
+                        <m:r>
+                          <m:rPr>
+                            <m:nor/>
+                          </m:rPr>
+                          <a:rPr lang="hu-HU" dirty="0"/>
+                          <m:t> + 2</m:t>
+                        </m:r>
+                        <m:r>
+                          <m:rPr>
+                            <m:nor/>
+                          </m:rPr>
+                          <a:rPr lang="hu-HU" dirty="0"/>
+                          <m:t>p</m:t>
+                        </m:r>
+                        <m:r>
+                          <m:rPr>
+                            <m:nor/>
+                          </m:rPr>
+                          <a:rPr lang="hu-HU" dirty="0"/>
+                          <m:t> – </m:t>
+                        </m:r>
+                        <m:r>
+                          <m:rPr>
+                            <m:nor/>
+                          </m:rPr>
+                          <a:rPr lang="hu-HU" dirty="0"/>
+                          <m:t>f</m:t>
+                        </m:r>
+                        <m:r>
+                          <m:rPr>
+                            <m:nor/>
+                          </m:rPr>
+                          <a:rPr lang="hu-HU" dirty="0"/>
+                          <m:t> )</m:t>
+                        </m:r>
+                      </m:num>
+                      <m:den>
+                        <m:r>
+                          <m:rPr>
+                            <m:nor/>
+                          </m:rPr>
+                          <a:rPr lang="hu-HU" dirty="0"/>
+                          <m:t>s</m:t>
+                        </m:r>
+                      </m:den>
+                    </m:f>
+                  </m:oMath>
+                </a14:m>
+                <a:r>
+                  <a:rPr lang="en-US" dirty="0"/>
+                  <a:t> + 1 </a:t>
+                </a:r>
+                <a:endParaRPr lang="hu-HU" dirty="0"/>
+              </a:p>
+              <a:p>
+                <a:r>
+                  <a:rPr lang="hu-HU" dirty="0"/>
+                  <a:t>Lényegében meggyorsítja a </a:t>
+                </a:r>
+                <a:r>
+                  <a:rPr lang="hu-HU" dirty="0" err="1"/>
+                  <a:t>konvolúció</a:t>
+                </a:r>
+                <a:r>
+                  <a:rPr lang="hu-HU" dirty="0"/>
+                  <a:t> folyamatát, viszont csökkenti a kép felbontását.</a:t>
+                </a:r>
+              </a:p>
+              <a:p>
+                <a:r>
+                  <a:rPr lang="hu-HU" dirty="0"/>
+                  <a:t>Megjegyzés: Valódi </a:t>
+                </a:r>
+                <a:r>
+                  <a:rPr lang="hu-HU" dirty="0" err="1"/>
+                  <a:t>konvolúciónál</a:t>
+                </a:r>
+                <a:r>
+                  <a:rPr lang="hu-HU" dirty="0"/>
+                  <a:t> = </a:t>
+                </a:r>
+                <a14:m>
+                  <m:oMath xmlns:m="http://schemas.openxmlformats.org/officeDocument/2006/math">
+                    <m:f>
+                      <m:fPr>
+                        <m:ctrlPr>
+                          <a:rPr lang="hu-HU" i="1">
+                            <a:latin typeface="Cambria Math" panose="02040503050406030204" pitchFamily="18" charset="0"/>
+                          </a:rPr>
+                        </m:ctrlPr>
+                      </m:fPr>
+                      <m:num>
+                        <m:r>
+                          <m:rPr>
+                            <m:nor/>
+                          </m:rPr>
+                          <a:rPr lang="hu-HU" dirty="0"/>
+                          <m:t>(</m:t>
+                        </m:r>
+                        <m:r>
+                          <m:rPr>
+                            <m:nor/>
+                          </m:rPr>
+                          <a:rPr lang="hu-HU" dirty="0"/>
+                          <m:t>n</m:t>
+                        </m:r>
+                        <m:r>
+                          <m:rPr>
+                            <m:nor/>
+                          </m:rPr>
+                          <a:rPr lang="hu-HU" dirty="0"/>
+                          <m:t> + 2</m:t>
+                        </m:r>
+                        <m:r>
+                          <m:rPr>
+                            <m:nor/>
+                          </m:rPr>
+                          <a:rPr lang="hu-HU" dirty="0"/>
+                          <m:t>p</m:t>
+                        </m:r>
+                        <m:r>
+                          <m:rPr>
+                            <m:nor/>
+                          </m:rPr>
+                          <a:rPr lang="hu-HU" dirty="0"/>
+                          <m:t> – </m:t>
+                        </m:r>
+                        <m:r>
+                          <m:rPr>
+                            <m:nor/>
+                          </m:rPr>
+                          <a:rPr lang="hu-HU" dirty="0"/>
+                          <m:t>f</m:t>
+                        </m:r>
+                        <m:r>
+                          <m:rPr>
+                            <m:nor/>
+                          </m:rPr>
+                          <a:rPr lang="hu-HU" dirty="0"/>
+                          <m:t> )</m:t>
+                        </m:r>
+                      </m:num>
+                      <m:den>
+                        <m:r>
+                          <m:rPr>
+                            <m:nor/>
+                          </m:rPr>
+                          <a:rPr lang="hu-HU" dirty="0"/>
+                          <m:t>s</m:t>
+                        </m:r>
+                      </m:den>
+                    </m:f>
+                  </m:oMath>
+                </a14:m>
+                <a:r>
+                  <a:rPr lang="en-US" dirty="0"/>
+                  <a:t> + 1</a:t>
+                </a:r>
+                <a:r>
+                  <a:rPr lang="hu-HU" dirty="0"/>
+                  <a:t>; s=1, p=0.</a:t>
+                </a:r>
+              </a:p>
+              <a:p>
+                <a:endParaRPr lang="hu-HU" dirty="0"/>
+              </a:p>
+            </p:txBody>
+          </p:sp>
+        </mc:Choice>
+        <mc:Fallback>
+          <p:sp>
+            <p:nvSpPr>
+              <p:cNvPr id="3" name="Tartalom helye 2">
+                <a:extLst>
+                  <a:ext uri="{FF2B5EF4-FFF2-40B4-BE49-F238E27FC236}">
+                    <a16:creationId xmlns:a16="http://schemas.microsoft.com/office/drawing/2014/main" id="{1A38B5D1-9276-40C0-9FEA-7898D0F3351D}"/>
+                  </a:ext>
+                </a:extLst>
+              </p:cNvPr>
+              <p:cNvSpPr>
+                <a:spLocks noGrp="1" noRot="1" noChangeAspect="1" noMove="1" noResize="1" noEditPoints="1" noAdjustHandles="1" noChangeArrowheads="1" noChangeShapeType="1" noTextEdit="1"/>
+              </p:cNvSpPr>
+              <p:nvPr>
+                <p:ph idx="1"/>
+              </p:nvPr>
+            </p:nvSpPr>
+            <p:spPr>
+              <a:blipFill>
+                <a:blip r:embed="rId3"/>
+                <a:stretch>
+                  <a:fillRect l="-676" t="-1970"/>
+                </a:stretch>
+              </a:blipFill>
+            </p:spPr>
+            <p:txBody>
+              <a:bodyPr/>
+              <a:lstStyle/>
+              <a:p>
+                <a:r>
+                  <a:rPr lang="hu-HU">
+                    <a:noFill/>
+                  </a:rPr>
+                  <a:t> </a:t>
+                </a:r>
+              </a:p>
+            </p:txBody>
+          </p:sp>
+        </mc:Fallback>
+      </mc:AlternateContent>
+    </p:spTree>
+    <p:extLst>
+      <p:ext uri="{BB962C8B-B14F-4D97-AF65-F5344CB8AC3E}">
+        <p14:creationId xmlns:p14="http://schemas.microsoft.com/office/powerpoint/2010/main" val="681584913"/>
+      </p:ext>
+    </p:extLst>
+  </p:cSld>
+  <p:clrMapOvr>
+    <a:masterClrMapping/>
+  </p:clrMapOvr>
+</p:sld>
+</file>
+
+<file path=ppt/slides/slide17.xml><?xml version="1.0" encoding="utf-8"?>
+<p:sld xmlns:a="http://schemas.openxmlformats.org/drawingml/2006/main" xmlns:r="http://schemas.openxmlformats.org/officeDocument/2006/relationships" xmlns:p="http://schemas.openxmlformats.org/presentationml/2006/main">
+  <p:cSld>
+    <p:spTree>
+      <p:nvGrpSpPr>
+        <p:cNvPr id="1" name=""/>
+        <p:cNvGrpSpPr/>
+        <p:nvPr/>
+      </p:nvGrpSpPr>
+      <p:grpSpPr>
+        <a:xfrm>
+          <a:off x="0" y="0"/>
+          <a:ext cx="0" cy="0"/>
+          <a:chOff x="0" y="0"/>
+          <a:chExt cx="0" cy="0"/>
+        </a:xfrm>
+      </p:grpSpPr>
+      <p:sp>
+        <p:nvSpPr>
+          <p:cNvPr id="2" name="Cím 1">
+            <a:extLst>
+              <a:ext uri="{FF2B5EF4-FFF2-40B4-BE49-F238E27FC236}">
+                <a16:creationId xmlns:a16="http://schemas.microsoft.com/office/drawing/2014/main" id="{B5F15105-600F-40F2-B901-EAA59578E3A4}"/>
+              </a:ext>
+            </a:extLst>
+          </p:cNvPr>
+          <p:cNvSpPr>
+            <a:spLocks noGrp="1"/>
+          </p:cNvSpPr>
+          <p:nvPr>
+            <p:ph type="title"/>
+          </p:nvPr>
+        </p:nvSpPr>
+        <p:spPr/>
+        <p:txBody>
+          <a:bodyPr/>
+          <a:lstStyle/>
+          <a:p>
+            <a:r>
+              <a:rPr lang="hu-HU" dirty="0" err="1"/>
+              <a:t>Konvolúciós</a:t>
+            </a:r>
+            <a:r>
+              <a:rPr lang="hu-HU" dirty="0"/>
+              <a:t> eljárás alkalmazása színes képekre</a:t>
+            </a:r>
+          </a:p>
+        </p:txBody>
+      </p:sp>
       <p:sp>
         <p:nvSpPr>
           <p:cNvPr id="3" name="Tartalom helye 2">
             <a:extLst>
               <a:ext uri="{FF2B5EF4-FFF2-40B4-BE49-F238E27FC236}">
-                <a16:creationId xmlns:a16="http://schemas.microsoft.com/office/drawing/2014/main" id="{1A38B5D1-9276-40C0-9FEA-7898D0F3351D}"/>
+                <a16:creationId xmlns:a16="http://schemas.microsoft.com/office/drawing/2014/main" id="{B6D09D0A-570E-40A6-BF08-63AA88789B12}"/>
               </a:ext>
             </a:extLst>
           </p:cNvPr>
@@ -14127,58 +14511,69 @@
           <a:p>
             <a:r>
               <a:rPr lang="hu-HU" dirty="0"/>
-              <a:t>A léptett vagyis </a:t>
+              <a:t>Eddig monokróm képekkel úgymond kétdimenziós képekkel foglalkoztunk.</a:t>
+            </a:r>
+          </a:p>
+          <a:p>
+            <a:r>
+              <a:rPr lang="hu-HU" dirty="0"/>
+              <a:t>Nézzük meg, hogy hogyan változik meg a folyamat akkor, ha színes képekkel dolgozunk</a:t>
+            </a:r>
+          </a:p>
+          <a:p>
+            <a:r>
+              <a:rPr lang="hu-HU" dirty="0"/>
+              <a:t>Az eddig 6x6 mátrix helyett, most 6x6x3-as </a:t>
             </a:r>
             <a:r>
               <a:rPr lang="hu-HU" dirty="0" err="1"/>
-              <a:t>strided</a:t>
+              <a:t>mátrixxal</a:t>
             </a:r>
             <a:r>
               <a:rPr lang="hu-HU" dirty="0"/>
-              <a:t> </a:t>
+              <a:t> fogunk dolgozni, ahol az első 6-os a magasság (</a:t>
             </a:r>
             <a:r>
               <a:rPr lang="hu-HU" dirty="0" err="1"/>
-              <a:t>konvolúció</a:t>
+              <a:t>n</a:t>
+            </a:r>
+            <a:r>
+              <a:rPr lang="hu-HU" baseline="-25000" dirty="0" err="1"/>
+              <a:t>H</a:t>
             </a:r>
             <a:r>
               <a:rPr lang="hu-HU" dirty="0"/>
-              <a:t> lényege, hogy amilyen értéket adunk meg a </a:t>
+              <a:t>), a második a szélesség (</a:t>
             </a:r>
             <a:r>
               <a:rPr lang="hu-HU" dirty="0" err="1"/>
-              <a:t>stride-nak</a:t>
+              <a:t>n</a:t>
+            </a:r>
+            <a:r>
+              <a:rPr lang="hu-HU" baseline="-25000" dirty="0" err="1"/>
+              <a:t>W</a:t>
             </a:r>
             <a:r>
               <a:rPr lang="hu-HU" dirty="0"/>
-              <a:t> annyival fogja a filtert tovább tolni, mint vízszintes és függőleges irányban is</a:t>
-            </a:r>
-          </a:p>
-          <a:p>
+              <a:t>), a harmadik pedig a csatornák száma (</a:t>
+            </a:r>
+            <a:r>
+              <a:rPr lang="hu-HU" dirty="0" err="1"/>
+              <a:t>n</a:t>
+            </a:r>
+            <a:r>
+              <a:rPr lang="hu-HU" baseline="-25000" dirty="0" err="1"/>
+              <a:t>C</a:t>
+            </a:r>
             <a:r>
               <a:rPr lang="hu-HU" dirty="0"/>
-              <a:t>Az előbb említett képletünk is megfog változni ez által:</a:t>
-            </a:r>
-          </a:p>
-          <a:p>
-            <a:pPr lvl="1"/>
+              <a:t>).</a:t>
+            </a:r>
+          </a:p>
+          <a:p>
             <a:r>
               <a:rPr lang="hu-HU" dirty="0"/>
-              <a:t>(n + 2p – f ) / s + 1 </a:t>
-            </a:r>
-          </a:p>
-          <a:p>
-            <a:r>
-              <a:rPr lang="hu-HU" dirty="0"/>
-              <a:t>Lényegében meggyorsítja a </a:t>
-            </a:r>
-            <a:r>
-              <a:rPr lang="hu-HU" dirty="0" err="1"/>
-              <a:t>konvolúció</a:t>
-            </a:r>
-            <a:r>
-              <a:rPr lang="hu-HU" dirty="0"/>
-              <a:t> folyamatát</a:t>
+              <a:t>Ebből következően a szűrő is meg fog változni, 3x3x3-asra. </a:t>
             </a:r>
           </a:p>
         </p:txBody>
@@ -14186,7 +14581,238 @@
     </p:spTree>
     <p:extLst>
       <p:ext uri="{BB962C8B-B14F-4D97-AF65-F5344CB8AC3E}">
-        <p14:creationId xmlns:p14="http://schemas.microsoft.com/office/powerpoint/2010/main" val="681584913"/>
+        <p14:creationId xmlns:p14="http://schemas.microsoft.com/office/powerpoint/2010/main" val="128094075"/>
+      </p:ext>
+    </p:extLst>
+  </p:cSld>
+  <p:clrMapOvr>
+    <a:masterClrMapping/>
+  </p:clrMapOvr>
+</p:sld>
+</file>
+
+<file path=ppt/slides/slide18.xml><?xml version="1.0" encoding="utf-8"?>
+<p:sld xmlns:a="http://schemas.openxmlformats.org/drawingml/2006/main" xmlns:r="http://schemas.openxmlformats.org/officeDocument/2006/relationships" xmlns:p="http://schemas.openxmlformats.org/presentationml/2006/main">
+  <p:cSld>
+    <p:spTree>
+      <p:nvGrpSpPr>
+        <p:cNvPr id="1" name=""/>
+        <p:cNvGrpSpPr/>
+        <p:nvPr/>
+      </p:nvGrpSpPr>
+      <p:grpSpPr>
+        <a:xfrm>
+          <a:off x="0" y="0"/>
+          <a:ext cx="0" cy="0"/>
+          <a:chOff x="0" y="0"/>
+          <a:chExt cx="0" cy="0"/>
+        </a:xfrm>
+      </p:grpSpPr>
+      <p:pic>
+        <p:nvPicPr>
+          <p:cNvPr id="4" name="Kép 3">
+            <a:extLst>
+              <a:ext uri="{FF2B5EF4-FFF2-40B4-BE49-F238E27FC236}">
+                <a16:creationId xmlns:a16="http://schemas.microsoft.com/office/drawing/2014/main" id="{F2246810-24BD-437F-A887-045C7F05E15F}"/>
+              </a:ext>
+            </a:extLst>
+          </p:cNvPr>
+          <p:cNvPicPr>
+            <a:picLocks noChangeAspect="1"/>
+          </p:cNvPicPr>
+          <p:nvPr/>
+        </p:nvPicPr>
+        <p:blipFill>
+          <a:blip r:embed="rId2"/>
+          <a:stretch>
+            <a:fillRect/>
+          </a:stretch>
+        </p:blipFill>
+        <p:spPr>
+          <a:xfrm>
+            <a:off x="1433512" y="1362076"/>
+            <a:ext cx="9324975" cy="4600576"/>
+          </a:xfrm>
+          <a:prstGeom prst="rect">
+            <a:avLst/>
+          </a:prstGeom>
+          <a:gradFill>
+            <a:gsLst>
+              <a:gs pos="83000">
+                <a:schemeClr val="tx2">
+                  <a:alpha val="28000"/>
+                  <a:lumMod val="85000"/>
+                  <a:lumOff val="15000"/>
+                </a:schemeClr>
+              </a:gs>
+              <a:gs pos="100000">
+                <a:schemeClr val="accent1">
+                  <a:lumMod val="30000"/>
+                  <a:lumOff val="70000"/>
+                </a:schemeClr>
+              </a:gs>
+            </a:gsLst>
+            <a:lin ang="5400000" scaled="1"/>
+          </a:gradFill>
+          <a:ln>
+            <a:noFill/>
+          </a:ln>
+        </p:spPr>
+      </p:pic>
+    </p:spTree>
+    <p:extLst>
+      <p:ext uri="{BB962C8B-B14F-4D97-AF65-F5344CB8AC3E}">
+        <p14:creationId xmlns:p14="http://schemas.microsoft.com/office/powerpoint/2010/main" val="1278705618"/>
+      </p:ext>
+    </p:extLst>
+  </p:cSld>
+  <p:clrMapOvr>
+    <a:masterClrMapping/>
+  </p:clrMapOvr>
+</p:sld>
+</file>
+
+<file path=ppt/slides/slide19.xml><?xml version="1.0" encoding="utf-8"?>
+<p:sld xmlns:a="http://schemas.openxmlformats.org/drawingml/2006/main" xmlns:r="http://schemas.openxmlformats.org/officeDocument/2006/relationships" xmlns:p="http://schemas.openxmlformats.org/presentationml/2006/main">
+  <p:cSld>
+    <p:spTree>
+      <p:nvGrpSpPr>
+        <p:cNvPr id="1" name=""/>
+        <p:cNvGrpSpPr/>
+        <p:nvPr/>
+      </p:nvGrpSpPr>
+      <p:grpSpPr>
+        <a:xfrm>
+          <a:off x="0" y="0"/>
+          <a:ext cx="0" cy="0"/>
+          <a:chOff x="0" y="0"/>
+          <a:chExt cx="0" cy="0"/>
+        </a:xfrm>
+      </p:grpSpPr>
+      <p:sp>
+        <p:nvSpPr>
+          <p:cNvPr id="2" name="Cím 1">
+            <a:extLst>
+              <a:ext uri="{FF2B5EF4-FFF2-40B4-BE49-F238E27FC236}">
+                <a16:creationId xmlns:a16="http://schemas.microsoft.com/office/drawing/2014/main" id="{9C540071-052C-443F-B32C-BD8D1B736593}"/>
+              </a:ext>
+            </a:extLst>
+          </p:cNvPr>
+          <p:cNvSpPr>
+            <a:spLocks noGrp="1"/>
+          </p:cNvSpPr>
+          <p:nvPr>
+            <p:ph type="title"/>
+          </p:nvPr>
+        </p:nvSpPr>
+        <p:spPr/>
+        <p:txBody>
+          <a:bodyPr/>
+          <a:lstStyle/>
+          <a:p>
+            <a:r>
+              <a:rPr lang="hu-HU" dirty="0" err="1"/>
+              <a:t>Pooling</a:t>
+            </a:r>
+            <a:r>
+              <a:rPr lang="hu-HU" dirty="0"/>
+              <a:t> metódus</a:t>
+            </a:r>
+          </a:p>
+        </p:txBody>
+      </p:sp>
+      <p:sp>
+        <p:nvSpPr>
+          <p:cNvPr id="3" name="Tartalom helye 2">
+            <a:extLst>
+              <a:ext uri="{FF2B5EF4-FFF2-40B4-BE49-F238E27FC236}">
+                <a16:creationId xmlns:a16="http://schemas.microsoft.com/office/drawing/2014/main" id="{1F5E6E5A-ED8C-4486-B754-383472803843}"/>
+              </a:ext>
+            </a:extLst>
+          </p:cNvPr>
+          <p:cNvSpPr>
+            <a:spLocks noGrp="1"/>
+          </p:cNvSpPr>
+          <p:nvPr>
+            <p:ph idx="1"/>
+          </p:nvPr>
+        </p:nvSpPr>
+        <p:spPr>
+          <a:xfrm>
+            <a:off x="685800" y="2194560"/>
+            <a:ext cx="10820400" cy="3899067"/>
+          </a:xfrm>
+        </p:spPr>
+        <p:txBody>
+          <a:bodyPr/>
+          <a:lstStyle/>
+          <a:p>
+            <a:r>
+              <a:rPr lang="hu-HU" dirty="0"/>
+              <a:t>A </a:t>
+            </a:r>
+            <a:r>
+              <a:rPr lang="hu-HU" dirty="0" err="1"/>
+              <a:t>konvolúciós</a:t>
+            </a:r>
+            <a:r>
+              <a:rPr lang="hu-HU" dirty="0"/>
+              <a:t> eljárás után a neuronhálók alkalmaznak egy további eljárást, a </a:t>
+            </a:r>
+            <a:r>
+              <a:rPr lang="hu-HU" dirty="0" err="1"/>
+              <a:t>pooling</a:t>
+            </a:r>
+            <a:r>
+              <a:rPr lang="hu-HU" dirty="0"/>
+              <a:t>-ot, melynek lényege hogy a kimeneti mátrixot lekicsinyítse, a csatorna szám megtartásával.</a:t>
+            </a:r>
+          </a:p>
+          <a:p>
+            <a:r>
+              <a:rPr lang="hu-HU" dirty="0"/>
+              <a:t>Tehát a filter mátrix paraméterei: s=2, p=2</a:t>
+            </a:r>
+          </a:p>
+          <a:p>
+            <a:endParaRPr lang="hu-HU" dirty="0"/>
+          </a:p>
+        </p:txBody>
+      </p:sp>
+      <p:pic>
+        <p:nvPicPr>
+          <p:cNvPr id="4" name="Kép 3">
+            <a:extLst>
+              <a:ext uri="{FF2B5EF4-FFF2-40B4-BE49-F238E27FC236}">
+                <a16:creationId xmlns:a16="http://schemas.microsoft.com/office/drawing/2014/main" id="{E1F7E254-2862-4C24-9ED8-A4375578F199}"/>
+              </a:ext>
+            </a:extLst>
+          </p:cNvPr>
+          <p:cNvPicPr>
+            <a:picLocks noChangeAspect="1"/>
+          </p:cNvPicPr>
+          <p:nvPr/>
+        </p:nvPicPr>
+        <p:blipFill>
+          <a:blip r:embed="rId2"/>
+          <a:stretch>
+            <a:fillRect/>
+          </a:stretch>
+        </p:blipFill>
+        <p:spPr>
+          <a:xfrm>
+            <a:off x="2767012" y="3657599"/>
+            <a:ext cx="6657975" cy="2657475"/>
+          </a:xfrm>
+          <a:prstGeom prst="rect">
+            <a:avLst/>
+          </a:prstGeom>
+        </p:spPr>
+      </p:pic>
+    </p:spTree>
+    <p:extLst>
+      <p:ext uri="{BB962C8B-B14F-4D97-AF65-F5344CB8AC3E}">
+        <p14:creationId xmlns:p14="http://schemas.microsoft.com/office/powerpoint/2010/main" val="209653481"/>
       </p:ext>
     </p:extLst>
   </p:cSld>
@@ -14499,6 +15125,613 @@
     <p:extLst>
       <p:ext uri="{BB962C8B-B14F-4D97-AF65-F5344CB8AC3E}">
         <p14:creationId xmlns:p14="http://schemas.microsoft.com/office/powerpoint/2010/main" val="3253175854"/>
+      </p:ext>
+    </p:extLst>
+  </p:cSld>
+  <p:clrMapOvr>
+    <a:masterClrMapping/>
+  </p:clrMapOvr>
+</p:sld>
+</file>
+
+<file path=ppt/slides/slide20.xml><?xml version="1.0" encoding="utf-8"?>
+<p:sld xmlns:a="http://schemas.openxmlformats.org/drawingml/2006/main" xmlns:r="http://schemas.openxmlformats.org/officeDocument/2006/relationships" xmlns:p="http://schemas.openxmlformats.org/presentationml/2006/main">
+  <p:cSld>
+    <p:spTree>
+      <p:nvGrpSpPr>
+        <p:cNvPr id="1" name=""/>
+        <p:cNvGrpSpPr/>
+        <p:nvPr/>
+      </p:nvGrpSpPr>
+      <p:grpSpPr>
+        <a:xfrm>
+          <a:off x="0" y="0"/>
+          <a:ext cx="0" cy="0"/>
+          <a:chOff x="0" y="0"/>
+          <a:chExt cx="0" cy="0"/>
+        </a:xfrm>
+      </p:grpSpPr>
+      <p:sp>
+        <p:nvSpPr>
+          <p:cNvPr id="2" name="Cím 1">
+            <a:extLst>
+              <a:ext uri="{FF2B5EF4-FFF2-40B4-BE49-F238E27FC236}">
+                <a16:creationId xmlns:a16="http://schemas.microsoft.com/office/drawing/2014/main" id="{F768BAEC-0DA9-4168-AA33-D89233785EE7}"/>
+              </a:ext>
+            </a:extLst>
+          </p:cNvPr>
+          <p:cNvSpPr>
+            <a:spLocks noGrp="1"/>
+          </p:cNvSpPr>
+          <p:nvPr>
+            <p:ph type="title"/>
+          </p:nvPr>
+        </p:nvSpPr>
+        <p:spPr/>
+        <p:txBody>
+          <a:bodyPr/>
+          <a:lstStyle/>
+          <a:p>
+            <a:r>
+              <a:rPr lang="hu-HU" dirty="0" err="1"/>
+              <a:t>Pooling</a:t>
+            </a:r>
+            <a:r>
+              <a:rPr lang="hu-HU" dirty="0"/>
+              <a:t> fajtái: Max-</a:t>
+            </a:r>
+            <a:r>
+              <a:rPr lang="hu-HU" dirty="0" err="1"/>
+              <a:t>Pooling</a:t>
+            </a:r>
+            <a:endParaRPr lang="hu-HU" dirty="0"/>
+          </a:p>
+        </p:txBody>
+      </p:sp>
+    </p:spTree>
+    <p:extLst>
+      <p:ext uri="{BB962C8B-B14F-4D97-AF65-F5344CB8AC3E}">
+        <p14:creationId xmlns:p14="http://schemas.microsoft.com/office/powerpoint/2010/main" val="2296692699"/>
+      </p:ext>
+    </p:extLst>
+  </p:cSld>
+  <p:clrMapOvr>
+    <a:masterClrMapping/>
+  </p:clrMapOvr>
+</p:sld>
+</file>
+
+<file path=ppt/slides/slide21.xml><?xml version="1.0" encoding="utf-8"?>
+<p:sld xmlns:a="http://schemas.openxmlformats.org/drawingml/2006/main" xmlns:r="http://schemas.openxmlformats.org/officeDocument/2006/relationships" xmlns:p="http://schemas.openxmlformats.org/presentationml/2006/main">
+  <p:cSld>
+    <p:spTree>
+      <p:nvGrpSpPr>
+        <p:cNvPr id="1" name=""/>
+        <p:cNvGrpSpPr/>
+        <p:nvPr/>
+      </p:nvGrpSpPr>
+      <p:grpSpPr>
+        <a:xfrm>
+          <a:off x="0" y="0"/>
+          <a:ext cx="0" cy="0"/>
+          <a:chOff x="0" y="0"/>
+          <a:chExt cx="0" cy="0"/>
+        </a:xfrm>
+      </p:grpSpPr>
+      <p:sp>
+        <p:nvSpPr>
+          <p:cNvPr id="3" name="Cím 1">
+            <a:extLst>
+              <a:ext uri="{FF2B5EF4-FFF2-40B4-BE49-F238E27FC236}">
+                <a16:creationId xmlns:a16="http://schemas.microsoft.com/office/drawing/2014/main" id="{E821F458-C3E2-4B37-A7FF-C78F64BBA210}"/>
+              </a:ext>
+            </a:extLst>
+          </p:cNvPr>
+          <p:cNvSpPr>
+            <a:spLocks noGrp="1"/>
+          </p:cNvSpPr>
+          <p:nvPr>
+            <p:ph type="title"/>
+          </p:nvPr>
+        </p:nvSpPr>
+        <p:spPr>
+          <a:xfrm>
+            <a:off x="2895600" y="763588"/>
+            <a:ext cx="8610600" cy="1293812"/>
+          </a:xfrm>
+        </p:spPr>
+        <p:txBody>
+          <a:bodyPr/>
+          <a:lstStyle/>
+          <a:p>
+            <a:r>
+              <a:rPr lang="hu-HU" dirty="0" err="1"/>
+              <a:t>Pooling</a:t>
+            </a:r>
+            <a:r>
+              <a:rPr lang="hu-HU" dirty="0"/>
+              <a:t> fajtái: </a:t>
+            </a:r>
+            <a:r>
+              <a:rPr lang="hu-HU" dirty="0" err="1"/>
+              <a:t>avg-Pooling</a:t>
+            </a:r>
+            <a:endParaRPr lang="hu-HU" dirty="0"/>
+          </a:p>
+        </p:txBody>
+      </p:sp>
+    </p:spTree>
+    <p:extLst>
+      <p:ext uri="{BB962C8B-B14F-4D97-AF65-F5344CB8AC3E}">
+        <p14:creationId xmlns:p14="http://schemas.microsoft.com/office/powerpoint/2010/main" val="1580456502"/>
+      </p:ext>
+    </p:extLst>
+  </p:cSld>
+  <p:clrMapOvr>
+    <a:masterClrMapping/>
+  </p:clrMapOvr>
+</p:sld>
+</file>
+
+<file path=ppt/slides/slide22.xml><?xml version="1.0" encoding="utf-8"?>
+<p:sld xmlns:a="http://schemas.openxmlformats.org/drawingml/2006/main" xmlns:r="http://schemas.openxmlformats.org/officeDocument/2006/relationships" xmlns:p="http://schemas.openxmlformats.org/presentationml/2006/main">
+  <p:cSld>
+    <p:spTree>
+      <p:nvGrpSpPr>
+        <p:cNvPr id="1" name=""/>
+        <p:cNvGrpSpPr/>
+        <p:nvPr/>
+      </p:nvGrpSpPr>
+      <p:grpSpPr>
+        <a:xfrm>
+          <a:off x="0" y="0"/>
+          <a:ext cx="0" cy="0"/>
+          <a:chOff x="0" y="0"/>
+          <a:chExt cx="0" cy="0"/>
+        </a:xfrm>
+      </p:grpSpPr>
+      <p:sp>
+        <p:nvSpPr>
+          <p:cNvPr id="2" name="Cím 1">
+            <a:extLst>
+              <a:ext uri="{FF2B5EF4-FFF2-40B4-BE49-F238E27FC236}">
+                <a16:creationId xmlns:a16="http://schemas.microsoft.com/office/drawing/2014/main" id="{58AEB979-F1FF-43FD-8E50-C81FAABE1029}"/>
+              </a:ext>
+            </a:extLst>
+          </p:cNvPr>
+          <p:cNvSpPr>
+            <a:spLocks noGrp="1"/>
+          </p:cNvSpPr>
+          <p:nvPr>
+            <p:ph type="title"/>
+          </p:nvPr>
+        </p:nvSpPr>
+        <p:spPr/>
+        <p:txBody>
+          <a:bodyPr/>
+          <a:lstStyle/>
+          <a:p>
+            <a:r>
+              <a:rPr lang="hu-HU" dirty="0" err="1"/>
+              <a:t>Konvolúciós</a:t>
+            </a:r>
+            <a:r>
+              <a:rPr lang="hu-HU" dirty="0"/>
+              <a:t> réteg</a:t>
+            </a:r>
+          </a:p>
+        </p:txBody>
+      </p:sp>
+      <p:sp>
+        <p:nvSpPr>
+          <p:cNvPr id="3" name="Tartalom helye 2">
+            <a:extLst>
+              <a:ext uri="{FF2B5EF4-FFF2-40B4-BE49-F238E27FC236}">
+                <a16:creationId xmlns:a16="http://schemas.microsoft.com/office/drawing/2014/main" id="{B79829B0-6A24-4C88-B8D9-0AC644DFA459}"/>
+              </a:ext>
+            </a:extLst>
+          </p:cNvPr>
+          <p:cNvSpPr>
+            <a:spLocks noGrp="1"/>
+          </p:cNvSpPr>
+          <p:nvPr>
+            <p:ph idx="1"/>
+          </p:nvPr>
+        </p:nvSpPr>
+        <p:spPr/>
+        <p:txBody>
+          <a:bodyPr/>
+          <a:lstStyle/>
+          <a:p>
+            <a:r>
+              <a:rPr lang="hu-HU" dirty="0" err="1"/>
+              <a:t>Mostmár</a:t>
+            </a:r>
+            <a:r>
+              <a:rPr lang="hu-HU" dirty="0"/>
+              <a:t> minden építőkocka adott, hogy felépítsük egy </a:t>
+            </a:r>
+            <a:r>
+              <a:rPr lang="hu-HU" dirty="0" err="1"/>
+              <a:t>konvolúciós</a:t>
+            </a:r>
+            <a:r>
+              <a:rPr lang="hu-HU" dirty="0"/>
+              <a:t> réteget.</a:t>
+            </a:r>
+          </a:p>
+          <a:p>
+            <a:r>
+              <a:rPr lang="hu-HU" dirty="0"/>
+              <a:t>Ez a réteg, állhat csak </a:t>
+            </a:r>
+            <a:r>
+              <a:rPr lang="hu-HU" dirty="0" err="1"/>
+              <a:t>konvolúciós</a:t>
+            </a:r>
+            <a:r>
+              <a:rPr lang="hu-HU" dirty="0"/>
+              <a:t> rétegből, de általában két részből áll, egy </a:t>
+            </a:r>
+            <a:r>
+              <a:rPr lang="hu-HU" dirty="0" err="1"/>
+              <a:t>konvolúciós</a:t>
+            </a:r>
+            <a:r>
+              <a:rPr lang="hu-HU" dirty="0"/>
+              <a:t> és egy </a:t>
+            </a:r>
+            <a:r>
+              <a:rPr lang="hu-HU" dirty="0" err="1"/>
+              <a:t>pooling</a:t>
+            </a:r>
+            <a:r>
+              <a:rPr lang="hu-HU" dirty="0"/>
+              <a:t> rétegből, melyeket egy rétegként szokás feltüntetni.</a:t>
+            </a:r>
+          </a:p>
+          <a:p>
+            <a:r>
+              <a:rPr lang="hu-HU" dirty="0"/>
+              <a:t>Ezeket a rétegeket többször ismételve, érhetjük el, hogy a mátrixunk megfelelő méretűre csökkenjen és könnyen fel lehessen dolgozni, át lehessen adni.</a:t>
+            </a:r>
+          </a:p>
+        </p:txBody>
+      </p:sp>
+    </p:spTree>
+    <p:extLst>
+      <p:ext uri="{BB962C8B-B14F-4D97-AF65-F5344CB8AC3E}">
+        <p14:creationId xmlns:p14="http://schemas.microsoft.com/office/powerpoint/2010/main" val="4148611511"/>
+      </p:ext>
+    </p:extLst>
+  </p:cSld>
+  <p:clrMapOvr>
+    <a:masterClrMapping/>
+  </p:clrMapOvr>
+</p:sld>
+</file>
+
+<file path=ppt/slides/slide23.xml><?xml version="1.0" encoding="utf-8"?>
+<p:sld xmlns:a="http://schemas.openxmlformats.org/drawingml/2006/main" xmlns:r="http://schemas.openxmlformats.org/officeDocument/2006/relationships" xmlns:p="http://schemas.openxmlformats.org/presentationml/2006/main">
+  <p:cSld>
+    <p:spTree>
+      <p:nvGrpSpPr>
+        <p:cNvPr id="1" name=""/>
+        <p:cNvGrpSpPr/>
+        <p:nvPr/>
+      </p:nvGrpSpPr>
+      <p:grpSpPr>
+        <a:xfrm>
+          <a:off x="0" y="0"/>
+          <a:ext cx="0" cy="0"/>
+          <a:chOff x="0" y="0"/>
+          <a:chExt cx="0" cy="0"/>
+        </a:xfrm>
+      </p:grpSpPr>
+      <p:sp>
+        <p:nvSpPr>
+          <p:cNvPr id="2" name="Cím 1">
+            <a:extLst>
+              <a:ext uri="{FF2B5EF4-FFF2-40B4-BE49-F238E27FC236}">
+                <a16:creationId xmlns:a16="http://schemas.microsoft.com/office/drawing/2014/main" id="{A2443483-9094-479E-A20A-31C8FAC0E1C7}"/>
+              </a:ext>
+            </a:extLst>
+          </p:cNvPr>
+          <p:cNvSpPr>
+            <a:spLocks noGrp="1"/>
+          </p:cNvSpPr>
+          <p:nvPr>
+            <p:ph type="title"/>
+          </p:nvPr>
+        </p:nvSpPr>
+        <p:spPr/>
+        <p:txBody>
+          <a:bodyPr/>
+          <a:lstStyle/>
+          <a:p>
+            <a:r>
+              <a:rPr lang="hu-HU" dirty="0" err="1"/>
+              <a:t>Konvolúciós</a:t>
+            </a:r>
+            <a:r>
+              <a:rPr lang="hu-HU" dirty="0"/>
+              <a:t> réteg</a:t>
+            </a:r>
+          </a:p>
+        </p:txBody>
+      </p:sp>
+      <p:pic>
+        <p:nvPicPr>
+          <p:cNvPr id="1026" name="Picture 2" descr="Imagini pentru lenet 5">
+            <a:extLst>
+              <a:ext uri="{FF2B5EF4-FFF2-40B4-BE49-F238E27FC236}">
+                <a16:creationId xmlns:a16="http://schemas.microsoft.com/office/drawing/2014/main" id="{B524BF7E-6E65-4BA7-85F7-0795BE12C77B}"/>
+              </a:ext>
+            </a:extLst>
+          </p:cNvPr>
+          <p:cNvPicPr>
+            <a:picLocks noChangeAspect="1" noChangeArrowheads="1"/>
+          </p:cNvPicPr>
+          <p:nvPr/>
+        </p:nvPicPr>
+        <p:blipFill>
+          <a:blip r:embed="rId2">
+            <a:extLst>
+              <a:ext uri="{28A0092B-C50C-407E-A947-70E740481C1C}">
+                <a14:useLocalDpi xmlns:a14="http://schemas.microsoft.com/office/drawing/2010/main" val="0"/>
+              </a:ext>
+            </a:extLst>
+          </a:blip>
+          <a:srcRect/>
+          <a:stretch>
+            <a:fillRect/>
+          </a:stretch>
+        </p:blipFill>
+        <p:spPr bwMode="auto">
+          <a:xfrm>
+            <a:off x="1919288" y="2057401"/>
+            <a:ext cx="8353425" cy="3581399"/>
+          </a:xfrm>
+          <a:prstGeom prst="rect">
+            <a:avLst/>
+          </a:prstGeom>
+          <a:noFill/>
+          <a:extLst>
+            <a:ext uri="{909E8E84-426E-40DD-AFC4-6F175D3DCCD1}">
+              <a14:hiddenFill xmlns:a14="http://schemas.microsoft.com/office/drawing/2010/main">
+                <a:solidFill>
+                  <a:srgbClr val="FFFFFF"/>
+                </a:solidFill>
+              </a14:hiddenFill>
+            </a:ext>
+          </a:extLst>
+        </p:spPr>
+      </p:pic>
+      <p:sp>
+        <p:nvSpPr>
+          <p:cNvPr id="3" name="Szövegdoboz 2">
+            <a:extLst>
+              <a:ext uri="{FF2B5EF4-FFF2-40B4-BE49-F238E27FC236}">
+                <a16:creationId xmlns:a16="http://schemas.microsoft.com/office/drawing/2014/main" id="{DB163C19-42C8-48BF-B100-219A7B079AF2}"/>
+              </a:ext>
+            </a:extLst>
+          </p:cNvPr>
+          <p:cNvSpPr txBox="1"/>
+          <p:nvPr/>
+        </p:nvSpPr>
+        <p:spPr>
+          <a:xfrm>
+            <a:off x="4076700" y="5905500"/>
+            <a:ext cx="4038600" cy="369332"/>
+          </a:xfrm>
+          <a:prstGeom prst="rect">
+            <a:avLst/>
+          </a:prstGeom>
+          <a:noFill/>
+        </p:spPr>
+        <p:txBody>
+          <a:bodyPr wrap="square" rtlCol="0">
+            <a:spAutoFit/>
+          </a:bodyPr>
+          <a:lstStyle/>
+          <a:p>
+            <a:r>
+              <a:rPr lang="hu-HU" dirty="0"/>
+              <a:t>Mi jön ezután???</a:t>
+            </a:r>
+          </a:p>
+        </p:txBody>
+      </p:sp>
+    </p:spTree>
+    <p:extLst>
+      <p:ext uri="{BB962C8B-B14F-4D97-AF65-F5344CB8AC3E}">
+        <p14:creationId xmlns:p14="http://schemas.microsoft.com/office/powerpoint/2010/main" val="2839288812"/>
+      </p:ext>
+    </p:extLst>
+  </p:cSld>
+  <p:clrMapOvr>
+    <a:masterClrMapping/>
+  </p:clrMapOvr>
+  <p:timing>
+    <p:tnLst>
+      <p:par>
+        <p:cTn id="1" dur="indefinite" restart="never" nodeType="tmRoot">
+          <p:childTnLst>
+            <p:seq concurrent="1" nextAc="seek">
+              <p:cTn id="2" dur="indefinite" nodeType="mainSeq">
+                <p:childTnLst>
+                  <p:par>
+                    <p:cTn id="3" fill="hold">
+                      <p:stCondLst>
+                        <p:cond delay="indefinite"/>
+                      </p:stCondLst>
+                      <p:childTnLst>
+                        <p:par>
+                          <p:cTn id="4" fill="hold">
+                            <p:stCondLst>
+                              <p:cond delay="0"/>
+                            </p:stCondLst>
+                            <p:childTnLst>
+                              <p:par>
+                                <p:cTn id="5" presetID="10" presetClass="entr" presetSubtype="0" fill="hold" grpId="0" nodeType="clickEffect">
+                                  <p:stCondLst>
+                                    <p:cond delay="0"/>
+                                  </p:stCondLst>
+                                  <p:childTnLst>
+                                    <p:set>
+                                      <p:cBhvr>
+                                        <p:cTn id="6" dur="1" fill="hold">
+                                          <p:stCondLst>
+                                            <p:cond delay="0"/>
+                                          </p:stCondLst>
+                                        </p:cTn>
+                                        <p:tgtEl>
+                                          <p:spTgt spid="3"/>
+                                        </p:tgtEl>
+                                        <p:attrNameLst>
+                                          <p:attrName>style.visibility</p:attrName>
+                                        </p:attrNameLst>
+                                      </p:cBhvr>
+                                      <p:to>
+                                        <p:strVal val="visible"/>
+                                      </p:to>
+                                    </p:set>
+                                    <p:animEffect transition="in" filter="fade">
+                                      <p:cBhvr>
+                                        <p:cTn id="7" dur="500"/>
+                                        <p:tgtEl>
+                                          <p:spTgt spid="3"/>
+                                        </p:tgtEl>
+                                      </p:cBhvr>
+                                    </p:animEffect>
+                                  </p:childTnLst>
+                                </p:cTn>
+                              </p:par>
+                            </p:childTnLst>
+                          </p:cTn>
+                        </p:par>
+                      </p:childTnLst>
+                    </p:cTn>
+                  </p:par>
+                </p:childTnLst>
+              </p:cTn>
+              <p:prevCondLst>
+                <p:cond evt="onPrev" delay="0">
+                  <p:tgtEl>
+                    <p:sldTgt/>
+                  </p:tgtEl>
+                </p:cond>
+              </p:prevCondLst>
+              <p:nextCondLst>
+                <p:cond evt="onNext" delay="0">
+                  <p:tgtEl>
+                    <p:sldTgt/>
+                  </p:tgtEl>
+                </p:cond>
+              </p:nextCondLst>
+            </p:seq>
+          </p:childTnLst>
+        </p:cTn>
+      </p:par>
+    </p:tnLst>
+    <p:bldLst>
+      <p:bldP spid="3" grpId="0"/>
+    </p:bldLst>
+  </p:timing>
+</p:sld>
+</file>
+
+<file path=ppt/slides/slide24.xml><?xml version="1.0" encoding="utf-8"?>
+<p:sld xmlns:a="http://schemas.openxmlformats.org/drawingml/2006/main" xmlns:r="http://schemas.openxmlformats.org/officeDocument/2006/relationships" xmlns:p="http://schemas.openxmlformats.org/presentationml/2006/main">
+  <p:cSld>
+    <p:spTree>
+      <p:nvGrpSpPr>
+        <p:cNvPr id="1" name=""/>
+        <p:cNvGrpSpPr/>
+        <p:nvPr/>
+      </p:nvGrpSpPr>
+      <p:grpSpPr>
+        <a:xfrm>
+          <a:off x="0" y="0"/>
+          <a:ext cx="0" cy="0"/>
+          <a:chOff x="0" y="0"/>
+          <a:chExt cx="0" cy="0"/>
+        </a:xfrm>
+      </p:grpSpPr>
+      <p:sp>
+        <p:nvSpPr>
+          <p:cNvPr id="2" name="Cím 1">
+            <a:extLst>
+              <a:ext uri="{FF2B5EF4-FFF2-40B4-BE49-F238E27FC236}">
+                <a16:creationId xmlns:a16="http://schemas.microsoft.com/office/drawing/2014/main" id="{5978F94E-C583-43BF-AF0E-E358EC0936F7}"/>
+              </a:ext>
+            </a:extLst>
+          </p:cNvPr>
+          <p:cNvSpPr>
+            <a:spLocks noGrp="1"/>
+          </p:cNvSpPr>
+          <p:nvPr>
+            <p:ph type="title"/>
+          </p:nvPr>
+        </p:nvSpPr>
+        <p:spPr/>
+        <p:txBody>
+          <a:bodyPr/>
+          <a:lstStyle/>
+          <a:p>
+            <a:r>
+              <a:rPr lang="hu-HU" dirty="0" err="1"/>
+              <a:t>Fully</a:t>
+            </a:r>
+            <a:r>
+              <a:rPr lang="hu-HU" dirty="0"/>
+              <a:t> </a:t>
+            </a:r>
+            <a:r>
+              <a:rPr lang="hu-HU" dirty="0" err="1"/>
+              <a:t>Connected</a:t>
+            </a:r>
+            <a:r>
+              <a:rPr lang="hu-HU" dirty="0"/>
+              <a:t> </a:t>
+            </a:r>
+            <a:r>
+              <a:rPr lang="hu-HU" dirty="0" err="1"/>
+              <a:t>LAyer</a:t>
+            </a:r>
+            <a:endParaRPr lang="hu-HU" dirty="0"/>
+          </a:p>
+        </p:txBody>
+      </p:sp>
+      <p:sp>
+        <p:nvSpPr>
+          <p:cNvPr id="3" name="Tartalom helye 2">
+            <a:extLst>
+              <a:ext uri="{FF2B5EF4-FFF2-40B4-BE49-F238E27FC236}">
+                <a16:creationId xmlns:a16="http://schemas.microsoft.com/office/drawing/2014/main" id="{8A75547E-AD52-4C3B-9D32-D80B6CF3D200}"/>
+              </a:ext>
+            </a:extLst>
+          </p:cNvPr>
+          <p:cNvSpPr>
+            <a:spLocks noGrp="1"/>
+          </p:cNvSpPr>
+          <p:nvPr>
+            <p:ph idx="1"/>
+          </p:nvPr>
+        </p:nvSpPr>
+        <p:spPr/>
+        <p:txBody>
+          <a:bodyPr/>
+          <a:lstStyle/>
+          <a:p>
+            <a:endParaRPr lang="hu-HU" dirty="0"/>
+          </a:p>
+        </p:txBody>
+      </p:sp>
+    </p:spTree>
+    <p:extLst>
+      <p:ext uri="{BB962C8B-B14F-4D97-AF65-F5344CB8AC3E}">
+        <p14:creationId xmlns:p14="http://schemas.microsoft.com/office/powerpoint/2010/main" val="3153914856"/>
       </p:ext>
     </p:extLst>
   </p:cSld>

--- a/Konvolúciós neuronhálók.pptx
+++ b/Konvolúciós neuronhálók.pptx
@@ -5,7 +5,7 @@
     <p:sldMasterId id="2147483741" r:id="rId1"/>
   </p:sldMasterIdLst>
   <p:notesMasterIdLst>
-    <p:notesMasterId r:id="rId26"/>
+    <p:notesMasterId r:id="rId34"/>
   </p:notesMasterIdLst>
   <p:sldIdLst>
     <p:sldId id="256" r:id="rId2"/>
@@ -32,6 +32,14 @@
     <p:sldId id="279" r:id="rId23"/>
     <p:sldId id="280" r:id="rId24"/>
     <p:sldId id="278" r:id="rId25"/>
+    <p:sldId id="281" r:id="rId26"/>
+    <p:sldId id="288" r:id="rId27"/>
+    <p:sldId id="282" r:id="rId28"/>
+    <p:sldId id="283" r:id="rId29"/>
+    <p:sldId id="286" r:id="rId30"/>
+    <p:sldId id="284" r:id="rId31"/>
+    <p:sldId id="287" r:id="rId32"/>
+    <p:sldId id="285" r:id="rId33"/>
   </p:sldIdLst>
   <p:sldSz cx="12192000" cy="6858000"/>
   <p:notesSz cx="6858000" cy="9144000"/>
@@ -6589,12 +6597,8 @@
           <a:p>
             <a:pPr algn="ctr"/>
             <a:r>
-              <a:rPr lang="hu-HU" dirty="0" err="1"/>
-              <a:t>Sapientai</a:t>
-            </a:r>
-            <a:r>
               <a:rPr lang="hu-HU" dirty="0"/>
-              <a:t> EMTE Marosvásárhely</a:t>
+              <a:t>Sapientia EMTE Marosvásárhely</a:t>
             </a:r>
           </a:p>
           <a:p>
@@ -15167,7 +15171,12 @@
             <p:ph type="title"/>
           </p:nvPr>
         </p:nvSpPr>
-        <p:spPr/>
+        <p:spPr>
+          <a:xfrm>
+            <a:off x="2895600" y="764373"/>
+            <a:ext cx="8610600" cy="1293028"/>
+          </a:xfrm>
+        </p:spPr>
         <p:txBody>
           <a:bodyPr/>
           <a:lstStyle/>
@@ -15188,6 +15197,890 @@
           </a:p>
         </p:txBody>
       </p:sp>
+      <p:graphicFrame>
+        <p:nvGraphicFramePr>
+          <p:cNvPr id="3" name="Táblázat 2">
+            <a:extLst>
+              <a:ext uri="{FF2B5EF4-FFF2-40B4-BE49-F238E27FC236}">
+                <a16:creationId xmlns:a16="http://schemas.microsoft.com/office/drawing/2014/main" id="{043A9818-AA3C-459D-95B5-C058387D07EA}"/>
+              </a:ext>
+            </a:extLst>
+          </p:cNvPr>
+          <p:cNvGraphicFramePr>
+            <a:graphicFrameLocks noGrp="1"/>
+          </p:cNvGraphicFramePr>
+          <p:nvPr>
+            <p:extLst>
+              <p:ext uri="{D42A27DB-BD31-4B8C-83A1-F6EECF244321}">
+                <p14:modId xmlns:p14="http://schemas.microsoft.com/office/powerpoint/2010/main" val="177655472"/>
+              </p:ext>
+            </p:extLst>
+          </p:nvPr>
+        </p:nvGraphicFramePr>
+        <p:xfrm>
+          <a:off x="1955800" y="2692610"/>
+          <a:ext cx="4140200" cy="2374688"/>
+        </p:xfrm>
+        <a:graphic>
+          <a:graphicData uri="http://schemas.openxmlformats.org/drawingml/2006/table">
+            <a:tbl>
+              <a:tblPr firstRow="1" bandRow="1">
+                <a:tableStyleId>{BC89EF96-8CEA-46FF-86C4-4CE0E7609802}</a:tableStyleId>
+              </a:tblPr>
+              <a:tblGrid>
+                <a:gridCol w="1035050">
+                  <a:extLst>
+                    <a:ext uri="{9D8B030D-6E8A-4147-A177-3AD203B41FA5}">
+                      <a16:colId xmlns:a16="http://schemas.microsoft.com/office/drawing/2014/main" val="1846084328"/>
+                    </a:ext>
+                  </a:extLst>
+                </a:gridCol>
+                <a:gridCol w="1035050">
+                  <a:extLst>
+                    <a:ext uri="{9D8B030D-6E8A-4147-A177-3AD203B41FA5}">
+                      <a16:colId xmlns:a16="http://schemas.microsoft.com/office/drawing/2014/main" val="990060110"/>
+                    </a:ext>
+                  </a:extLst>
+                </a:gridCol>
+                <a:gridCol w="1035050">
+                  <a:extLst>
+                    <a:ext uri="{9D8B030D-6E8A-4147-A177-3AD203B41FA5}">
+                      <a16:colId xmlns:a16="http://schemas.microsoft.com/office/drawing/2014/main" val="670246736"/>
+                    </a:ext>
+                  </a:extLst>
+                </a:gridCol>
+                <a:gridCol w="1035050">
+                  <a:extLst>
+                    <a:ext uri="{9D8B030D-6E8A-4147-A177-3AD203B41FA5}">
+                      <a16:colId xmlns:a16="http://schemas.microsoft.com/office/drawing/2014/main" val="3004185690"/>
+                    </a:ext>
+                  </a:extLst>
+                </a:gridCol>
+              </a:tblGrid>
+              <a:tr h="593672">
+                <a:tc>
+                  <a:txBody>
+                    <a:bodyPr/>
+                    <a:lstStyle/>
+                    <a:p>
+                      <a:pPr algn="ctr"/>
+                      <a:r>
+                        <a:rPr lang="hu-HU" b="0" dirty="0"/>
+                        <a:t>1</a:t>
+                      </a:r>
+                    </a:p>
+                  </a:txBody>
+                  <a:tcPr anchor="ctr">
+                    <a:solidFill>
+                      <a:schemeClr val="accent4">
+                        <a:lumMod val="75000"/>
+                      </a:schemeClr>
+                    </a:solidFill>
+                  </a:tcPr>
+                </a:tc>
+                <a:tc>
+                  <a:txBody>
+                    <a:bodyPr/>
+                    <a:lstStyle/>
+                    <a:p>
+                      <a:pPr algn="ctr"/>
+                      <a:r>
+                        <a:rPr lang="hu-HU" b="0" dirty="0"/>
+                        <a:t>3</a:t>
+                      </a:r>
+                    </a:p>
+                  </a:txBody>
+                  <a:tcPr anchor="ctr">
+                    <a:solidFill>
+                      <a:schemeClr val="accent4">
+                        <a:lumMod val="75000"/>
+                      </a:schemeClr>
+                    </a:solidFill>
+                  </a:tcPr>
+                </a:tc>
+                <a:tc>
+                  <a:txBody>
+                    <a:bodyPr/>
+                    <a:lstStyle/>
+                    <a:p>
+                      <a:pPr algn="ctr"/>
+                      <a:r>
+                        <a:rPr lang="hu-HU" b="0" dirty="0"/>
+                        <a:t>2</a:t>
+                      </a:r>
+                    </a:p>
+                  </a:txBody>
+                  <a:tcPr anchor="ctr">
+                    <a:solidFill>
+                      <a:schemeClr val="accent6">
+                        <a:lumMod val="75000"/>
+                      </a:schemeClr>
+                    </a:solidFill>
+                  </a:tcPr>
+                </a:tc>
+                <a:tc>
+                  <a:txBody>
+                    <a:bodyPr/>
+                    <a:lstStyle/>
+                    <a:p>
+                      <a:pPr algn="ctr"/>
+                      <a:r>
+                        <a:rPr lang="hu-HU" b="0" dirty="0"/>
+                        <a:t>3</a:t>
+                      </a:r>
+                    </a:p>
+                  </a:txBody>
+                  <a:tcPr anchor="ctr">
+                    <a:solidFill>
+                      <a:schemeClr val="accent6">
+                        <a:lumMod val="75000"/>
+                      </a:schemeClr>
+                    </a:solidFill>
+                  </a:tcPr>
+                </a:tc>
+                <a:extLst>
+                  <a:ext uri="{0D108BD9-81ED-4DB2-BD59-A6C34878D82A}">
+                    <a16:rowId xmlns:a16="http://schemas.microsoft.com/office/drawing/2014/main" val="2788475617"/>
+                  </a:ext>
+                </a:extLst>
+              </a:tr>
+              <a:tr h="593672">
+                <a:tc>
+                  <a:txBody>
+                    <a:bodyPr/>
+                    <a:lstStyle/>
+                    <a:p>
+                      <a:pPr algn="ctr"/>
+                      <a:r>
+                        <a:rPr lang="hu-HU" dirty="0"/>
+                        <a:t>2</a:t>
+                      </a:r>
+                    </a:p>
+                  </a:txBody>
+                  <a:tcPr anchor="ctr">
+                    <a:solidFill>
+                      <a:schemeClr val="accent4">
+                        <a:lumMod val="75000"/>
+                      </a:schemeClr>
+                    </a:solidFill>
+                  </a:tcPr>
+                </a:tc>
+                <a:tc>
+                  <a:txBody>
+                    <a:bodyPr/>
+                    <a:lstStyle/>
+                    <a:p>
+                      <a:pPr algn="ctr"/>
+                      <a:r>
+                        <a:rPr lang="hu-HU" dirty="0"/>
+                        <a:t>9</a:t>
+                      </a:r>
+                    </a:p>
+                  </a:txBody>
+                  <a:tcPr anchor="ctr">
+                    <a:solidFill>
+                      <a:schemeClr val="accent4">
+                        <a:lumMod val="75000"/>
+                      </a:schemeClr>
+                    </a:solidFill>
+                  </a:tcPr>
+                </a:tc>
+                <a:tc>
+                  <a:txBody>
+                    <a:bodyPr/>
+                    <a:lstStyle/>
+                    <a:p>
+                      <a:pPr algn="ctr"/>
+                      <a:r>
+                        <a:rPr lang="hu-HU" dirty="0"/>
+                        <a:t>1</a:t>
+                      </a:r>
+                    </a:p>
+                  </a:txBody>
+                  <a:tcPr anchor="ctr">
+                    <a:solidFill>
+                      <a:schemeClr val="accent6">
+                        <a:lumMod val="75000"/>
+                      </a:schemeClr>
+                    </a:solidFill>
+                  </a:tcPr>
+                </a:tc>
+                <a:tc>
+                  <a:txBody>
+                    <a:bodyPr/>
+                    <a:lstStyle/>
+                    <a:p>
+                      <a:pPr algn="ctr"/>
+                      <a:r>
+                        <a:rPr lang="hu-HU" dirty="0"/>
+                        <a:t>1</a:t>
+                      </a:r>
+                    </a:p>
+                  </a:txBody>
+                  <a:tcPr anchor="ctr">
+                    <a:solidFill>
+                      <a:schemeClr val="accent6">
+                        <a:lumMod val="75000"/>
+                      </a:schemeClr>
+                    </a:solidFill>
+                  </a:tcPr>
+                </a:tc>
+                <a:extLst>
+                  <a:ext uri="{0D108BD9-81ED-4DB2-BD59-A6C34878D82A}">
+                    <a16:rowId xmlns:a16="http://schemas.microsoft.com/office/drawing/2014/main" val="4093798012"/>
+                  </a:ext>
+                </a:extLst>
+              </a:tr>
+              <a:tr h="593672">
+                <a:tc>
+                  <a:txBody>
+                    <a:bodyPr/>
+                    <a:lstStyle/>
+                    <a:p>
+                      <a:pPr algn="ctr"/>
+                      <a:r>
+                        <a:rPr lang="hu-HU" dirty="0"/>
+                        <a:t>1</a:t>
+                      </a:r>
+                    </a:p>
+                  </a:txBody>
+                  <a:tcPr anchor="ctr">
+                    <a:solidFill>
+                      <a:schemeClr val="accent1">
+                        <a:lumMod val="50000"/>
+                      </a:schemeClr>
+                    </a:solidFill>
+                  </a:tcPr>
+                </a:tc>
+                <a:tc>
+                  <a:txBody>
+                    <a:bodyPr/>
+                    <a:lstStyle/>
+                    <a:p>
+                      <a:pPr algn="ctr"/>
+                      <a:r>
+                        <a:rPr lang="hu-HU" dirty="0"/>
+                        <a:t>3</a:t>
+                      </a:r>
+                    </a:p>
+                  </a:txBody>
+                  <a:tcPr anchor="ctr">
+                    <a:solidFill>
+                      <a:schemeClr val="accent1">
+                        <a:lumMod val="50000"/>
+                      </a:schemeClr>
+                    </a:solidFill>
+                  </a:tcPr>
+                </a:tc>
+                <a:tc>
+                  <a:txBody>
+                    <a:bodyPr/>
+                    <a:lstStyle/>
+                    <a:p>
+                      <a:pPr algn="ctr"/>
+                      <a:r>
+                        <a:rPr lang="hu-HU" dirty="0"/>
+                        <a:t>2</a:t>
+                      </a:r>
+                    </a:p>
+                  </a:txBody>
+                  <a:tcPr anchor="ctr">
+                    <a:solidFill>
+                      <a:schemeClr val="bg2">
+                        <a:lumMod val="50000"/>
+                      </a:schemeClr>
+                    </a:solidFill>
+                  </a:tcPr>
+                </a:tc>
+                <a:tc>
+                  <a:txBody>
+                    <a:bodyPr/>
+                    <a:lstStyle/>
+                    <a:p>
+                      <a:pPr algn="ctr"/>
+                      <a:r>
+                        <a:rPr lang="hu-HU" dirty="0"/>
+                        <a:t>3</a:t>
+                      </a:r>
+                    </a:p>
+                  </a:txBody>
+                  <a:tcPr anchor="ctr">
+                    <a:solidFill>
+                      <a:schemeClr val="bg2">
+                        <a:lumMod val="50000"/>
+                      </a:schemeClr>
+                    </a:solidFill>
+                  </a:tcPr>
+                </a:tc>
+                <a:extLst>
+                  <a:ext uri="{0D108BD9-81ED-4DB2-BD59-A6C34878D82A}">
+                    <a16:rowId xmlns:a16="http://schemas.microsoft.com/office/drawing/2014/main" val="188347803"/>
+                  </a:ext>
+                </a:extLst>
+              </a:tr>
+              <a:tr h="593672">
+                <a:tc>
+                  <a:txBody>
+                    <a:bodyPr/>
+                    <a:lstStyle/>
+                    <a:p>
+                      <a:pPr algn="ctr"/>
+                      <a:r>
+                        <a:rPr lang="hu-HU" dirty="0"/>
+                        <a:t>5</a:t>
+                      </a:r>
+                    </a:p>
+                  </a:txBody>
+                  <a:tcPr anchor="ctr">
+                    <a:solidFill>
+                      <a:schemeClr val="accent1">
+                        <a:lumMod val="50000"/>
+                      </a:schemeClr>
+                    </a:solidFill>
+                  </a:tcPr>
+                </a:tc>
+                <a:tc>
+                  <a:txBody>
+                    <a:bodyPr/>
+                    <a:lstStyle/>
+                    <a:p>
+                      <a:pPr algn="ctr"/>
+                      <a:r>
+                        <a:rPr lang="hu-HU" dirty="0"/>
+                        <a:t>6</a:t>
+                      </a:r>
+                    </a:p>
+                  </a:txBody>
+                  <a:tcPr anchor="ctr">
+                    <a:solidFill>
+                      <a:schemeClr val="accent1">
+                        <a:lumMod val="50000"/>
+                      </a:schemeClr>
+                    </a:solidFill>
+                  </a:tcPr>
+                </a:tc>
+                <a:tc>
+                  <a:txBody>
+                    <a:bodyPr/>
+                    <a:lstStyle/>
+                    <a:p>
+                      <a:pPr algn="ctr"/>
+                      <a:r>
+                        <a:rPr lang="hu-HU" dirty="0"/>
+                        <a:t>1</a:t>
+                      </a:r>
+                    </a:p>
+                  </a:txBody>
+                  <a:tcPr anchor="ctr">
+                    <a:solidFill>
+                      <a:schemeClr val="bg2">
+                        <a:lumMod val="50000"/>
+                      </a:schemeClr>
+                    </a:solidFill>
+                  </a:tcPr>
+                </a:tc>
+                <a:tc>
+                  <a:txBody>
+                    <a:bodyPr/>
+                    <a:lstStyle/>
+                    <a:p>
+                      <a:pPr algn="ctr"/>
+                      <a:r>
+                        <a:rPr lang="hu-HU" dirty="0"/>
+                        <a:t>2</a:t>
+                      </a:r>
+                    </a:p>
+                  </a:txBody>
+                  <a:tcPr anchor="ctr">
+                    <a:solidFill>
+                      <a:schemeClr val="bg2">
+                        <a:lumMod val="50000"/>
+                      </a:schemeClr>
+                    </a:solidFill>
+                  </a:tcPr>
+                </a:tc>
+                <a:extLst>
+                  <a:ext uri="{0D108BD9-81ED-4DB2-BD59-A6C34878D82A}">
+                    <a16:rowId xmlns:a16="http://schemas.microsoft.com/office/drawing/2014/main" val="932820176"/>
+                  </a:ext>
+                </a:extLst>
+              </a:tr>
+            </a:tbl>
+          </a:graphicData>
+        </a:graphic>
+      </p:graphicFrame>
+      <p:sp>
+        <p:nvSpPr>
+          <p:cNvPr id="4" name="Nyíl: jobbra mutató 3">
+            <a:extLst>
+              <a:ext uri="{FF2B5EF4-FFF2-40B4-BE49-F238E27FC236}">
+                <a16:creationId xmlns:a16="http://schemas.microsoft.com/office/drawing/2014/main" id="{F22E3F03-E741-45F1-B0D4-B6991B0F090D}"/>
+              </a:ext>
+            </a:extLst>
+          </p:cNvPr>
+          <p:cNvSpPr/>
+          <p:nvPr/>
+        </p:nvSpPr>
+        <p:spPr>
+          <a:xfrm>
+            <a:off x="6781806" y="3724379"/>
+            <a:ext cx="838200" cy="311150"/>
+          </a:xfrm>
+          <a:prstGeom prst="rightArrow">
+            <a:avLst/>
+          </a:prstGeom>
+        </p:spPr>
+        <p:style>
+          <a:lnRef idx="2">
+            <a:schemeClr val="accent1">
+              <a:shade val="50000"/>
+            </a:schemeClr>
+          </a:lnRef>
+          <a:fillRef idx="1">
+            <a:schemeClr val="accent1"/>
+          </a:fillRef>
+          <a:effectRef idx="0">
+            <a:schemeClr val="accent1"/>
+          </a:effectRef>
+          <a:fontRef idx="minor">
+            <a:schemeClr val="lt1"/>
+          </a:fontRef>
+        </p:style>
+        <p:txBody>
+          <a:bodyPr rtlCol="0" anchor="ctr"/>
+          <a:lstStyle/>
+          <a:p>
+            <a:pPr algn="ctr"/>
+            <a:endParaRPr lang="hu-HU"/>
+          </a:p>
+        </p:txBody>
+      </p:sp>
+      <p:graphicFrame>
+        <p:nvGraphicFramePr>
+          <p:cNvPr id="7" name="Táblázat 6">
+            <a:extLst>
+              <a:ext uri="{FF2B5EF4-FFF2-40B4-BE49-F238E27FC236}">
+                <a16:creationId xmlns:a16="http://schemas.microsoft.com/office/drawing/2014/main" id="{6172CE0C-2EEE-42F3-9A7C-F5EBBDBDBAB7}"/>
+              </a:ext>
+            </a:extLst>
+          </p:cNvPr>
+          <p:cNvGraphicFramePr>
+            <a:graphicFrameLocks noGrp="1"/>
+          </p:cNvGraphicFramePr>
+          <p:nvPr>
+            <p:extLst>
+              <p:ext uri="{D42A27DB-BD31-4B8C-83A1-F6EECF244321}">
+                <p14:modId xmlns:p14="http://schemas.microsoft.com/office/powerpoint/2010/main" val="237614264"/>
+              </p:ext>
+            </p:extLst>
+          </p:nvPr>
+        </p:nvGraphicFramePr>
+        <p:xfrm>
+          <a:off x="8260082" y="3056359"/>
+          <a:ext cx="2245995" cy="1647190"/>
+        </p:xfrm>
+        <a:graphic>
+          <a:graphicData uri="http://schemas.openxmlformats.org/drawingml/2006/table">
+            <a:tbl>
+              <a:tblPr firstRow="1" bandRow="1">
+                <a:tableStyleId>{BC89EF96-8CEA-46FF-86C4-4CE0E7609802}</a:tableStyleId>
+              </a:tblPr>
+              <a:tblGrid>
+                <a:gridCol w="1127444">
+                  <a:extLst>
+                    <a:ext uri="{9D8B030D-6E8A-4147-A177-3AD203B41FA5}">
+                      <a16:colId xmlns:a16="http://schemas.microsoft.com/office/drawing/2014/main" val="990060110"/>
+                    </a:ext>
+                  </a:extLst>
+                </a:gridCol>
+                <a:gridCol w="1118551">
+                  <a:extLst>
+                    <a:ext uri="{9D8B030D-6E8A-4147-A177-3AD203B41FA5}">
+                      <a16:colId xmlns:a16="http://schemas.microsoft.com/office/drawing/2014/main" val="670246736"/>
+                    </a:ext>
+                  </a:extLst>
+                </a:gridCol>
+              </a:tblGrid>
+              <a:tr h="823595">
+                <a:tc>
+                  <a:txBody>
+                    <a:bodyPr/>
+                    <a:lstStyle/>
+                    <a:p>
+                      <a:pPr algn="ctr"/>
+                      <a:r>
+                        <a:rPr lang="hu-HU" b="0" dirty="0"/>
+                        <a:t>9</a:t>
+                      </a:r>
+                    </a:p>
+                  </a:txBody>
+                  <a:tcPr anchor="ctr">
+                    <a:solidFill>
+                      <a:schemeClr val="accent4">
+                        <a:lumMod val="75000"/>
+                      </a:schemeClr>
+                    </a:solidFill>
+                  </a:tcPr>
+                </a:tc>
+                <a:tc>
+                  <a:txBody>
+                    <a:bodyPr/>
+                    <a:lstStyle/>
+                    <a:p>
+                      <a:pPr algn="ctr"/>
+                      <a:r>
+                        <a:rPr lang="hu-HU" b="0" dirty="0"/>
+                        <a:t>3</a:t>
+                      </a:r>
+                    </a:p>
+                  </a:txBody>
+                  <a:tcPr anchor="ctr">
+                    <a:solidFill>
+                      <a:schemeClr val="accent6">
+                        <a:lumMod val="75000"/>
+                      </a:schemeClr>
+                    </a:solidFill>
+                  </a:tcPr>
+                </a:tc>
+                <a:extLst>
+                  <a:ext uri="{0D108BD9-81ED-4DB2-BD59-A6C34878D82A}">
+                    <a16:rowId xmlns:a16="http://schemas.microsoft.com/office/drawing/2014/main" val="4093798012"/>
+                  </a:ext>
+                </a:extLst>
+              </a:tr>
+              <a:tr h="823595">
+                <a:tc>
+                  <a:txBody>
+                    <a:bodyPr/>
+                    <a:lstStyle/>
+                    <a:p>
+                      <a:pPr algn="ctr"/>
+                      <a:r>
+                        <a:rPr lang="hu-HU" dirty="0"/>
+                        <a:t>6</a:t>
+                      </a:r>
+                    </a:p>
+                  </a:txBody>
+                  <a:tcPr anchor="ctr">
+                    <a:solidFill>
+                      <a:schemeClr val="accent1">
+                        <a:lumMod val="50000"/>
+                      </a:schemeClr>
+                    </a:solidFill>
+                  </a:tcPr>
+                </a:tc>
+                <a:tc>
+                  <a:txBody>
+                    <a:bodyPr/>
+                    <a:lstStyle/>
+                    <a:p>
+                      <a:pPr algn="ctr"/>
+                      <a:r>
+                        <a:rPr lang="hu-HU" dirty="0"/>
+                        <a:t>3</a:t>
+                      </a:r>
+                    </a:p>
+                  </a:txBody>
+                  <a:tcPr anchor="ctr">
+                    <a:solidFill>
+                      <a:schemeClr val="bg2">
+                        <a:lumMod val="50000"/>
+                      </a:schemeClr>
+                    </a:solidFill>
+                  </a:tcPr>
+                </a:tc>
+                <a:extLst>
+                  <a:ext uri="{0D108BD9-81ED-4DB2-BD59-A6C34878D82A}">
+                    <a16:rowId xmlns:a16="http://schemas.microsoft.com/office/drawing/2014/main" val="188347803"/>
+                  </a:ext>
+                </a:extLst>
+              </a:tr>
+            </a:tbl>
+          </a:graphicData>
+        </a:graphic>
+      </p:graphicFrame>
+      <p:sp>
+        <p:nvSpPr>
+          <p:cNvPr id="8" name="Szövegdoboz 7">
+            <a:extLst>
+              <a:ext uri="{FF2B5EF4-FFF2-40B4-BE49-F238E27FC236}">
+                <a16:creationId xmlns:a16="http://schemas.microsoft.com/office/drawing/2014/main" id="{50AE1EC0-9B01-429F-A9AD-0A190491119B}"/>
+              </a:ext>
+            </a:extLst>
+          </p:cNvPr>
+          <p:cNvSpPr txBox="1"/>
+          <p:nvPr/>
+        </p:nvSpPr>
+        <p:spPr>
+          <a:xfrm>
+            <a:off x="6781800" y="4143968"/>
+            <a:ext cx="838199" cy="923330"/>
+          </a:xfrm>
+          <a:prstGeom prst="rect">
+            <a:avLst/>
+          </a:prstGeom>
+          <a:noFill/>
+        </p:spPr>
+        <p:txBody>
+          <a:bodyPr wrap="square" rtlCol="0">
+            <a:spAutoFit/>
+          </a:bodyPr>
+          <a:lstStyle/>
+          <a:p>
+            <a:r>
+              <a:rPr lang="hu-HU" dirty="0"/>
+              <a:t>f = 2</a:t>
+            </a:r>
+          </a:p>
+          <a:p>
+            <a:r>
+              <a:rPr lang="hu-HU" dirty="0"/>
+              <a:t>s = 2 p = 0</a:t>
+            </a:r>
+          </a:p>
+        </p:txBody>
+      </p:sp>
+      <mc:AlternateContent xmlns:mc="http://schemas.openxmlformats.org/markup-compatibility/2006">
+        <mc:Choice xmlns:a14="http://schemas.microsoft.com/office/drawing/2010/main" Requires="a14">
+          <p:sp>
+            <p:nvSpPr>
+              <p:cNvPr id="15" name="Téglalap 14">
+                <a:extLst>
+                  <a:ext uri="{FF2B5EF4-FFF2-40B4-BE49-F238E27FC236}">
+                    <a16:creationId xmlns:a16="http://schemas.microsoft.com/office/drawing/2014/main" id="{2EAD5515-4B3C-4EB1-BAD5-F88BC4FCDBEB}"/>
+                  </a:ext>
+                </a:extLst>
+              </p:cNvPr>
+              <p:cNvSpPr/>
+              <p:nvPr/>
+            </p:nvSpPr>
+            <p:spPr>
+              <a:xfrm>
+                <a:off x="7620006" y="4970681"/>
+                <a:ext cx="3895618" cy="554960"/>
+              </a:xfrm>
+              <a:prstGeom prst="rect">
+                <a:avLst/>
+              </a:prstGeom>
+            </p:spPr>
+            <p:txBody>
+              <a:bodyPr wrap="none">
+                <a:spAutoFit/>
+              </a:bodyPr>
+              <a:lstStyle/>
+              <a:p>
+                <a:r>
+                  <a:rPr lang="hu-HU" dirty="0"/>
+                  <a:t> </a:t>
+                </a:r>
+                <a14:m>
+                  <m:oMath xmlns:m="http://schemas.openxmlformats.org/officeDocument/2006/math">
+                    <m:f>
+                      <m:fPr>
+                        <m:ctrlPr>
+                          <a:rPr lang="hu-HU" i="1">
+                            <a:latin typeface="Cambria Math" panose="02040503050406030204" pitchFamily="18" charset="0"/>
+                          </a:rPr>
+                        </m:ctrlPr>
+                      </m:fPr>
+                      <m:num>
+                        <m:r>
+                          <m:rPr>
+                            <m:nor/>
+                          </m:rPr>
+                          <a:rPr lang="hu-HU" dirty="0"/>
+                          <m:t>(</m:t>
+                        </m:r>
+                        <m:r>
+                          <m:rPr>
+                            <m:nor/>
+                          </m:rPr>
+                          <a:rPr lang="hu-HU" dirty="0"/>
+                          <m:t>n</m:t>
+                        </m:r>
+                        <m:r>
+                          <m:rPr>
+                            <m:nor/>
+                          </m:rPr>
+                          <a:rPr lang="hu-HU" dirty="0"/>
+                          <m:t> + 2</m:t>
+                        </m:r>
+                        <m:r>
+                          <m:rPr>
+                            <m:nor/>
+                          </m:rPr>
+                          <a:rPr lang="hu-HU" dirty="0"/>
+                          <m:t>p</m:t>
+                        </m:r>
+                        <m:r>
+                          <m:rPr>
+                            <m:nor/>
+                          </m:rPr>
+                          <a:rPr lang="hu-HU" dirty="0"/>
+                          <m:t> – </m:t>
+                        </m:r>
+                        <m:r>
+                          <m:rPr>
+                            <m:nor/>
+                          </m:rPr>
+                          <a:rPr lang="hu-HU" dirty="0"/>
+                          <m:t>f</m:t>
+                        </m:r>
+                        <m:r>
+                          <m:rPr>
+                            <m:nor/>
+                          </m:rPr>
+                          <a:rPr lang="hu-HU" dirty="0"/>
+                          <m:t> )</m:t>
+                        </m:r>
+                      </m:num>
+                      <m:den>
+                        <m:r>
+                          <m:rPr>
+                            <m:nor/>
+                          </m:rPr>
+                          <a:rPr lang="hu-HU" dirty="0"/>
+                          <m:t>s</m:t>
+                        </m:r>
+                      </m:den>
+                    </m:f>
+                  </m:oMath>
+                </a14:m>
+                <a:r>
+                  <a:rPr lang="hu-HU" dirty="0"/>
+                  <a:t> + 1 x  </a:t>
+                </a:r>
+                <a14:m>
+                  <m:oMath xmlns:m="http://schemas.openxmlformats.org/officeDocument/2006/math">
+                    <m:f>
+                      <m:fPr>
+                        <m:ctrlPr>
+                          <a:rPr lang="hu-HU" i="1">
+                            <a:latin typeface="Cambria Math" panose="02040503050406030204" pitchFamily="18" charset="0"/>
+                          </a:rPr>
+                        </m:ctrlPr>
+                      </m:fPr>
+                      <m:num>
+                        <m:r>
+                          <m:rPr>
+                            <m:nor/>
+                          </m:rPr>
+                          <a:rPr lang="hu-HU" dirty="0"/>
+                          <m:t>(</m:t>
+                        </m:r>
+                        <m:r>
+                          <m:rPr>
+                            <m:nor/>
+                          </m:rPr>
+                          <a:rPr lang="hu-HU" dirty="0"/>
+                          <m:t>n</m:t>
+                        </m:r>
+                        <m:r>
+                          <m:rPr>
+                            <m:nor/>
+                          </m:rPr>
+                          <a:rPr lang="hu-HU" dirty="0"/>
+                          <m:t> + 2</m:t>
+                        </m:r>
+                        <m:r>
+                          <m:rPr>
+                            <m:nor/>
+                          </m:rPr>
+                          <a:rPr lang="hu-HU" dirty="0"/>
+                          <m:t>p</m:t>
+                        </m:r>
+                        <m:r>
+                          <m:rPr>
+                            <m:nor/>
+                          </m:rPr>
+                          <a:rPr lang="hu-HU" dirty="0"/>
+                          <m:t> – </m:t>
+                        </m:r>
+                        <m:r>
+                          <m:rPr>
+                            <m:nor/>
+                          </m:rPr>
+                          <a:rPr lang="hu-HU" dirty="0"/>
+                          <m:t>f</m:t>
+                        </m:r>
+                        <m:r>
+                          <m:rPr>
+                            <m:nor/>
+                          </m:rPr>
+                          <a:rPr lang="hu-HU" dirty="0"/>
+                          <m:t> )</m:t>
+                        </m:r>
+                      </m:num>
+                      <m:den>
+                        <m:r>
+                          <m:rPr>
+                            <m:nor/>
+                          </m:rPr>
+                          <a:rPr lang="hu-HU" dirty="0"/>
+                          <m:t>s</m:t>
+                        </m:r>
+                      </m:den>
+                    </m:f>
+                  </m:oMath>
+                </a14:m>
+                <a:r>
+                  <a:rPr lang="hu-HU" dirty="0"/>
+                  <a:t> + 1</a:t>
+                </a:r>
+                <a:r>
+                  <a:rPr lang="en-US" dirty="0"/>
+                  <a:t> </a:t>
+                </a:r>
+                <a:endParaRPr lang="hu-HU" dirty="0"/>
+              </a:p>
+            </p:txBody>
+          </p:sp>
+        </mc:Choice>
+        <mc:Fallback>
+          <p:sp>
+            <p:nvSpPr>
+              <p:cNvPr id="15" name="Téglalap 14">
+                <a:extLst>
+                  <a:ext uri="{FF2B5EF4-FFF2-40B4-BE49-F238E27FC236}">
+                    <a16:creationId xmlns:a16="http://schemas.microsoft.com/office/drawing/2014/main" id="{2EAD5515-4B3C-4EB1-BAD5-F88BC4FCDBEB}"/>
+                  </a:ext>
+                </a:extLst>
+              </p:cNvPr>
+              <p:cNvSpPr>
+                <a:spLocks noRot="1" noChangeAspect="1" noMove="1" noResize="1" noEditPoints="1" noAdjustHandles="1" noChangeArrowheads="1" noChangeShapeType="1" noTextEdit="1"/>
+              </p:cNvSpPr>
+              <p:nvPr/>
+            </p:nvSpPr>
+            <p:spPr>
+              <a:xfrm>
+                <a:off x="7620006" y="4970681"/>
+                <a:ext cx="3895618" cy="554960"/>
+              </a:xfrm>
+              <a:prstGeom prst="rect">
+                <a:avLst/>
+              </a:prstGeom>
+              <a:blipFill>
+                <a:blip r:embed="rId2"/>
+                <a:stretch>
+                  <a:fillRect b="-4396"/>
+                </a:stretch>
+              </a:blipFill>
+            </p:spPr>
+            <p:txBody>
+              <a:bodyPr/>
+              <a:lstStyle/>
+              <a:p>
+                <a:r>
+                  <a:rPr lang="hu-HU">
+                    <a:noFill/>
+                  </a:rPr>
+                  <a:t> </a:t>
+                </a:r>
+              </a:p>
+            </p:txBody>
+          </p:sp>
+        </mc:Fallback>
+      </mc:AlternateContent>
     </p:spTree>
     <p:extLst>
       <p:ext uri="{BB962C8B-B14F-4D97-AF65-F5344CB8AC3E}">
@@ -15260,6 +16153,890 @@
           </a:p>
         </p:txBody>
       </p:sp>
+      <p:graphicFrame>
+        <p:nvGraphicFramePr>
+          <p:cNvPr id="4" name="Táblázat 3">
+            <a:extLst>
+              <a:ext uri="{FF2B5EF4-FFF2-40B4-BE49-F238E27FC236}">
+                <a16:creationId xmlns:a16="http://schemas.microsoft.com/office/drawing/2014/main" id="{4B8CCDE3-1A27-45A4-B710-3026F91EA985}"/>
+              </a:ext>
+            </a:extLst>
+          </p:cNvPr>
+          <p:cNvGraphicFramePr>
+            <a:graphicFrameLocks noGrp="1"/>
+          </p:cNvGraphicFramePr>
+          <p:nvPr>
+            <p:extLst>
+              <p:ext uri="{D42A27DB-BD31-4B8C-83A1-F6EECF244321}">
+                <p14:modId xmlns:p14="http://schemas.microsoft.com/office/powerpoint/2010/main" val="2892094521"/>
+              </p:ext>
+            </p:extLst>
+          </p:nvPr>
+        </p:nvGraphicFramePr>
+        <p:xfrm>
+          <a:off x="1955800" y="2692610"/>
+          <a:ext cx="4140200" cy="2374688"/>
+        </p:xfrm>
+        <a:graphic>
+          <a:graphicData uri="http://schemas.openxmlformats.org/drawingml/2006/table">
+            <a:tbl>
+              <a:tblPr firstRow="1" bandRow="1">
+                <a:tableStyleId>{BC89EF96-8CEA-46FF-86C4-4CE0E7609802}</a:tableStyleId>
+              </a:tblPr>
+              <a:tblGrid>
+                <a:gridCol w="1035050">
+                  <a:extLst>
+                    <a:ext uri="{9D8B030D-6E8A-4147-A177-3AD203B41FA5}">
+                      <a16:colId xmlns:a16="http://schemas.microsoft.com/office/drawing/2014/main" val="1846084328"/>
+                    </a:ext>
+                  </a:extLst>
+                </a:gridCol>
+                <a:gridCol w="1035050">
+                  <a:extLst>
+                    <a:ext uri="{9D8B030D-6E8A-4147-A177-3AD203B41FA5}">
+                      <a16:colId xmlns:a16="http://schemas.microsoft.com/office/drawing/2014/main" val="990060110"/>
+                    </a:ext>
+                  </a:extLst>
+                </a:gridCol>
+                <a:gridCol w="1035050">
+                  <a:extLst>
+                    <a:ext uri="{9D8B030D-6E8A-4147-A177-3AD203B41FA5}">
+                      <a16:colId xmlns:a16="http://schemas.microsoft.com/office/drawing/2014/main" val="670246736"/>
+                    </a:ext>
+                  </a:extLst>
+                </a:gridCol>
+                <a:gridCol w="1035050">
+                  <a:extLst>
+                    <a:ext uri="{9D8B030D-6E8A-4147-A177-3AD203B41FA5}">
+                      <a16:colId xmlns:a16="http://schemas.microsoft.com/office/drawing/2014/main" val="3004185690"/>
+                    </a:ext>
+                  </a:extLst>
+                </a:gridCol>
+              </a:tblGrid>
+              <a:tr h="593672">
+                <a:tc>
+                  <a:txBody>
+                    <a:bodyPr/>
+                    <a:lstStyle/>
+                    <a:p>
+                      <a:pPr algn="ctr"/>
+                      <a:r>
+                        <a:rPr lang="hu-HU" b="0" dirty="0"/>
+                        <a:t>1</a:t>
+                      </a:r>
+                    </a:p>
+                  </a:txBody>
+                  <a:tcPr anchor="ctr">
+                    <a:solidFill>
+                      <a:schemeClr val="accent4">
+                        <a:lumMod val="75000"/>
+                      </a:schemeClr>
+                    </a:solidFill>
+                  </a:tcPr>
+                </a:tc>
+                <a:tc>
+                  <a:txBody>
+                    <a:bodyPr/>
+                    <a:lstStyle/>
+                    <a:p>
+                      <a:pPr algn="ctr"/>
+                      <a:r>
+                        <a:rPr lang="hu-HU" b="0" dirty="0"/>
+                        <a:t>3</a:t>
+                      </a:r>
+                    </a:p>
+                  </a:txBody>
+                  <a:tcPr anchor="ctr">
+                    <a:solidFill>
+                      <a:schemeClr val="accent4">
+                        <a:lumMod val="75000"/>
+                      </a:schemeClr>
+                    </a:solidFill>
+                  </a:tcPr>
+                </a:tc>
+                <a:tc>
+                  <a:txBody>
+                    <a:bodyPr/>
+                    <a:lstStyle/>
+                    <a:p>
+                      <a:pPr algn="ctr"/>
+                      <a:r>
+                        <a:rPr lang="hu-HU" b="0" dirty="0"/>
+                        <a:t>2</a:t>
+                      </a:r>
+                    </a:p>
+                  </a:txBody>
+                  <a:tcPr anchor="ctr">
+                    <a:solidFill>
+                      <a:schemeClr val="accent6">
+                        <a:lumMod val="75000"/>
+                      </a:schemeClr>
+                    </a:solidFill>
+                  </a:tcPr>
+                </a:tc>
+                <a:tc>
+                  <a:txBody>
+                    <a:bodyPr/>
+                    <a:lstStyle/>
+                    <a:p>
+                      <a:pPr algn="ctr"/>
+                      <a:r>
+                        <a:rPr lang="hu-HU" b="0" dirty="0"/>
+                        <a:t>3</a:t>
+                      </a:r>
+                    </a:p>
+                  </a:txBody>
+                  <a:tcPr anchor="ctr">
+                    <a:solidFill>
+                      <a:schemeClr val="accent6">
+                        <a:lumMod val="75000"/>
+                      </a:schemeClr>
+                    </a:solidFill>
+                  </a:tcPr>
+                </a:tc>
+                <a:extLst>
+                  <a:ext uri="{0D108BD9-81ED-4DB2-BD59-A6C34878D82A}">
+                    <a16:rowId xmlns:a16="http://schemas.microsoft.com/office/drawing/2014/main" val="2788475617"/>
+                  </a:ext>
+                </a:extLst>
+              </a:tr>
+              <a:tr h="593672">
+                <a:tc>
+                  <a:txBody>
+                    <a:bodyPr/>
+                    <a:lstStyle/>
+                    <a:p>
+                      <a:pPr algn="ctr"/>
+                      <a:r>
+                        <a:rPr lang="hu-HU" dirty="0"/>
+                        <a:t>2</a:t>
+                      </a:r>
+                    </a:p>
+                  </a:txBody>
+                  <a:tcPr anchor="ctr">
+                    <a:solidFill>
+                      <a:schemeClr val="accent4">
+                        <a:lumMod val="75000"/>
+                      </a:schemeClr>
+                    </a:solidFill>
+                  </a:tcPr>
+                </a:tc>
+                <a:tc>
+                  <a:txBody>
+                    <a:bodyPr/>
+                    <a:lstStyle/>
+                    <a:p>
+                      <a:pPr algn="ctr"/>
+                      <a:r>
+                        <a:rPr lang="hu-HU" dirty="0"/>
+                        <a:t>9</a:t>
+                      </a:r>
+                    </a:p>
+                  </a:txBody>
+                  <a:tcPr anchor="ctr">
+                    <a:solidFill>
+                      <a:schemeClr val="accent4">
+                        <a:lumMod val="75000"/>
+                      </a:schemeClr>
+                    </a:solidFill>
+                  </a:tcPr>
+                </a:tc>
+                <a:tc>
+                  <a:txBody>
+                    <a:bodyPr/>
+                    <a:lstStyle/>
+                    <a:p>
+                      <a:pPr algn="ctr"/>
+                      <a:r>
+                        <a:rPr lang="hu-HU" dirty="0"/>
+                        <a:t>1</a:t>
+                      </a:r>
+                    </a:p>
+                  </a:txBody>
+                  <a:tcPr anchor="ctr">
+                    <a:solidFill>
+                      <a:schemeClr val="accent6">
+                        <a:lumMod val="75000"/>
+                      </a:schemeClr>
+                    </a:solidFill>
+                  </a:tcPr>
+                </a:tc>
+                <a:tc>
+                  <a:txBody>
+                    <a:bodyPr/>
+                    <a:lstStyle/>
+                    <a:p>
+                      <a:pPr algn="ctr"/>
+                      <a:r>
+                        <a:rPr lang="hu-HU" dirty="0"/>
+                        <a:t>1</a:t>
+                      </a:r>
+                    </a:p>
+                  </a:txBody>
+                  <a:tcPr anchor="ctr">
+                    <a:solidFill>
+                      <a:schemeClr val="accent6">
+                        <a:lumMod val="75000"/>
+                      </a:schemeClr>
+                    </a:solidFill>
+                  </a:tcPr>
+                </a:tc>
+                <a:extLst>
+                  <a:ext uri="{0D108BD9-81ED-4DB2-BD59-A6C34878D82A}">
+                    <a16:rowId xmlns:a16="http://schemas.microsoft.com/office/drawing/2014/main" val="4093798012"/>
+                  </a:ext>
+                </a:extLst>
+              </a:tr>
+              <a:tr h="593672">
+                <a:tc>
+                  <a:txBody>
+                    <a:bodyPr/>
+                    <a:lstStyle/>
+                    <a:p>
+                      <a:pPr algn="ctr"/>
+                      <a:r>
+                        <a:rPr lang="hu-HU" dirty="0"/>
+                        <a:t>1</a:t>
+                      </a:r>
+                    </a:p>
+                  </a:txBody>
+                  <a:tcPr anchor="ctr">
+                    <a:solidFill>
+                      <a:schemeClr val="accent1">
+                        <a:lumMod val="50000"/>
+                      </a:schemeClr>
+                    </a:solidFill>
+                  </a:tcPr>
+                </a:tc>
+                <a:tc>
+                  <a:txBody>
+                    <a:bodyPr/>
+                    <a:lstStyle/>
+                    <a:p>
+                      <a:pPr algn="ctr"/>
+                      <a:r>
+                        <a:rPr lang="hu-HU" dirty="0"/>
+                        <a:t>3</a:t>
+                      </a:r>
+                    </a:p>
+                  </a:txBody>
+                  <a:tcPr anchor="ctr">
+                    <a:solidFill>
+                      <a:schemeClr val="accent1">
+                        <a:lumMod val="50000"/>
+                      </a:schemeClr>
+                    </a:solidFill>
+                  </a:tcPr>
+                </a:tc>
+                <a:tc>
+                  <a:txBody>
+                    <a:bodyPr/>
+                    <a:lstStyle/>
+                    <a:p>
+                      <a:pPr algn="ctr"/>
+                      <a:r>
+                        <a:rPr lang="hu-HU" dirty="0"/>
+                        <a:t>2</a:t>
+                      </a:r>
+                    </a:p>
+                  </a:txBody>
+                  <a:tcPr anchor="ctr">
+                    <a:solidFill>
+                      <a:schemeClr val="bg2">
+                        <a:lumMod val="50000"/>
+                      </a:schemeClr>
+                    </a:solidFill>
+                  </a:tcPr>
+                </a:tc>
+                <a:tc>
+                  <a:txBody>
+                    <a:bodyPr/>
+                    <a:lstStyle/>
+                    <a:p>
+                      <a:pPr algn="ctr"/>
+                      <a:r>
+                        <a:rPr lang="hu-HU" dirty="0"/>
+                        <a:t>3</a:t>
+                      </a:r>
+                    </a:p>
+                  </a:txBody>
+                  <a:tcPr anchor="ctr">
+                    <a:solidFill>
+                      <a:schemeClr val="bg2">
+                        <a:lumMod val="50000"/>
+                      </a:schemeClr>
+                    </a:solidFill>
+                  </a:tcPr>
+                </a:tc>
+                <a:extLst>
+                  <a:ext uri="{0D108BD9-81ED-4DB2-BD59-A6C34878D82A}">
+                    <a16:rowId xmlns:a16="http://schemas.microsoft.com/office/drawing/2014/main" val="188347803"/>
+                  </a:ext>
+                </a:extLst>
+              </a:tr>
+              <a:tr h="593672">
+                <a:tc>
+                  <a:txBody>
+                    <a:bodyPr/>
+                    <a:lstStyle/>
+                    <a:p>
+                      <a:pPr algn="ctr"/>
+                      <a:r>
+                        <a:rPr lang="hu-HU" dirty="0"/>
+                        <a:t>5</a:t>
+                      </a:r>
+                    </a:p>
+                  </a:txBody>
+                  <a:tcPr anchor="ctr">
+                    <a:solidFill>
+                      <a:schemeClr val="accent1">
+                        <a:lumMod val="50000"/>
+                      </a:schemeClr>
+                    </a:solidFill>
+                  </a:tcPr>
+                </a:tc>
+                <a:tc>
+                  <a:txBody>
+                    <a:bodyPr/>
+                    <a:lstStyle/>
+                    <a:p>
+                      <a:pPr algn="ctr"/>
+                      <a:r>
+                        <a:rPr lang="hu-HU" dirty="0"/>
+                        <a:t>6</a:t>
+                      </a:r>
+                    </a:p>
+                  </a:txBody>
+                  <a:tcPr anchor="ctr">
+                    <a:solidFill>
+                      <a:schemeClr val="accent1">
+                        <a:lumMod val="50000"/>
+                      </a:schemeClr>
+                    </a:solidFill>
+                  </a:tcPr>
+                </a:tc>
+                <a:tc>
+                  <a:txBody>
+                    <a:bodyPr/>
+                    <a:lstStyle/>
+                    <a:p>
+                      <a:pPr algn="ctr"/>
+                      <a:r>
+                        <a:rPr lang="hu-HU" dirty="0"/>
+                        <a:t>1</a:t>
+                      </a:r>
+                    </a:p>
+                  </a:txBody>
+                  <a:tcPr anchor="ctr">
+                    <a:solidFill>
+                      <a:schemeClr val="bg2">
+                        <a:lumMod val="50000"/>
+                      </a:schemeClr>
+                    </a:solidFill>
+                  </a:tcPr>
+                </a:tc>
+                <a:tc>
+                  <a:txBody>
+                    <a:bodyPr/>
+                    <a:lstStyle/>
+                    <a:p>
+                      <a:pPr algn="ctr"/>
+                      <a:r>
+                        <a:rPr lang="hu-HU" dirty="0"/>
+                        <a:t>2</a:t>
+                      </a:r>
+                    </a:p>
+                  </a:txBody>
+                  <a:tcPr anchor="ctr">
+                    <a:solidFill>
+                      <a:schemeClr val="bg2">
+                        <a:lumMod val="50000"/>
+                      </a:schemeClr>
+                    </a:solidFill>
+                  </a:tcPr>
+                </a:tc>
+                <a:extLst>
+                  <a:ext uri="{0D108BD9-81ED-4DB2-BD59-A6C34878D82A}">
+                    <a16:rowId xmlns:a16="http://schemas.microsoft.com/office/drawing/2014/main" val="932820176"/>
+                  </a:ext>
+                </a:extLst>
+              </a:tr>
+            </a:tbl>
+          </a:graphicData>
+        </a:graphic>
+      </p:graphicFrame>
+      <p:sp>
+        <p:nvSpPr>
+          <p:cNvPr id="5" name="Nyíl: jobbra mutató 4">
+            <a:extLst>
+              <a:ext uri="{FF2B5EF4-FFF2-40B4-BE49-F238E27FC236}">
+                <a16:creationId xmlns:a16="http://schemas.microsoft.com/office/drawing/2014/main" id="{8EF4595C-DCF7-45FA-9198-75112D11F4CB}"/>
+              </a:ext>
+            </a:extLst>
+          </p:cNvPr>
+          <p:cNvSpPr/>
+          <p:nvPr/>
+        </p:nvSpPr>
+        <p:spPr>
+          <a:xfrm>
+            <a:off x="6781806" y="3724379"/>
+            <a:ext cx="838200" cy="311150"/>
+          </a:xfrm>
+          <a:prstGeom prst="rightArrow">
+            <a:avLst/>
+          </a:prstGeom>
+        </p:spPr>
+        <p:style>
+          <a:lnRef idx="2">
+            <a:schemeClr val="accent1">
+              <a:shade val="50000"/>
+            </a:schemeClr>
+          </a:lnRef>
+          <a:fillRef idx="1">
+            <a:schemeClr val="accent1"/>
+          </a:fillRef>
+          <a:effectRef idx="0">
+            <a:schemeClr val="accent1"/>
+          </a:effectRef>
+          <a:fontRef idx="minor">
+            <a:schemeClr val="lt1"/>
+          </a:fontRef>
+        </p:style>
+        <p:txBody>
+          <a:bodyPr rtlCol="0" anchor="ctr"/>
+          <a:lstStyle/>
+          <a:p>
+            <a:pPr algn="ctr"/>
+            <a:endParaRPr lang="hu-HU"/>
+          </a:p>
+        </p:txBody>
+      </p:sp>
+      <p:graphicFrame>
+        <p:nvGraphicFramePr>
+          <p:cNvPr id="6" name="Táblázat 5">
+            <a:extLst>
+              <a:ext uri="{FF2B5EF4-FFF2-40B4-BE49-F238E27FC236}">
+                <a16:creationId xmlns:a16="http://schemas.microsoft.com/office/drawing/2014/main" id="{1596AB98-9DDF-47FC-91F3-7A8688D14894}"/>
+              </a:ext>
+            </a:extLst>
+          </p:cNvPr>
+          <p:cNvGraphicFramePr>
+            <a:graphicFrameLocks noGrp="1"/>
+          </p:cNvGraphicFramePr>
+          <p:nvPr>
+            <p:extLst>
+              <p:ext uri="{D42A27DB-BD31-4B8C-83A1-F6EECF244321}">
+                <p14:modId xmlns:p14="http://schemas.microsoft.com/office/powerpoint/2010/main" val="3083700081"/>
+              </p:ext>
+            </p:extLst>
+          </p:nvPr>
+        </p:nvGraphicFramePr>
+        <p:xfrm>
+          <a:off x="8260082" y="3056359"/>
+          <a:ext cx="2245995" cy="1647190"/>
+        </p:xfrm>
+        <a:graphic>
+          <a:graphicData uri="http://schemas.openxmlformats.org/drawingml/2006/table">
+            <a:tbl>
+              <a:tblPr firstRow="1" bandRow="1">
+                <a:tableStyleId>{BC89EF96-8CEA-46FF-86C4-4CE0E7609802}</a:tableStyleId>
+              </a:tblPr>
+              <a:tblGrid>
+                <a:gridCol w="1127444">
+                  <a:extLst>
+                    <a:ext uri="{9D8B030D-6E8A-4147-A177-3AD203B41FA5}">
+                      <a16:colId xmlns:a16="http://schemas.microsoft.com/office/drawing/2014/main" val="990060110"/>
+                    </a:ext>
+                  </a:extLst>
+                </a:gridCol>
+                <a:gridCol w="1118551">
+                  <a:extLst>
+                    <a:ext uri="{9D8B030D-6E8A-4147-A177-3AD203B41FA5}">
+                      <a16:colId xmlns:a16="http://schemas.microsoft.com/office/drawing/2014/main" val="670246736"/>
+                    </a:ext>
+                  </a:extLst>
+                </a:gridCol>
+              </a:tblGrid>
+              <a:tr h="823595">
+                <a:tc>
+                  <a:txBody>
+                    <a:bodyPr/>
+                    <a:lstStyle/>
+                    <a:p>
+                      <a:pPr algn="ctr"/>
+                      <a:r>
+                        <a:rPr lang="hu-HU" b="0" dirty="0"/>
+                        <a:t>3.75</a:t>
+                      </a:r>
+                    </a:p>
+                  </a:txBody>
+                  <a:tcPr anchor="ctr">
+                    <a:solidFill>
+                      <a:schemeClr val="accent4">
+                        <a:lumMod val="75000"/>
+                      </a:schemeClr>
+                    </a:solidFill>
+                  </a:tcPr>
+                </a:tc>
+                <a:tc>
+                  <a:txBody>
+                    <a:bodyPr/>
+                    <a:lstStyle/>
+                    <a:p>
+                      <a:pPr algn="ctr"/>
+                      <a:r>
+                        <a:rPr lang="hu-HU" b="0" dirty="0"/>
+                        <a:t>1.25</a:t>
+                      </a:r>
+                    </a:p>
+                  </a:txBody>
+                  <a:tcPr anchor="ctr">
+                    <a:solidFill>
+                      <a:schemeClr val="accent6">
+                        <a:lumMod val="75000"/>
+                      </a:schemeClr>
+                    </a:solidFill>
+                  </a:tcPr>
+                </a:tc>
+                <a:extLst>
+                  <a:ext uri="{0D108BD9-81ED-4DB2-BD59-A6C34878D82A}">
+                    <a16:rowId xmlns:a16="http://schemas.microsoft.com/office/drawing/2014/main" val="4093798012"/>
+                  </a:ext>
+                </a:extLst>
+              </a:tr>
+              <a:tr h="823595">
+                <a:tc>
+                  <a:txBody>
+                    <a:bodyPr/>
+                    <a:lstStyle/>
+                    <a:p>
+                      <a:pPr algn="ctr"/>
+                      <a:r>
+                        <a:rPr lang="hu-HU" dirty="0"/>
+                        <a:t>4</a:t>
+                      </a:r>
+                    </a:p>
+                  </a:txBody>
+                  <a:tcPr anchor="ctr">
+                    <a:solidFill>
+                      <a:schemeClr val="accent1">
+                        <a:lumMod val="50000"/>
+                      </a:schemeClr>
+                    </a:solidFill>
+                  </a:tcPr>
+                </a:tc>
+                <a:tc>
+                  <a:txBody>
+                    <a:bodyPr/>
+                    <a:lstStyle/>
+                    <a:p>
+                      <a:pPr algn="ctr"/>
+                      <a:r>
+                        <a:rPr lang="hu-HU" dirty="0"/>
+                        <a:t>2</a:t>
+                      </a:r>
+                    </a:p>
+                  </a:txBody>
+                  <a:tcPr anchor="ctr">
+                    <a:solidFill>
+                      <a:schemeClr val="bg2">
+                        <a:lumMod val="50000"/>
+                      </a:schemeClr>
+                    </a:solidFill>
+                  </a:tcPr>
+                </a:tc>
+                <a:extLst>
+                  <a:ext uri="{0D108BD9-81ED-4DB2-BD59-A6C34878D82A}">
+                    <a16:rowId xmlns:a16="http://schemas.microsoft.com/office/drawing/2014/main" val="188347803"/>
+                  </a:ext>
+                </a:extLst>
+              </a:tr>
+            </a:tbl>
+          </a:graphicData>
+        </a:graphic>
+      </p:graphicFrame>
+      <p:sp>
+        <p:nvSpPr>
+          <p:cNvPr id="7" name="Szövegdoboz 6">
+            <a:extLst>
+              <a:ext uri="{FF2B5EF4-FFF2-40B4-BE49-F238E27FC236}">
+                <a16:creationId xmlns:a16="http://schemas.microsoft.com/office/drawing/2014/main" id="{0781F558-3A84-4147-B475-F80C24B59283}"/>
+              </a:ext>
+            </a:extLst>
+          </p:cNvPr>
+          <p:cNvSpPr txBox="1"/>
+          <p:nvPr/>
+        </p:nvSpPr>
+        <p:spPr>
+          <a:xfrm>
+            <a:off x="6781800" y="4143968"/>
+            <a:ext cx="838199" cy="923330"/>
+          </a:xfrm>
+          <a:prstGeom prst="rect">
+            <a:avLst/>
+          </a:prstGeom>
+          <a:noFill/>
+        </p:spPr>
+        <p:txBody>
+          <a:bodyPr wrap="square" rtlCol="0">
+            <a:spAutoFit/>
+          </a:bodyPr>
+          <a:lstStyle/>
+          <a:p>
+            <a:r>
+              <a:rPr lang="hu-HU" dirty="0"/>
+              <a:t>f = 2</a:t>
+            </a:r>
+          </a:p>
+          <a:p>
+            <a:r>
+              <a:rPr lang="hu-HU" dirty="0"/>
+              <a:t>s = 2 p = 0</a:t>
+            </a:r>
+          </a:p>
+        </p:txBody>
+      </p:sp>
+      <mc:AlternateContent xmlns:mc="http://schemas.openxmlformats.org/markup-compatibility/2006">
+        <mc:Choice xmlns:a14="http://schemas.microsoft.com/office/drawing/2010/main" Requires="a14">
+          <p:sp>
+            <p:nvSpPr>
+              <p:cNvPr id="8" name="Téglalap 7">
+                <a:extLst>
+                  <a:ext uri="{FF2B5EF4-FFF2-40B4-BE49-F238E27FC236}">
+                    <a16:creationId xmlns:a16="http://schemas.microsoft.com/office/drawing/2014/main" id="{1DECDD8F-C290-4F7C-885F-052024C583DF}"/>
+                  </a:ext>
+                </a:extLst>
+              </p:cNvPr>
+              <p:cNvSpPr/>
+              <p:nvPr/>
+            </p:nvSpPr>
+            <p:spPr>
+              <a:xfrm>
+                <a:off x="7620006" y="4970681"/>
+                <a:ext cx="3895618" cy="554960"/>
+              </a:xfrm>
+              <a:prstGeom prst="rect">
+                <a:avLst/>
+              </a:prstGeom>
+            </p:spPr>
+            <p:txBody>
+              <a:bodyPr wrap="none">
+                <a:spAutoFit/>
+              </a:bodyPr>
+              <a:lstStyle/>
+              <a:p>
+                <a:r>
+                  <a:rPr lang="hu-HU" dirty="0"/>
+                  <a:t> </a:t>
+                </a:r>
+                <a14:m>
+                  <m:oMath xmlns:m="http://schemas.openxmlformats.org/officeDocument/2006/math">
+                    <m:f>
+                      <m:fPr>
+                        <m:ctrlPr>
+                          <a:rPr lang="hu-HU" i="1">
+                            <a:latin typeface="Cambria Math" panose="02040503050406030204" pitchFamily="18" charset="0"/>
+                          </a:rPr>
+                        </m:ctrlPr>
+                      </m:fPr>
+                      <m:num>
+                        <m:r>
+                          <m:rPr>
+                            <m:nor/>
+                          </m:rPr>
+                          <a:rPr lang="hu-HU" dirty="0"/>
+                          <m:t>(</m:t>
+                        </m:r>
+                        <m:r>
+                          <m:rPr>
+                            <m:nor/>
+                          </m:rPr>
+                          <a:rPr lang="hu-HU" dirty="0"/>
+                          <m:t>n</m:t>
+                        </m:r>
+                        <m:r>
+                          <m:rPr>
+                            <m:nor/>
+                          </m:rPr>
+                          <a:rPr lang="hu-HU" dirty="0"/>
+                          <m:t> + 2</m:t>
+                        </m:r>
+                        <m:r>
+                          <m:rPr>
+                            <m:nor/>
+                          </m:rPr>
+                          <a:rPr lang="hu-HU" dirty="0"/>
+                          <m:t>p</m:t>
+                        </m:r>
+                        <m:r>
+                          <m:rPr>
+                            <m:nor/>
+                          </m:rPr>
+                          <a:rPr lang="hu-HU" dirty="0"/>
+                          <m:t> – </m:t>
+                        </m:r>
+                        <m:r>
+                          <m:rPr>
+                            <m:nor/>
+                          </m:rPr>
+                          <a:rPr lang="hu-HU" dirty="0"/>
+                          <m:t>f</m:t>
+                        </m:r>
+                        <m:r>
+                          <m:rPr>
+                            <m:nor/>
+                          </m:rPr>
+                          <a:rPr lang="hu-HU" dirty="0"/>
+                          <m:t> )</m:t>
+                        </m:r>
+                      </m:num>
+                      <m:den>
+                        <m:r>
+                          <m:rPr>
+                            <m:nor/>
+                          </m:rPr>
+                          <a:rPr lang="hu-HU" dirty="0"/>
+                          <m:t>s</m:t>
+                        </m:r>
+                      </m:den>
+                    </m:f>
+                  </m:oMath>
+                </a14:m>
+                <a:r>
+                  <a:rPr lang="hu-HU" dirty="0"/>
+                  <a:t> + 1 x  </a:t>
+                </a:r>
+                <a14:m>
+                  <m:oMath xmlns:m="http://schemas.openxmlformats.org/officeDocument/2006/math">
+                    <m:f>
+                      <m:fPr>
+                        <m:ctrlPr>
+                          <a:rPr lang="hu-HU" i="1">
+                            <a:latin typeface="Cambria Math" panose="02040503050406030204" pitchFamily="18" charset="0"/>
+                          </a:rPr>
+                        </m:ctrlPr>
+                      </m:fPr>
+                      <m:num>
+                        <m:r>
+                          <m:rPr>
+                            <m:nor/>
+                          </m:rPr>
+                          <a:rPr lang="hu-HU" dirty="0"/>
+                          <m:t>(</m:t>
+                        </m:r>
+                        <m:r>
+                          <m:rPr>
+                            <m:nor/>
+                          </m:rPr>
+                          <a:rPr lang="hu-HU" dirty="0"/>
+                          <m:t>n</m:t>
+                        </m:r>
+                        <m:r>
+                          <m:rPr>
+                            <m:nor/>
+                          </m:rPr>
+                          <a:rPr lang="hu-HU" dirty="0"/>
+                          <m:t> + 2</m:t>
+                        </m:r>
+                        <m:r>
+                          <m:rPr>
+                            <m:nor/>
+                          </m:rPr>
+                          <a:rPr lang="hu-HU" dirty="0"/>
+                          <m:t>p</m:t>
+                        </m:r>
+                        <m:r>
+                          <m:rPr>
+                            <m:nor/>
+                          </m:rPr>
+                          <a:rPr lang="hu-HU" dirty="0"/>
+                          <m:t> – </m:t>
+                        </m:r>
+                        <m:r>
+                          <m:rPr>
+                            <m:nor/>
+                          </m:rPr>
+                          <a:rPr lang="hu-HU" dirty="0"/>
+                          <m:t>f</m:t>
+                        </m:r>
+                        <m:r>
+                          <m:rPr>
+                            <m:nor/>
+                          </m:rPr>
+                          <a:rPr lang="hu-HU" dirty="0"/>
+                          <m:t> )</m:t>
+                        </m:r>
+                      </m:num>
+                      <m:den>
+                        <m:r>
+                          <m:rPr>
+                            <m:nor/>
+                          </m:rPr>
+                          <a:rPr lang="hu-HU" dirty="0"/>
+                          <m:t>s</m:t>
+                        </m:r>
+                      </m:den>
+                    </m:f>
+                  </m:oMath>
+                </a14:m>
+                <a:r>
+                  <a:rPr lang="hu-HU" dirty="0"/>
+                  <a:t> + 1</a:t>
+                </a:r>
+                <a:r>
+                  <a:rPr lang="en-US" dirty="0"/>
+                  <a:t> </a:t>
+                </a:r>
+                <a:endParaRPr lang="hu-HU" dirty="0"/>
+              </a:p>
+            </p:txBody>
+          </p:sp>
+        </mc:Choice>
+        <mc:Fallback>
+          <p:sp>
+            <p:nvSpPr>
+              <p:cNvPr id="8" name="Téglalap 7">
+                <a:extLst>
+                  <a:ext uri="{FF2B5EF4-FFF2-40B4-BE49-F238E27FC236}">
+                    <a16:creationId xmlns:a16="http://schemas.microsoft.com/office/drawing/2014/main" id="{1DECDD8F-C290-4F7C-885F-052024C583DF}"/>
+                  </a:ext>
+                </a:extLst>
+              </p:cNvPr>
+              <p:cNvSpPr>
+                <a:spLocks noRot="1" noChangeAspect="1" noMove="1" noResize="1" noEditPoints="1" noAdjustHandles="1" noChangeArrowheads="1" noChangeShapeType="1" noTextEdit="1"/>
+              </p:cNvSpPr>
+              <p:nvPr/>
+            </p:nvSpPr>
+            <p:spPr>
+              <a:xfrm>
+                <a:off x="7620006" y="4970681"/>
+                <a:ext cx="3895618" cy="554960"/>
+              </a:xfrm>
+              <a:prstGeom prst="rect">
+                <a:avLst/>
+              </a:prstGeom>
+              <a:blipFill>
+                <a:blip r:embed="rId2"/>
+                <a:stretch>
+                  <a:fillRect b="-4396"/>
+                </a:stretch>
+              </a:blipFill>
+            </p:spPr>
+            <p:txBody>
+              <a:bodyPr/>
+              <a:lstStyle/>
+              <a:p>
+                <a:r>
+                  <a:rPr lang="hu-HU">
+                    <a:noFill/>
+                  </a:rPr>
+                  <a:t> </a:t>
+                </a:r>
+              </a:p>
+            </p:txBody>
+          </p:sp>
+        </mc:Fallback>
+      </mc:AlternateContent>
     </p:spTree>
     <p:extLst>
       <p:ext uri="{BB962C8B-B14F-4D97-AF65-F5344CB8AC3E}">
@@ -15724,7 +17501,74 @@
           <a:bodyPr/>
           <a:lstStyle/>
           <a:p>
-            <a:endParaRPr lang="hu-HU" dirty="0"/>
+            <a:r>
+              <a:rPr lang="hu-HU" dirty="0"/>
+              <a:t>A teljesen csatlakoztatott réteg (továbbiakban: </a:t>
+            </a:r>
+            <a:r>
+              <a:rPr lang="hu-HU" dirty="0" err="1"/>
+              <a:t>fully</a:t>
+            </a:r>
+            <a:r>
+              <a:rPr lang="hu-HU" dirty="0"/>
+              <a:t> </a:t>
+            </a:r>
+            <a:r>
+              <a:rPr lang="hu-HU" dirty="0" err="1"/>
+              <a:t>connected</a:t>
+            </a:r>
+            <a:r>
+              <a:rPr lang="hu-HU" dirty="0"/>
+              <a:t> </a:t>
+            </a:r>
+            <a:r>
+              <a:rPr lang="hu-HU" dirty="0" err="1"/>
+              <a:t>layer</a:t>
+            </a:r>
+            <a:r>
+              <a:rPr lang="hu-HU" dirty="0"/>
+              <a:t>, FCL) lényege, hogy a </a:t>
+            </a:r>
+            <a:r>
+              <a:rPr lang="hu-HU" dirty="0" err="1"/>
+              <a:t>konvolúciós</a:t>
+            </a:r>
+            <a:r>
+              <a:rPr lang="hu-HU" dirty="0"/>
+              <a:t> rétegekből érkező több dimenziós eredmény mátrixokat, egy vektorrá alakítsa. Ez az eljárás a lapítás (</a:t>
+            </a:r>
+            <a:r>
+              <a:rPr lang="hu-HU" dirty="0" err="1"/>
+              <a:t>flatten</a:t>
+            </a:r>
+            <a:r>
+              <a:rPr lang="hu-HU" dirty="0"/>
+              <a:t>). Például egy 5*5*16-os  eredmény mátrixból egy 400-as vektort készít, majd ezt köti a következő FCL-</a:t>
+            </a:r>
+            <a:r>
+              <a:rPr lang="hu-HU" dirty="0" err="1"/>
+              <a:t>hez</a:t>
+            </a:r>
+            <a:r>
+              <a:rPr lang="hu-HU" dirty="0"/>
+              <a:t>, melynek mérete 120. Az első </a:t>
+            </a:r>
+            <a:r>
+              <a:rPr lang="hu-HU" dirty="0" err="1"/>
+              <a:t>flatten</a:t>
+            </a:r>
+            <a:r>
+              <a:rPr lang="hu-HU" dirty="0"/>
+              <a:t> még nem önálló réteg, hanem a </a:t>
+            </a:r>
+            <a:r>
+              <a:rPr lang="hu-HU" dirty="0" err="1"/>
+              <a:t>konvolúciós</a:t>
+            </a:r>
+            <a:r>
+              <a:rPr lang="hu-HU" dirty="0"/>
+              <a:t> réteg kimenete. </a:t>
+            </a:r>
           </a:p>
         </p:txBody>
       </p:sp>
@@ -15732,6 +17576,562 @@
     <p:extLst>
       <p:ext uri="{BB962C8B-B14F-4D97-AF65-F5344CB8AC3E}">
         <p14:creationId xmlns:p14="http://schemas.microsoft.com/office/powerpoint/2010/main" val="3153914856"/>
+      </p:ext>
+    </p:extLst>
+  </p:cSld>
+  <p:clrMapOvr>
+    <a:masterClrMapping/>
+  </p:clrMapOvr>
+</p:sld>
+</file>
+
+<file path=ppt/slides/slide25.xml><?xml version="1.0" encoding="utf-8"?>
+<p:sld xmlns:a="http://schemas.openxmlformats.org/drawingml/2006/main" xmlns:r="http://schemas.openxmlformats.org/officeDocument/2006/relationships" xmlns:p="http://schemas.openxmlformats.org/presentationml/2006/main">
+  <p:cSld>
+    <p:spTree>
+      <p:nvGrpSpPr>
+        <p:cNvPr id="1" name=""/>
+        <p:cNvGrpSpPr/>
+        <p:nvPr/>
+      </p:nvGrpSpPr>
+      <p:grpSpPr>
+        <a:xfrm>
+          <a:off x="0" y="0"/>
+          <a:ext cx="0" cy="0"/>
+          <a:chOff x="0" y="0"/>
+          <a:chExt cx="0" cy="0"/>
+        </a:xfrm>
+      </p:grpSpPr>
+      <p:pic>
+        <p:nvPicPr>
+          <p:cNvPr id="4" name="Tartalom helye 3">
+            <a:extLst>
+              <a:ext uri="{FF2B5EF4-FFF2-40B4-BE49-F238E27FC236}">
+                <a16:creationId xmlns:a16="http://schemas.microsoft.com/office/drawing/2014/main" id="{AAE1AEAF-7E67-4144-96D1-A879CB9CE544}"/>
+              </a:ext>
+            </a:extLst>
+          </p:cNvPr>
+          <p:cNvPicPr>
+            <a:picLocks noGrp="1" noChangeAspect="1"/>
+          </p:cNvPicPr>
+          <p:nvPr>
+            <p:ph idx="1"/>
+          </p:nvPr>
+        </p:nvPicPr>
+        <p:blipFill>
+          <a:blip r:embed="rId2"/>
+          <a:stretch>
+            <a:fillRect/>
+          </a:stretch>
+        </p:blipFill>
+        <p:spPr>
+          <a:xfrm>
+            <a:off x="2868624" y="2193925"/>
+            <a:ext cx="8610600" cy="4024313"/>
+          </a:xfrm>
+          <a:prstGeom prst="rect">
+            <a:avLst/>
+          </a:prstGeom>
+        </p:spPr>
+      </p:pic>
+      <p:sp>
+        <p:nvSpPr>
+          <p:cNvPr id="5" name="Cím 1">
+            <a:extLst>
+              <a:ext uri="{FF2B5EF4-FFF2-40B4-BE49-F238E27FC236}">
+                <a16:creationId xmlns:a16="http://schemas.microsoft.com/office/drawing/2014/main" id="{5AF1ABCC-2386-4AD1-A331-5D69E706679F}"/>
+              </a:ext>
+            </a:extLst>
+          </p:cNvPr>
+          <p:cNvSpPr>
+            <a:spLocks noGrp="1"/>
+          </p:cNvSpPr>
+          <p:nvPr>
+            <p:ph type="title"/>
+          </p:nvPr>
+        </p:nvSpPr>
+        <p:spPr>
+          <a:xfrm>
+            <a:off x="2895600" y="763588"/>
+            <a:ext cx="8610600" cy="1293812"/>
+          </a:xfrm>
+        </p:spPr>
+        <p:txBody>
+          <a:bodyPr/>
+          <a:lstStyle/>
+          <a:p>
+            <a:r>
+              <a:rPr lang="hu-HU" dirty="0" err="1"/>
+              <a:t>Fully</a:t>
+            </a:r>
+            <a:r>
+              <a:rPr lang="hu-HU" dirty="0"/>
+              <a:t> </a:t>
+            </a:r>
+            <a:r>
+              <a:rPr lang="hu-HU" dirty="0" err="1"/>
+              <a:t>Connected</a:t>
+            </a:r>
+            <a:r>
+              <a:rPr lang="hu-HU" dirty="0"/>
+              <a:t> </a:t>
+            </a:r>
+            <a:r>
+              <a:rPr lang="hu-HU" dirty="0" err="1"/>
+              <a:t>LAyer</a:t>
+            </a:r>
+            <a:endParaRPr lang="hu-HU" dirty="0"/>
+          </a:p>
+        </p:txBody>
+      </p:sp>
+    </p:spTree>
+    <p:extLst>
+      <p:ext uri="{BB962C8B-B14F-4D97-AF65-F5344CB8AC3E}">
+        <p14:creationId xmlns:p14="http://schemas.microsoft.com/office/powerpoint/2010/main" val="660776979"/>
+      </p:ext>
+    </p:extLst>
+  </p:cSld>
+  <p:clrMapOvr>
+    <a:masterClrMapping/>
+  </p:clrMapOvr>
+</p:sld>
+</file>
+
+<file path=ppt/slides/slide26.xml><?xml version="1.0" encoding="utf-8"?>
+<p:sld xmlns:a="http://schemas.openxmlformats.org/drawingml/2006/main" xmlns:r="http://schemas.openxmlformats.org/officeDocument/2006/relationships" xmlns:p="http://schemas.openxmlformats.org/presentationml/2006/main">
+  <p:cSld>
+    <p:spTree>
+      <p:nvGrpSpPr>
+        <p:cNvPr id="1" name=""/>
+        <p:cNvGrpSpPr/>
+        <p:nvPr/>
+      </p:nvGrpSpPr>
+      <p:grpSpPr>
+        <a:xfrm>
+          <a:off x="0" y="0"/>
+          <a:ext cx="0" cy="0"/>
+          <a:chOff x="0" y="0"/>
+          <a:chExt cx="0" cy="0"/>
+        </a:xfrm>
+      </p:grpSpPr>
+      <p:sp>
+        <p:nvSpPr>
+          <p:cNvPr id="2" name="Cím 1">
+            <a:extLst>
+              <a:ext uri="{FF2B5EF4-FFF2-40B4-BE49-F238E27FC236}">
+                <a16:creationId xmlns:a16="http://schemas.microsoft.com/office/drawing/2014/main" id="{7AE56E2E-6A7E-43D3-BA5A-7864A98806D2}"/>
+              </a:ext>
+            </a:extLst>
+          </p:cNvPr>
+          <p:cNvSpPr>
+            <a:spLocks noGrp="1"/>
+          </p:cNvSpPr>
+          <p:nvPr>
+            <p:ph type="title"/>
+          </p:nvPr>
+        </p:nvSpPr>
+        <p:spPr/>
+        <p:txBody>
+          <a:bodyPr/>
+          <a:lstStyle/>
+          <a:p>
+            <a:r>
+              <a:rPr lang="hu-HU" dirty="0" err="1"/>
+              <a:t>Softmax</a:t>
+            </a:r>
+            <a:endParaRPr lang="hu-HU" dirty="0"/>
+          </a:p>
+        </p:txBody>
+      </p:sp>
+      <p:sp>
+        <p:nvSpPr>
+          <p:cNvPr id="3" name="Tartalom helye 2">
+            <a:extLst>
+              <a:ext uri="{FF2B5EF4-FFF2-40B4-BE49-F238E27FC236}">
+                <a16:creationId xmlns:a16="http://schemas.microsoft.com/office/drawing/2014/main" id="{D4AF26CB-BEA4-47E4-AB35-042EFB777382}"/>
+              </a:ext>
+            </a:extLst>
+          </p:cNvPr>
+          <p:cNvSpPr>
+            <a:spLocks noGrp="1"/>
+          </p:cNvSpPr>
+          <p:nvPr>
+            <p:ph idx="1"/>
+          </p:nvPr>
+        </p:nvSpPr>
+        <p:spPr/>
+        <p:txBody>
+          <a:bodyPr/>
+          <a:lstStyle/>
+          <a:p>
+            <a:endParaRPr lang="hu-HU"/>
+          </a:p>
+        </p:txBody>
+      </p:sp>
+    </p:spTree>
+    <p:extLst>
+      <p:ext uri="{BB962C8B-B14F-4D97-AF65-F5344CB8AC3E}">
+        <p14:creationId xmlns:p14="http://schemas.microsoft.com/office/powerpoint/2010/main" val="121549566"/>
+      </p:ext>
+    </p:extLst>
+  </p:cSld>
+  <p:clrMapOvr>
+    <a:masterClrMapping/>
+  </p:clrMapOvr>
+</p:sld>
+</file>
+
+<file path=ppt/slides/slide27.xml><?xml version="1.0" encoding="utf-8"?>
+<p:sld xmlns:a="http://schemas.openxmlformats.org/drawingml/2006/main" xmlns:r="http://schemas.openxmlformats.org/officeDocument/2006/relationships" xmlns:p="http://schemas.openxmlformats.org/presentationml/2006/main">
+  <p:cSld>
+    <p:spTree>
+      <p:nvGrpSpPr>
+        <p:cNvPr id="1" name=""/>
+        <p:cNvGrpSpPr/>
+        <p:nvPr/>
+      </p:nvGrpSpPr>
+      <p:grpSpPr>
+        <a:xfrm>
+          <a:off x="0" y="0"/>
+          <a:ext cx="0" cy="0"/>
+          <a:chOff x="0" y="0"/>
+          <a:chExt cx="0" cy="0"/>
+        </a:xfrm>
+      </p:grpSpPr>
+      <p:sp>
+        <p:nvSpPr>
+          <p:cNvPr id="2" name="Cím 1">
+            <a:extLst>
+              <a:ext uri="{FF2B5EF4-FFF2-40B4-BE49-F238E27FC236}">
+                <a16:creationId xmlns:a16="http://schemas.microsoft.com/office/drawing/2014/main" id="{842E856D-6F09-42FE-BBB2-AA63EE8DD9F9}"/>
+              </a:ext>
+            </a:extLst>
+          </p:cNvPr>
+          <p:cNvSpPr>
+            <a:spLocks noGrp="1"/>
+          </p:cNvSpPr>
+          <p:nvPr>
+            <p:ph type="title"/>
+          </p:nvPr>
+        </p:nvSpPr>
+        <p:spPr/>
+        <p:txBody>
+          <a:bodyPr/>
+          <a:lstStyle/>
+          <a:p>
+            <a:r>
+              <a:rPr lang="hu-HU" dirty="0"/>
+              <a:t>Gyakorlati alkalmazás</a:t>
+            </a:r>
+          </a:p>
+        </p:txBody>
+      </p:sp>
+      <p:sp>
+        <p:nvSpPr>
+          <p:cNvPr id="3" name="Tartalom helye 2">
+            <a:extLst>
+              <a:ext uri="{FF2B5EF4-FFF2-40B4-BE49-F238E27FC236}">
+                <a16:creationId xmlns:a16="http://schemas.microsoft.com/office/drawing/2014/main" id="{03A5C7BE-FECD-42AB-8E86-8690BDEBA54D}"/>
+              </a:ext>
+            </a:extLst>
+          </p:cNvPr>
+          <p:cNvSpPr>
+            <a:spLocks noGrp="1"/>
+          </p:cNvSpPr>
+          <p:nvPr>
+            <p:ph idx="1"/>
+          </p:nvPr>
+        </p:nvSpPr>
+        <p:spPr/>
+        <p:txBody>
+          <a:bodyPr/>
+          <a:lstStyle/>
+          <a:p>
+            <a:r>
+              <a:rPr lang="hu-HU" dirty="0"/>
+              <a:t>Az eddigiekben a </a:t>
+            </a:r>
+            <a:r>
+              <a:rPr lang="hu-HU" dirty="0" err="1"/>
+              <a:t>konvolúciós</a:t>
+            </a:r>
+            <a:r>
+              <a:rPr lang="hu-HU" dirty="0"/>
+              <a:t> neuronhálók alapköveit ismertettük, viszont a gépi látás tanulmánya nem csak erről szól, hanem arról is, hogy hogyan alkalmazzuk ezeket, milyen rétegeket hozunk létre a kép felismerésre.</a:t>
+            </a:r>
+          </a:p>
+          <a:p>
+            <a:r>
+              <a:rPr lang="hu-HU" dirty="0"/>
+              <a:t>A továbbiakban az előző módszerek 3 gyakorlati megvalósítását, nézzük meg, ezzel szemléltetve, hogy milyen változatos módokon lehet felépíteni egy </a:t>
+            </a:r>
+            <a:r>
+              <a:rPr lang="hu-HU" dirty="0" err="1"/>
+              <a:t>konvolúciós</a:t>
+            </a:r>
+            <a:r>
+              <a:rPr lang="hu-HU" dirty="0"/>
+              <a:t> neuronhálót.</a:t>
+            </a:r>
+          </a:p>
+          <a:p>
+            <a:r>
+              <a:rPr lang="hu-HU" dirty="0"/>
+              <a:t>Ezen módszerek tételesen:</a:t>
+            </a:r>
+          </a:p>
+          <a:p>
+            <a:pPr lvl="1"/>
+            <a:r>
+              <a:rPr lang="hu-HU" dirty="0" err="1"/>
+              <a:t>LeNet</a:t>
+            </a:r>
+            <a:r>
+              <a:rPr lang="hu-HU" dirty="0"/>
+              <a:t> 5</a:t>
+            </a:r>
+          </a:p>
+          <a:p>
+            <a:pPr lvl="1"/>
+            <a:r>
+              <a:rPr lang="hu-HU" dirty="0" err="1"/>
+              <a:t>AlexNet</a:t>
+            </a:r>
+            <a:endParaRPr lang="hu-HU" dirty="0"/>
+          </a:p>
+          <a:p>
+            <a:pPr lvl="1"/>
+            <a:r>
+              <a:rPr lang="hu-HU" dirty="0"/>
+              <a:t>VGG 16</a:t>
+            </a:r>
+          </a:p>
+          <a:p>
+            <a:endParaRPr lang="hu-HU" dirty="0"/>
+          </a:p>
+        </p:txBody>
+      </p:sp>
+    </p:spTree>
+    <p:extLst>
+      <p:ext uri="{BB962C8B-B14F-4D97-AF65-F5344CB8AC3E}">
+        <p14:creationId xmlns:p14="http://schemas.microsoft.com/office/powerpoint/2010/main" val="455675786"/>
+      </p:ext>
+    </p:extLst>
+  </p:cSld>
+  <p:clrMapOvr>
+    <a:masterClrMapping/>
+  </p:clrMapOvr>
+</p:sld>
+</file>
+
+<file path=ppt/slides/slide28.xml><?xml version="1.0" encoding="utf-8"?>
+<p:sld xmlns:a="http://schemas.openxmlformats.org/drawingml/2006/main" xmlns:r="http://schemas.openxmlformats.org/officeDocument/2006/relationships" xmlns:p="http://schemas.openxmlformats.org/presentationml/2006/main">
+  <p:cSld>
+    <p:spTree>
+      <p:nvGrpSpPr>
+        <p:cNvPr id="1" name=""/>
+        <p:cNvGrpSpPr/>
+        <p:nvPr/>
+      </p:nvGrpSpPr>
+      <p:grpSpPr>
+        <a:xfrm>
+          <a:off x="0" y="0"/>
+          <a:ext cx="0" cy="0"/>
+          <a:chOff x="0" y="0"/>
+          <a:chExt cx="0" cy="0"/>
+        </a:xfrm>
+      </p:grpSpPr>
+      <p:sp>
+        <p:nvSpPr>
+          <p:cNvPr id="2" name="Cím 1">
+            <a:extLst>
+              <a:ext uri="{FF2B5EF4-FFF2-40B4-BE49-F238E27FC236}">
+                <a16:creationId xmlns:a16="http://schemas.microsoft.com/office/drawing/2014/main" id="{131E4167-FAD9-4732-830B-99A43D1566FA}"/>
+              </a:ext>
+            </a:extLst>
+          </p:cNvPr>
+          <p:cNvSpPr>
+            <a:spLocks noGrp="1"/>
+          </p:cNvSpPr>
+          <p:nvPr>
+            <p:ph type="title"/>
+          </p:nvPr>
+        </p:nvSpPr>
+        <p:spPr/>
+        <p:txBody>
+          <a:bodyPr/>
+          <a:lstStyle/>
+          <a:p>
+            <a:r>
+              <a:rPr lang="hu-HU" dirty="0" err="1"/>
+              <a:t>Lenet</a:t>
+            </a:r>
+            <a:r>
+              <a:rPr lang="hu-HU" dirty="0"/>
+              <a:t> 5</a:t>
+            </a:r>
+          </a:p>
+        </p:txBody>
+      </p:sp>
+      <p:sp>
+        <p:nvSpPr>
+          <p:cNvPr id="3" name="Tartalom helye 2">
+            <a:extLst>
+              <a:ext uri="{FF2B5EF4-FFF2-40B4-BE49-F238E27FC236}">
+                <a16:creationId xmlns:a16="http://schemas.microsoft.com/office/drawing/2014/main" id="{6A071282-4A7A-46D7-B9F5-F0394A658217}"/>
+              </a:ext>
+            </a:extLst>
+          </p:cNvPr>
+          <p:cNvSpPr>
+            <a:spLocks noGrp="1"/>
+          </p:cNvSpPr>
+          <p:nvPr>
+            <p:ph idx="1"/>
+          </p:nvPr>
+        </p:nvSpPr>
+        <p:spPr/>
+        <p:txBody>
+          <a:bodyPr/>
+          <a:lstStyle/>
+          <a:p>
+            <a:r>
+              <a:rPr lang="en-US" dirty="0"/>
+              <a:t>Yann </a:t>
+            </a:r>
+            <a:r>
+              <a:rPr lang="en-US" dirty="0" err="1"/>
+              <a:t>LeCun</a:t>
+            </a:r>
+            <a:r>
+              <a:rPr lang="en-US" dirty="0"/>
+              <a:t>, Leon </a:t>
+            </a:r>
+            <a:r>
+              <a:rPr lang="en-US" dirty="0" err="1"/>
+              <a:t>Bottou</a:t>
+            </a:r>
+            <a:r>
+              <a:rPr lang="en-US" dirty="0"/>
+              <a:t>, </a:t>
+            </a:r>
+            <a:r>
+              <a:rPr lang="en-US" dirty="0" err="1"/>
+              <a:t>Yosuha</a:t>
+            </a:r>
+            <a:r>
+              <a:rPr lang="en-US" dirty="0"/>
+              <a:t> </a:t>
+            </a:r>
+            <a:r>
+              <a:rPr lang="en-US" dirty="0" err="1"/>
+              <a:t>Bengio</a:t>
+            </a:r>
+            <a:r>
+              <a:rPr lang="en-US" dirty="0"/>
+              <a:t> and Patrick Haffner proposed a neural network architecture for handwritten and machine-printed character recognition in 1990’s which they called LeNet-5. The architecture is straightforward and simple to understand that’s why it is mostly used as a first step for teaching Convolutional Neural Network.</a:t>
+            </a:r>
+            <a:endParaRPr lang="hu-HU" dirty="0"/>
+          </a:p>
+        </p:txBody>
+      </p:sp>
+    </p:spTree>
+    <p:extLst>
+      <p:ext uri="{BB962C8B-B14F-4D97-AF65-F5344CB8AC3E}">
+        <p14:creationId xmlns:p14="http://schemas.microsoft.com/office/powerpoint/2010/main" val="1857427292"/>
+      </p:ext>
+    </p:extLst>
+  </p:cSld>
+  <p:clrMapOvr>
+    <a:masterClrMapping/>
+  </p:clrMapOvr>
+</p:sld>
+</file>
+
+<file path=ppt/slides/slide29.xml><?xml version="1.0" encoding="utf-8"?>
+<p:sld xmlns:a="http://schemas.openxmlformats.org/drawingml/2006/main" xmlns:r="http://schemas.openxmlformats.org/officeDocument/2006/relationships" xmlns:p="http://schemas.openxmlformats.org/presentationml/2006/main">
+  <p:cSld>
+    <p:spTree>
+      <p:nvGrpSpPr>
+        <p:cNvPr id="1" name=""/>
+        <p:cNvGrpSpPr/>
+        <p:nvPr/>
+      </p:nvGrpSpPr>
+      <p:grpSpPr>
+        <a:xfrm>
+          <a:off x="0" y="0"/>
+          <a:ext cx="0" cy="0"/>
+          <a:chOff x="0" y="0"/>
+          <a:chExt cx="0" cy="0"/>
+        </a:xfrm>
+      </p:grpSpPr>
+      <p:sp>
+        <p:nvSpPr>
+          <p:cNvPr id="2" name="Cím 1">
+            <a:extLst>
+              <a:ext uri="{FF2B5EF4-FFF2-40B4-BE49-F238E27FC236}">
+                <a16:creationId xmlns:a16="http://schemas.microsoft.com/office/drawing/2014/main" id="{275E3A80-830A-4A8D-B3F5-D5B3E5916A58}"/>
+              </a:ext>
+            </a:extLst>
+          </p:cNvPr>
+          <p:cNvSpPr>
+            <a:spLocks noGrp="1"/>
+          </p:cNvSpPr>
+          <p:nvPr>
+            <p:ph type="title"/>
+          </p:nvPr>
+        </p:nvSpPr>
+        <p:spPr/>
+        <p:txBody>
+          <a:bodyPr/>
+          <a:lstStyle/>
+          <a:p>
+            <a:r>
+              <a:rPr lang="hu-HU" dirty="0" err="1"/>
+              <a:t>Lenet</a:t>
+            </a:r>
+            <a:r>
+              <a:rPr lang="hu-HU" dirty="0"/>
+              <a:t> 5</a:t>
+            </a:r>
+          </a:p>
+        </p:txBody>
+      </p:sp>
+      <p:pic>
+        <p:nvPicPr>
+          <p:cNvPr id="4" name="Tartalom helye 3">
+            <a:extLst>
+              <a:ext uri="{FF2B5EF4-FFF2-40B4-BE49-F238E27FC236}">
+                <a16:creationId xmlns:a16="http://schemas.microsoft.com/office/drawing/2014/main" id="{1B638C55-F412-46C3-A14D-BC572EA9DF54}"/>
+              </a:ext>
+            </a:extLst>
+          </p:cNvPr>
+          <p:cNvPicPr>
+            <a:picLocks noGrp="1" noChangeAspect="1"/>
+          </p:cNvPicPr>
+          <p:nvPr>
+            <p:ph idx="1"/>
+          </p:nvPr>
+        </p:nvPicPr>
+        <p:blipFill>
+          <a:blip r:embed="rId2"/>
+          <a:stretch>
+            <a:fillRect/>
+          </a:stretch>
+        </p:blipFill>
+        <p:spPr>
+          <a:xfrm>
+            <a:off x="1790700" y="2057401"/>
+            <a:ext cx="9715500" cy="4237037"/>
+          </a:xfrm>
+          <a:prstGeom prst="rect">
+            <a:avLst/>
+          </a:prstGeom>
+        </p:spPr>
+      </p:pic>
+    </p:spTree>
+    <p:extLst>
+      <p:ext uri="{BB962C8B-B14F-4D97-AF65-F5344CB8AC3E}">
+        <p14:creationId xmlns:p14="http://schemas.microsoft.com/office/powerpoint/2010/main" val="738922332"/>
       </p:ext>
     </p:extLst>
   </p:cSld>
@@ -15854,6 +18254,361 @@
 </p:sld>
 </file>
 
+<file path=ppt/slides/slide30.xml><?xml version="1.0" encoding="utf-8"?>
+<p:sld xmlns:a="http://schemas.openxmlformats.org/drawingml/2006/main" xmlns:r="http://schemas.openxmlformats.org/officeDocument/2006/relationships" xmlns:p="http://schemas.openxmlformats.org/presentationml/2006/main">
+  <p:cSld>
+    <p:spTree>
+      <p:nvGrpSpPr>
+        <p:cNvPr id="1" name=""/>
+        <p:cNvGrpSpPr/>
+        <p:nvPr/>
+      </p:nvGrpSpPr>
+      <p:grpSpPr>
+        <a:xfrm>
+          <a:off x="0" y="0"/>
+          <a:ext cx="0" cy="0"/>
+          <a:chOff x="0" y="0"/>
+          <a:chExt cx="0" cy="0"/>
+        </a:xfrm>
+      </p:grpSpPr>
+      <p:sp>
+        <p:nvSpPr>
+          <p:cNvPr id="2" name="Cím 1">
+            <a:extLst>
+              <a:ext uri="{FF2B5EF4-FFF2-40B4-BE49-F238E27FC236}">
+                <a16:creationId xmlns:a16="http://schemas.microsoft.com/office/drawing/2014/main" id="{6A3AD342-535B-4807-8011-7D485471E481}"/>
+              </a:ext>
+            </a:extLst>
+          </p:cNvPr>
+          <p:cNvSpPr>
+            <a:spLocks noGrp="1"/>
+          </p:cNvSpPr>
+          <p:nvPr>
+            <p:ph type="title"/>
+          </p:nvPr>
+        </p:nvSpPr>
+        <p:spPr/>
+        <p:txBody>
+          <a:bodyPr/>
+          <a:lstStyle/>
+          <a:p>
+            <a:r>
+              <a:rPr lang="hu-HU" dirty="0" err="1"/>
+              <a:t>AlexNEt</a:t>
+            </a:r>
+            <a:endParaRPr lang="hu-HU" dirty="0"/>
+          </a:p>
+        </p:txBody>
+      </p:sp>
+      <p:sp>
+        <p:nvSpPr>
+          <p:cNvPr id="3" name="Tartalom helye 2">
+            <a:extLst>
+              <a:ext uri="{FF2B5EF4-FFF2-40B4-BE49-F238E27FC236}">
+                <a16:creationId xmlns:a16="http://schemas.microsoft.com/office/drawing/2014/main" id="{2B327644-39E8-4BE9-9C2A-51A01AD6180E}"/>
+              </a:ext>
+            </a:extLst>
+          </p:cNvPr>
+          <p:cNvSpPr>
+            <a:spLocks noGrp="1"/>
+          </p:cNvSpPr>
+          <p:nvPr>
+            <p:ph idx="1"/>
+          </p:nvPr>
+        </p:nvSpPr>
+        <p:spPr/>
+        <p:txBody>
+          <a:bodyPr/>
+          <a:lstStyle/>
+          <a:p>
+            <a:r>
+              <a:rPr lang="en-US" dirty="0" err="1"/>
+              <a:t>AlexNet</a:t>
+            </a:r>
+            <a:r>
+              <a:rPr lang="en-US" dirty="0"/>
+              <a:t> famously won the 2012 ImageNet LSVRC-2012 competition by a large margin (15.3% VS 26.2% (second place) error rates). Here we have a look at the details of the neuron architecture from the related paper ImageNet Classification with Deep Convolutional Neural Networks.</a:t>
+            </a:r>
+          </a:p>
+          <a:p>
+            <a:r>
+              <a:rPr lang="en-US" b="1" dirty="0"/>
+              <a:t>The highlights of the paper</a:t>
+            </a:r>
+            <a:endParaRPr lang="en-US" dirty="0"/>
+          </a:p>
+          <a:p>
+            <a:r>
+              <a:rPr lang="en-US" dirty="0"/>
+              <a:t>Use </a:t>
+            </a:r>
+            <a:r>
+              <a:rPr lang="en-US" dirty="0" err="1"/>
+              <a:t>Relu</a:t>
+            </a:r>
+            <a:r>
+              <a:rPr lang="en-US" dirty="0"/>
+              <a:t> instead of Tanh to add non-linearity. It accelerates the speed by 6 times at the same accuracy.</a:t>
+            </a:r>
+          </a:p>
+          <a:p>
+            <a:r>
+              <a:rPr lang="en-US" dirty="0"/>
+              <a:t>Use dropout instead of </a:t>
+            </a:r>
+            <a:r>
+              <a:rPr lang="en-US" dirty="0" err="1"/>
+              <a:t>regularisation</a:t>
+            </a:r>
+            <a:r>
+              <a:rPr lang="en-US" dirty="0"/>
+              <a:t> to deal with overfitting. However the training time is doubled with the dropout rate of 0.5.</a:t>
+            </a:r>
+          </a:p>
+          <a:p>
+            <a:r>
+              <a:rPr lang="en-US" dirty="0"/>
+              <a:t>Overlap pooling to reduce the size of network. It reduces the top-1 and top-5 error rates by 0.4% and 0.3%, </a:t>
+            </a:r>
+            <a:r>
+              <a:rPr lang="en-US" dirty="0" err="1"/>
+              <a:t>repectively</a:t>
+            </a:r>
+            <a:r>
+              <a:rPr lang="en-US" dirty="0"/>
+              <a:t>.</a:t>
+            </a:r>
+          </a:p>
+          <a:p>
+            <a:endParaRPr lang="hu-HU" dirty="0"/>
+          </a:p>
+        </p:txBody>
+      </p:sp>
+    </p:spTree>
+    <p:extLst>
+      <p:ext uri="{BB962C8B-B14F-4D97-AF65-F5344CB8AC3E}">
+        <p14:creationId xmlns:p14="http://schemas.microsoft.com/office/powerpoint/2010/main" val="1610638591"/>
+      </p:ext>
+    </p:extLst>
+  </p:cSld>
+  <p:clrMapOvr>
+    <a:masterClrMapping/>
+  </p:clrMapOvr>
+</p:sld>
+</file>
+
+<file path=ppt/slides/slide31.xml><?xml version="1.0" encoding="utf-8"?>
+<p:sld xmlns:a="http://schemas.openxmlformats.org/drawingml/2006/main" xmlns:r="http://schemas.openxmlformats.org/officeDocument/2006/relationships" xmlns:p="http://schemas.openxmlformats.org/presentationml/2006/main">
+  <p:cSld>
+    <p:spTree>
+      <p:nvGrpSpPr>
+        <p:cNvPr id="1" name=""/>
+        <p:cNvGrpSpPr/>
+        <p:nvPr/>
+      </p:nvGrpSpPr>
+      <p:grpSpPr>
+        <a:xfrm>
+          <a:off x="0" y="0"/>
+          <a:ext cx="0" cy="0"/>
+          <a:chOff x="0" y="0"/>
+          <a:chExt cx="0" cy="0"/>
+        </a:xfrm>
+      </p:grpSpPr>
+      <p:sp>
+        <p:nvSpPr>
+          <p:cNvPr id="2" name="Cím 1">
+            <a:extLst>
+              <a:ext uri="{FF2B5EF4-FFF2-40B4-BE49-F238E27FC236}">
+                <a16:creationId xmlns:a16="http://schemas.microsoft.com/office/drawing/2014/main" id="{E1B6DE9E-68AE-4742-B63D-4A0A4600E934}"/>
+              </a:ext>
+            </a:extLst>
+          </p:cNvPr>
+          <p:cNvSpPr>
+            <a:spLocks noGrp="1"/>
+          </p:cNvSpPr>
+          <p:nvPr>
+            <p:ph type="title"/>
+          </p:nvPr>
+        </p:nvSpPr>
+        <p:spPr/>
+        <p:txBody>
+          <a:bodyPr/>
+          <a:lstStyle/>
+          <a:p>
+            <a:r>
+              <a:rPr lang="hu-HU" dirty="0"/>
+              <a:t>Alexnet</a:t>
+            </a:r>
+          </a:p>
+        </p:txBody>
+      </p:sp>
+      <p:pic>
+        <p:nvPicPr>
+          <p:cNvPr id="2050" name="Picture 2" descr="https://www.learnopencv.com/wp-content/uploads/2018/05/AlexNet-1.png">
+            <a:extLst>
+              <a:ext uri="{FF2B5EF4-FFF2-40B4-BE49-F238E27FC236}">
+                <a16:creationId xmlns:a16="http://schemas.microsoft.com/office/drawing/2014/main" id="{2012FB0C-3E00-48FD-AA8C-FA3D0F66E037}"/>
+              </a:ext>
+            </a:extLst>
+          </p:cNvPr>
+          <p:cNvPicPr>
+            <a:picLocks noChangeAspect="1" noChangeArrowheads="1"/>
+          </p:cNvPicPr>
+          <p:nvPr/>
+        </p:nvPicPr>
+        <p:blipFill>
+          <a:blip r:embed="rId2">
+            <a:extLst>
+              <a:ext uri="{28A0092B-C50C-407E-A947-70E740481C1C}">
+                <a14:useLocalDpi xmlns:a14="http://schemas.microsoft.com/office/drawing/2010/main" val="0"/>
+              </a:ext>
+            </a:extLst>
+          </a:blip>
+          <a:srcRect/>
+          <a:stretch>
+            <a:fillRect/>
+          </a:stretch>
+        </p:blipFill>
+        <p:spPr bwMode="auto">
+          <a:xfrm>
+            <a:off x="2895600" y="1981201"/>
+            <a:ext cx="8302621" cy="4496986"/>
+          </a:xfrm>
+          <a:prstGeom prst="rect">
+            <a:avLst/>
+          </a:prstGeom>
+          <a:noFill/>
+          <a:extLst>
+            <a:ext uri="{909E8E84-426E-40DD-AFC4-6F175D3DCCD1}">
+              <a14:hiddenFill xmlns:a14="http://schemas.microsoft.com/office/drawing/2010/main">
+                <a:solidFill>
+                  <a:srgbClr val="FFFFFF"/>
+                </a:solidFill>
+              </a14:hiddenFill>
+            </a:ext>
+          </a:extLst>
+        </p:spPr>
+      </p:pic>
+    </p:spTree>
+    <p:extLst>
+      <p:ext uri="{BB962C8B-B14F-4D97-AF65-F5344CB8AC3E}">
+        <p14:creationId xmlns:p14="http://schemas.microsoft.com/office/powerpoint/2010/main" val="463121440"/>
+      </p:ext>
+    </p:extLst>
+  </p:cSld>
+  <p:clrMapOvr>
+    <a:masterClrMapping/>
+  </p:clrMapOvr>
+</p:sld>
+</file>
+
+<file path=ppt/slides/slide32.xml><?xml version="1.0" encoding="utf-8"?>
+<p:sld xmlns:a="http://schemas.openxmlformats.org/drawingml/2006/main" xmlns:r="http://schemas.openxmlformats.org/officeDocument/2006/relationships" xmlns:p="http://schemas.openxmlformats.org/presentationml/2006/main">
+  <p:cSld>
+    <p:spTree>
+      <p:nvGrpSpPr>
+        <p:cNvPr id="1" name=""/>
+        <p:cNvGrpSpPr/>
+        <p:nvPr/>
+      </p:nvGrpSpPr>
+      <p:grpSpPr>
+        <a:xfrm>
+          <a:off x="0" y="0"/>
+          <a:ext cx="0" cy="0"/>
+          <a:chOff x="0" y="0"/>
+          <a:chExt cx="0" cy="0"/>
+        </a:xfrm>
+      </p:grpSpPr>
+      <p:sp>
+        <p:nvSpPr>
+          <p:cNvPr id="2" name="Cím 1">
+            <a:extLst>
+              <a:ext uri="{FF2B5EF4-FFF2-40B4-BE49-F238E27FC236}">
+                <a16:creationId xmlns:a16="http://schemas.microsoft.com/office/drawing/2014/main" id="{107F89F7-F1D9-4607-B19E-947BEA494902}"/>
+              </a:ext>
+            </a:extLst>
+          </p:cNvPr>
+          <p:cNvSpPr>
+            <a:spLocks noGrp="1"/>
+          </p:cNvSpPr>
+          <p:nvPr>
+            <p:ph type="title"/>
+          </p:nvPr>
+        </p:nvSpPr>
+        <p:spPr/>
+        <p:txBody>
+          <a:bodyPr/>
+          <a:lstStyle/>
+          <a:p>
+            <a:r>
+              <a:rPr lang="hu-HU" dirty="0"/>
+              <a:t>VGG 16</a:t>
+            </a:r>
+          </a:p>
+        </p:txBody>
+      </p:sp>
+      <p:pic>
+        <p:nvPicPr>
+          <p:cNvPr id="3074" name="Picture 2" descr="Imagini pentru vgg 16">
+            <a:extLst>
+              <a:ext uri="{FF2B5EF4-FFF2-40B4-BE49-F238E27FC236}">
+                <a16:creationId xmlns:a16="http://schemas.microsoft.com/office/drawing/2014/main" id="{5DD30B0D-CAC9-4F0A-BAF4-66453F98B564}"/>
+              </a:ext>
+            </a:extLst>
+          </p:cNvPr>
+          <p:cNvPicPr>
+            <a:picLocks noGrp="1" noChangeAspect="1" noChangeArrowheads="1"/>
+          </p:cNvPicPr>
+          <p:nvPr>
+            <p:ph idx="1"/>
+          </p:nvPr>
+        </p:nvPicPr>
+        <p:blipFill>
+          <a:blip r:embed="rId2">
+            <a:extLst>
+              <a:ext uri="{28A0092B-C50C-407E-A947-70E740481C1C}">
+                <a14:useLocalDpi xmlns:a14="http://schemas.microsoft.com/office/drawing/2010/main" val="0"/>
+              </a:ext>
+            </a:extLst>
+          </a:blip>
+          <a:srcRect/>
+          <a:stretch>
+            <a:fillRect/>
+          </a:stretch>
+        </p:blipFill>
+        <p:spPr bwMode="auto">
+          <a:xfrm>
+            <a:off x="2895599" y="2193925"/>
+            <a:ext cx="7419975" cy="4024313"/>
+          </a:xfrm>
+          <a:prstGeom prst="rect">
+            <a:avLst/>
+          </a:prstGeom>
+          <a:noFill/>
+          <a:extLst>
+            <a:ext uri="{909E8E84-426E-40DD-AFC4-6F175D3DCCD1}">
+              <a14:hiddenFill xmlns:a14="http://schemas.microsoft.com/office/drawing/2010/main">
+                <a:solidFill>
+                  <a:srgbClr val="FFFFFF"/>
+                </a:solidFill>
+              </a14:hiddenFill>
+            </a:ext>
+          </a:extLst>
+        </p:spPr>
+      </p:pic>
+    </p:spTree>
+    <p:extLst>
+      <p:ext uri="{BB962C8B-B14F-4D97-AF65-F5344CB8AC3E}">
+        <p14:creationId xmlns:p14="http://schemas.microsoft.com/office/powerpoint/2010/main" val="3288217119"/>
+      </p:ext>
+    </p:extLst>
+  </p:cSld>
+  <p:clrMapOvr>
+    <a:masterClrMapping/>
+  </p:clrMapOvr>
+</p:sld>
+</file>
+
 <file path=ppt/slides/slide4.xml><?xml version="1.0" encoding="utf-8"?>
 <p:sld xmlns:a="http://schemas.openxmlformats.org/drawingml/2006/main" xmlns:r="http://schemas.openxmlformats.org/officeDocument/2006/relationships" xmlns:p="http://schemas.openxmlformats.org/presentationml/2006/main">
   <p:cSld>
@@ -15893,12 +18648,8 @@
           <a:lstStyle/>
           <a:p>
             <a:r>
-              <a:rPr lang="hu-HU" dirty="0" err="1"/>
-              <a:t>Konvolúciós</a:t>
-            </a:r>
-            <a:r>
               <a:rPr lang="hu-HU" dirty="0"/>
-              <a:t> neurális hálózatok</a:t>
+              <a:t>Történeti áttekintés</a:t>
             </a:r>
           </a:p>
         </p:txBody>

--- a/Konvolúciós neuronhálók.pptx
+++ b/Konvolúciós neuronhálók.pptx
@@ -5,7 +5,7 @@
     <p:sldMasterId id="2147483741" r:id="rId1"/>
   </p:sldMasterIdLst>
   <p:notesMasterIdLst>
-    <p:notesMasterId r:id="rId34"/>
+    <p:notesMasterId r:id="rId35"/>
   </p:notesMasterIdLst>
   <p:sldIdLst>
     <p:sldId id="256" r:id="rId2"/>
@@ -33,13 +33,14 @@
     <p:sldId id="280" r:id="rId24"/>
     <p:sldId id="278" r:id="rId25"/>
     <p:sldId id="281" r:id="rId26"/>
-    <p:sldId id="288" r:id="rId27"/>
-    <p:sldId id="282" r:id="rId28"/>
-    <p:sldId id="283" r:id="rId29"/>
-    <p:sldId id="286" r:id="rId30"/>
-    <p:sldId id="284" r:id="rId31"/>
-    <p:sldId id="287" r:id="rId32"/>
-    <p:sldId id="285" r:id="rId33"/>
+    <p:sldId id="289" r:id="rId27"/>
+    <p:sldId id="288" r:id="rId28"/>
+    <p:sldId id="282" r:id="rId29"/>
+    <p:sldId id="283" r:id="rId30"/>
+    <p:sldId id="286" r:id="rId31"/>
+    <p:sldId id="284" r:id="rId32"/>
+    <p:sldId id="287" r:id="rId33"/>
+    <p:sldId id="285" r:id="rId34"/>
   </p:sldIdLst>
   <p:sldSz cx="12192000" cy="6858000"/>
   <p:notesSz cx="6858000" cy="9144000"/>
@@ -231,7 +232,7 @@
           <a:p>
             <a:fld id="{FBA129F0-E673-42F7-BB8A-869B941021FC}" type="datetimeFigureOut">
               <a:rPr lang="hu-HU" smtClean="0"/>
-              <a:t>2019. 03. 16.</a:t>
+              <a:t>2019. 03. 17.</a:t>
             </a:fld>
             <a:endParaRPr lang="hu-HU"/>
           </a:p>
@@ -879,6 +880,90 @@
 </p:notes>
 </file>
 
+<file path=ppt/notesSlides/notesSlide5.xml><?xml version="1.0" encoding="utf-8"?>
+<p:notes xmlns:a="http://schemas.openxmlformats.org/drawingml/2006/main" xmlns:r="http://schemas.openxmlformats.org/officeDocument/2006/relationships" xmlns:p="http://schemas.openxmlformats.org/presentationml/2006/main">
+  <p:cSld>
+    <p:spTree>
+      <p:nvGrpSpPr>
+        <p:cNvPr id="1" name=""/>
+        <p:cNvGrpSpPr/>
+        <p:nvPr/>
+      </p:nvGrpSpPr>
+      <p:grpSpPr>
+        <a:xfrm>
+          <a:off x="0" y="0"/>
+          <a:ext cx="0" cy="0"/>
+          <a:chOff x="0" y="0"/>
+          <a:chExt cx="0" cy="0"/>
+        </a:xfrm>
+      </p:grpSpPr>
+      <p:sp>
+        <p:nvSpPr>
+          <p:cNvPr id="2" name="Diakép helye 1"/>
+          <p:cNvSpPr>
+            <a:spLocks noGrp="1" noRot="1" noChangeAspect="1"/>
+          </p:cNvSpPr>
+          <p:nvPr>
+            <p:ph type="sldImg"/>
+          </p:nvPr>
+        </p:nvSpPr>
+        <p:spPr/>
+      </p:sp>
+      <p:sp>
+        <p:nvSpPr>
+          <p:cNvPr id="3" name="Jegyzetek helye 2"/>
+          <p:cNvSpPr>
+            <a:spLocks noGrp="1"/>
+          </p:cNvSpPr>
+          <p:nvPr>
+            <p:ph type="body" idx="1"/>
+          </p:nvPr>
+        </p:nvSpPr>
+        <p:spPr/>
+        <p:txBody>
+          <a:bodyPr/>
+          <a:lstStyle/>
+          <a:p>
+            <a:endParaRPr lang="hu-HU" dirty="0"/>
+          </a:p>
+        </p:txBody>
+      </p:sp>
+      <p:sp>
+        <p:nvSpPr>
+          <p:cNvPr id="4" name="Dia számának helye 3"/>
+          <p:cNvSpPr>
+            <a:spLocks noGrp="1"/>
+          </p:cNvSpPr>
+          <p:nvPr>
+            <p:ph type="sldNum" sz="quarter" idx="5"/>
+          </p:nvPr>
+        </p:nvSpPr>
+        <p:spPr/>
+        <p:txBody>
+          <a:bodyPr/>
+          <a:lstStyle/>
+          <a:p>
+            <a:fld id="{3BA7F77E-48B0-456D-80A8-F6BD10B88DC8}" type="slidenum">
+              <a:rPr lang="hu-HU" smtClean="0"/>
+              <a:t>27</a:t>
+            </a:fld>
+            <a:endParaRPr lang="hu-HU"/>
+          </a:p>
+        </p:txBody>
+      </p:sp>
+    </p:spTree>
+    <p:extLst>
+      <p:ext uri="{BB962C8B-B14F-4D97-AF65-F5344CB8AC3E}">
+        <p14:creationId xmlns:p14="http://schemas.microsoft.com/office/powerpoint/2010/main" val="4129135925"/>
+      </p:ext>
+    </p:extLst>
+  </p:cSld>
+  <p:clrMapOvr>
+    <a:masterClrMapping/>
+  </p:clrMapOvr>
+</p:notes>
+</file>
+
 <file path=ppt/slideLayouts/slideLayout1.xml><?xml version="1.0" encoding="utf-8"?>
 <p:sldLayout xmlns:a="http://schemas.openxmlformats.org/drawingml/2006/main" xmlns:r="http://schemas.openxmlformats.org/officeDocument/2006/relationships" xmlns:p="http://schemas.openxmlformats.org/presentationml/2006/main" type="title" preserve="1">
   <p:cSld name="Címdia">
@@ -1049,7 +1134,7 @@
           <a:p>
             <a:fld id="{48A87A34-81AB-432B-8DAE-1953F412C126}" type="datetimeFigureOut">
               <a:rPr lang="en-US" smtClean="0"/>
-              <a:t>3/16/2019</a:t>
+              <a:t>3/17/2019</a:t>
             </a:fld>
             <a:endParaRPr lang="en-US" dirty="0"/>
           </a:p>
@@ -1316,7 +1401,7 @@
           <a:p>
             <a:fld id="{48A87A34-81AB-432B-8DAE-1953F412C126}" type="datetimeFigureOut">
               <a:rPr lang="en-US" smtClean="0"/>
-              <a:t>3/16/2019</a:t>
+              <a:t>3/17/2019</a:t>
             </a:fld>
             <a:endParaRPr lang="en-US" dirty="0"/>
           </a:p>
@@ -1548,7 +1633,7 @@
             <a:fld id="{48A87A34-81AB-432B-8DAE-1953F412C126}" type="datetimeFigureOut">
               <a:rPr lang="en-US" smtClean="0"/>
               <a:pPr/>
-              <a:t>3/16/2019</a:t>
+              <a:t>3/17/2019</a:t>
             </a:fld>
             <a:endParaRPr lang="en-US" dirty="0"/>
           </a:p>
@@ -1859,7 +1944,7 @@
             <a:fld id="{48A87A34-81AB-432B-8DAE-1953F412C126}" type="datetimeFigureOut">
               <a:rPr lang="en-US" smtClean="0"/>
               <a:pPr/>
-              <a:t>3/16/2019</a:t>
+              <a:t>3/17/2019</a:t>
             </a:fld>
             <a:endParaRPr lang="en-US" dirty="0"/>
           </a:p>
@@ -2333,7 +2418,7 @@
             <a:fld id="{48A87A34-81AB-432B-8DAE-1953F412C126}" type="datetimeFigureOut">
               <a:rPr lang="en-US" smtClean="0"/>
               <a:pPr/>
-              <a:t>3/16/2019</a:t>
+              <a:t>3/17/2019</a:t>
             </a:fld>
             <a:endParaRPr lang="en-US" dirty="0"/>
           </a:p>
@@ -2880,7 +2965,7 @@
           <a:p>
             <a:fld id="{48A87A34-81AB-432B-8DAE-1953F412C126}" type="datetimeFigureOut">
               <a:rPr lang="en-US" smtClean="0"/>
-              <a:t>3/16/2019</a:t>
+              <a:t>3/17/2019</a:t>
             </a:fld>
             <a:endParaRPr lang="en-US" dirty="0"/>
           </a:p>
@@ -3654,7 +3739,7 @@
           <a:p>
             <a:fld id="{48A87A34-81AB-432B-8DAE-1953F412C126}" type="datetimeFigureOut">
               <a:rPr lang="en-US" smtClean="0"/>
-              <a:t>3/16/2019</a:t>
+              <a:t>3/17/2019</a:t>
             </a:fld>
             <a:endParaRPr lang="en-US" dirty="0"/>
           </a:p>
@@ -3829,7 +3914,7 @@
           <a:p>
             <a:fld id="{48A87A34-81AB-432B-8DAE-1953F412C126}" type="datetimeFigureOut">
               <a:rPr lang="en-US" smtClean="0"/>
-              <a:t>3/16/2019</a:t>
+              <a:t>3/17/2019</a:t>
             </a:fld>
             <a:endParaRPr lang="en-US" dirty="0"/>
           </a:p>
@@ -4053,7 +4138,7 @@
             <a:fld id="{48A87A34-81AB-432B-8DAE-1953F412C126}" type="datetimeFigureOut">
               <a:rPr lang="en-US" smtClean="0"/>
               <a:pPr/>
-              <a:t>3/16/2019</a:t>
+              <a:t>3/17/2019</a:t>
             </a:fld>
             <a:endParaRPr lang="en-US" dirty="0"/>
           </a:p>
@@ -4233,7 +4318,7 @@
           <a:p>
             <a:fld id="{48A87A34-81AB-432B-8DAE-1953F412C126}" type="datetimeFigureOut">
               <a:rPr lang="en-US" smtClean="0"/>
-              <a:t>3/16/2019</a:t>
+              <a:t>3/17/2019</a:t>
             </a:fld>
             <a:endParaRPr lang="en-US" dirty="0"/>
           </a:p>
@@ -4523,7 +4608,7 @@
             <a:fld id="{48A87A34-81AB-432B-8DAE-1953F412C126}" type="datetimeFigureOut">
               <a:rPr lang="en-US" smtClean="0"/>
               <a:pPr/>
-              <a:t>3/16/2019</a:t>
+              <a:t>3/17/2019</a:t>
             </a:fld>
             <a:endParaRPr lang="en-US" dirty="0"/>
           </a:p>
@@ -4765,7 +4850,7 @@
           <a:p>
             <a:fld id="{48A87A34-81AB-432B-8DAE-1953F412C126}" type="datetimeFigureOut">
               <a:rPr lang="en-US" smtClean="0"/>
-              <a:t>3/16/2019</a:t>
+              <a:t>3/17/2019</a:t>
             </a:fld>
             <a:endParaRPr lang="en-US" dirty="0"/>
           </a:p>
@@ -5144,7 +5229,7 @@
           <a:p>
             <a:fld id="{48A87A34-81AB-432B-8DAE-1953F412C126}" type="datetimeFigureOut">
               <a:rPr lang="en-US" smtClean="0"/>
-              <a:t>3/16/2019</a:t>
+              <a:t>3/17/2019</a:t>
             </a:fld>
             <a:endParaRPr lang="en-US" dirty="0"/>
           </a:p>
@@ -5262,7 +5347,7 @@
           <a:p>
             <a:fld id="{48A87A34-81AB-432B-8DAE-1953F412C126}" type="datetimeFigureOut">
               <a:rPr lang="en-US" smtClean="0"/>
-              <a:t>3/16/2019</a:t>
+              <a:t>3/17/2019</a:t>
             </a:fld>
             <a:endParaRPr lang="en-US" dirty="0"/>
           </a:p>
@@ -5357,7 +5442,7 @@
           <a:p>
             <a:fld id="{48A87A34-81AB-432B-8DAE-1953F412C126}" type="datetimeFigureOut">
               <a:rPr lang="en-US" smtClean="0"/>
-              <a:t>3/16/2019</a:t>
+              <a:t>3/17/2019</a:t>
             </a:fld>
             <a:endParaRPr lang="en-US" dirty="0"/>
           </a:p>
@@ -5606,7 +5691,7 @@
           <a:p>
             <a:fld id="{48A87A34-81AB-432B-8DAE-1953F412C126}" type="datetimeFigureOut">
               <a:rPr lang="en-US" smtClean="0"/>
-              <a:t>3/16/2019</a:t>
+              <a:t>3/17/2019</a:t>
             </a:fld>
             <a:endParaRPr lang="en-US" dirty="0"/>
           </a:p>
@@ -5863,7 +5948,7 @@
           <a:p>
             <a:fld id="{48A87A34-81AB-432B-8DAE-1953F412C126}" type="datetimeFigureOut">
               <a:rPr lang="en-US" smtClean="0"/>
-              <a:t>3/16/2019</a:t>
+              <a:t>3/17/2019</a:t>
             </a:fld>
             <a:endParaRPr lang="en-US" dirty="0"/>
           </a:p>
@@ -6107,7 +6192,7 @@
             <a:fld id="{48A87A34-81AB-432B-8DAE-1953F412C126}" type="datetimeFigureOut">
               <a:rPr lang="en-US" smtClean="0"/>
               <a:pPr/>
-              <a:t>3/16/2019</a:t>
+              <a:t>3/17/2019</a:t>
             </a:fld>
             <a:endParaRPr lang="en-US" dirty="0"/>
           </a:p>
@@ -14136,8 +14221,8 @@
           </a:p>
         </p:txBody>
       </p:sp>
-      <mc:AlternateContent xmlns:mc="http://schemas.openxmlformats.org/markup-compatibility/2006">
-        <mc:Choice xmlns:a14="http://schemas.microsoft.com/office/drawing/2010/main" Requires="a14">
+      <mc:AlternateContent xmlns:mc="http://schemas.openxmlformats.org/markup-compatibility/2006" xmlns:a14="http://schemas.microsoft.com/office/drawing/2010/main">
+        <mc:Choice Requires="a14">
           <p:sp>
             <p:nvSpPr>
               <p:cNvPr id="3" name="Tartalom helye 2">
@@ -14390,7 +14475,7 @@
             </p:txBody>
           </p:sp>
         </mc:Choice>
-        <mc:Fallback>
+        <mc:Fallback xmlns="">
           <p:sp>
             <p:nvSpPr>
               <p:cNvPr id="3" name="Tartalom helye 2">
@@ -15840,8 +15925,8 @@
           </a:p>
         </p:txBody>
       </p:sp>
-      <mc:AlternateContent xmlns:mc="http://schemas.openxmlformats.org/markup-compatibility/2006">
-        <mc:Choice xmlns:a14="http://schemas.microsoft.com/office/drawing/2010/main" Requires="a14">
+      <mc:AlternateContent xmlns:mc="http://schemas.openxmlformats.org/markup-compatibility/2006" xmlns:a14="http://schemas.microsoft.com/office/drawing/2010/main">
+        <mc:Choice Requires="a14">
           <p:sp>
             <p:nvSpPr>
               <p:cNvPr id="15" name="Téglalap 14">
@@ -16036,7 +16121,7 @@
             </p:txBody>
           </p:sp>
         </mc:Choice>
-        <mc:Fallback>
+        <mc:Fallback xmlns="">
           <p:sp>
             <p:nvSpPr>
               <p:cNvPr id="15" name="Téglalap 14">
@@ -16796,8 +16881,8 @@
           </a:p>
         </p:txBody>
       </p:sp>
-      <mc:AlternateContent xmlns:mc="http://schemas.openxmlformats.org/markup-compatibility/2006">
-        <mc:Choice xmlns:a14="http://schemas.microsoft.com/office/drawing/2010/main" Requires="a14">
+      <mc:AlternateContent xmlns:mc="http://schemas.openxmlformats.org/markup-compatibility/2006" xmlns:a14="http://schemas.microsoft.com/office/drawing/2010/main">
+        <mc:Choice Requires="a14">
           <p:sp>
             <p:nvSpPr>
               <p:cNvPr id="8" name="Téglalap 7">
@@ -16992,7 +17077,7 @@
             </p:txBody>
           </p:sp>
         </mc:Choice>
-        <mc:Fallback>
+        <mc:Fallback xmlns="">
           <p:sp>
             <p:nvSpPr>
               <p:cNvPr id="8" name="Téglalap 7">
@@ -17719,6 +17804,471 @@
           <p:cNvPr id="2" name="Cím 1">
             <a:extLst>
               <a:ext uri="{FF2B5EF4-FFF2-40B4-BE49-F238E27FC236}">
+                <a16:creationId xmlns:a16="http://schemas.microsoft.com/office/drawing/2014/main" id="{E292CA14-949D-49A6-9006-CF72CC85CA7C}"/>
+              </a:ext>
+            </a:extLst>
+          </p:cNvPr>
+          <p:cNvSpPr>
+            <a:spLocks noGrp="1"/>
+          </p:cNvSpPr>
+          <p:nvPr>
+            <p:ph type="title"/>
+          </p:nvPr>
+        </p:nvSpPr>
+        <p:spPr/>
+        <p:txBody>
+          <a:bodyPr/>
+          <a:lstStyle/>
+          <a:p>
+            <a:r>
+              <a:rPr lang="hu-HU" dirty="0"/>
+              <a:t>SOFTMAX</a:t>
+            </a:r>
+          </a:p>
+        </p:txBody>
+      </p:sp>
+      <p:sp>
+        <p:nvSpPr>
+          <p:cNvPr id="3" name="Tartalom helye 2">
+            <a:extLst>
+              <a:ext uri="{FF2B5EF4-FFF2-40B4-BE49-F238E27FC236}">
+                <a16:creationId xmlns:a16="http://schemas.microsoft.com/office/drawing/2014/main" id="{60179AE3-F007-4EC0-9182-F6D50291B79F}"/>
+              </a:ext>
+            </a:extLst>
+          </p:cNvPr>
+          <p:cNvSpPr>
+            <a:spLocks noGrp="1"/>
+          </p:cNvSpPr>
+          <p:nvPr>
+            <p:ph idx="1"/>
+          </p:nvPr>
+        </p:nvSpPr>
+        <p:spPr/>
+        <p:txBody>
+          <a:bodyPr/>
+          <a:lstStyle/>
+          <a:p>
+            <a:r>
+              <a:rPr lang="en-US" dirty="0"/>
+              <a:t>That is, </a:t>
+            </a:r>
+            <a:r>
+              <a:rPr lang="en-US" dirty="0" err="1"/>
+              <a:t>Softmax</a:t>
+            </a:r>
+            <a:r>
+              <a:rPr lang="en-US" dirty="0"/>
+              <a:t> assigns decimal probabilities to each class in a multi-class problem. Those decimal probabilities must add up to 1.0. This additional constraint helps training converge more quickly than it otherwise would.</a:t>
+            </a:r>
+            <a:endParaRPr lang="hu-HU" dirty="0"/>
+          </a:p>
+          <a:p>
+            <a:endParaRPr lang="hu-HU" dirty="0"/>
+          </a:p>
+        </p:txBody>
+      </p:sp>
+      <p:graphicFrame>
+        <p:nvGraphicFramePr>
+          <p:cNvPr id="4" name="Táblázat 3">
+            <a:extLst>
+              <a:ext uri="{FF2B5EF4-FFF2-40B4-BE49-F238E27FC236}">
+                <a16:creationId xmlns:a16="http://schemas.microsoft.com/office/drawing/2014/main" id="{998D2B50-DBAE-4674-A4B8-4231689402B7}"/>
+              </a:ext>
+            </a:extLst>
+          </p:cNvPr>
+          <p:cNvGraphicFramePr>
+            <a:graphicFrameLocks noGrp="1"/>
+          </p:cNvGraphicFramePr>
+          <p:nvPr>
+            <p:extLst>
+              <p:ext uri="{D42A27DB-BD31-4B8C-83A1-F6EECF244321}">
+                <p14:modId xmlns:p14="http://schemas.microsoft.com/office/powerpoint/2010/main" val="2570669474"/>
+              </p:ext>
+            </p:extLst>
+          </p:nvPr>
+        </p:nvGraphicFramePr>
+        <p:xfrm>
+          <a:off x="2262187" y="3550452"/>
+          <a:ext cx="7667626" cy="2543175"/>
+        </p:xfrm>
+        <a:graphic>
+          <a:graphicData uri="http://schemas.openxmlformats.org/drawingml/2006/table">
+            <a:tbl>
+              <a:tblPr>
+                <a:tableStyleId>{BC89EF96-8CEA-46FF-86C4-4CE0E7609802}</a:tableStyleId>
+              </a:tblPr>
+              <a:tblGrid>
+                <a:gridCol w="3833813">
+                  <a:extLst>
+                    <a:ext uri="{9D8B030D-6E8A-4147-A177-3AD203B41FA5}">
+                      <a16:colId xmlns:a16="http://schemas.microsoft.com/office/drawing/2014/main" val="3057706834"/>
+                    </a:ext>
+                  </a:extLst>
+                </a:gridCol>
+                <a:gridCol w="3833813">
+                  <a:extLst>
+                    <a:ext uri="{9D8B030D-6E8A-4147-A177-3AD203B41FA5}">
+                      <a16:colId xmlns:a16="http://schemas.microsoft.com/office/drawing/2014/main" val="358714497"/>
+                    </a:ext>
+                  </a:extLst>
+                </a:gridCol>
+              </a:tblGrid>
+              <a:tr h="457200">
+                <a:tc>
+                  <a:txBody>
+                    <a:bodyPr/>
+                    <a:lstStyle/>
+                    <a:p>
+                      <a:pPr algn="l" fontAlgn="ctr"/>
+                      <a:r>
+                        <a:rPr lang="hu-HU" b="0" dirty="0">
+                          <a:solidFill>
+                            <a:srgbClr val="FFFFFF"/>
+                          </a:solidFill>
+                          <a:effectLst/>
+                          <a:latin typeface="Roboto"/>
+                        </a:rPr>
+                        <a:t>Csoport</a:t>
+                      </a:r>
+                    </a:p>
+                  </a:txBody>
+                  <a:tcPr marL="76200" marR="76200" marT="76200" marB="76200" anchor="ctr"/>
+                </a:tc>
+                <a:tc>
+                  <a:txBody>
+                    <a:bodyPr/>
+                    <a:lstStyle/>
+                    <a:p>
+                      <a:pPr algn="l" fontAlgn="ctr"/>
+                      <a:r>
+                        <a:rPr lang="en-GB" sz="2000" dirty="0">
+                          <a:effectLst/>
+                        </a:rPr>
+                        <a:t>V</a:t>
+                      </a:r>
+                      <a:r>
+                        <a:rPr lang="en-GB" dirty="0">
+                          <a:effectLst/>
+                        </a:rPr>
+                        <a:t>al</a:t>
+                      </a:r>
+                      <a:r>
+                        <a:rPr lang="hu-HU" dirty="0" err="1">
+                          <a:effectLst/>
+                        </a:rPr>
+                        <a:t>ószínűség</a:t>
+                      </a:r>
+                      <a:endParaRPr lang="hu-HU" b="0" dirty="0">
+                        <a:solidFill>
+                          <a:srgbClr val="FFFFFF"/>
+                        </a:solidFill>
+                        <a:effectLst/>
+                        <a:latin typeface="Roboto"/>
+                      </a:endParaRPr>
+                    </a:p>
+                  </a:txBody>
+                  <a:tcPr marL="76200" marR="76200" marT="76200" marB="76200" anchor="ctr"/>
+                </a:tc>
+                <a:extLst>
+                  <a:ext uri="{0D108BD9-81ED-4DB2-BD59-A6C34878D82A}">
+                    <a16:rowId xmlns:a16="http://schemas.microsoft.com/office/drawing/2014/main" val="1693924882"/>
+                  </a:ext>
+                </a:extLst>
+              </a:tr>
+              <a:tr h="0">
+                <a:tc>
+                  <a:txBody>
+                    <a:bodyPr/>
+                    <a:lstStyle/>
+                    <a:p>
+                      <a:pPr algn="l" fontAlgn="t"/>
+                      <a:r>
+                        <a:rPr lang="hu-HU" dirty="0" err="1">
+                          <a:effectLst/>
+                        </a:rPr>
+                        <a:t>apple</a:t>
+                      </a:r>
+                      <a:endParaRPr lang="hu-HU" dirty="0">
+                        <a:solidFill>
+                          <a:srgbClr val="212121"/>
+                        </a:solidFill>
+                        <a:effectLst/>
+                      </a:endParaRPr>
+                    </a:p>
+                  </a:txBody>
+                  <a:tcPr marL="76200" marR="76200" marT="66675" marB="76200"/>
+                </a:tc>
+                <a:tc>
+                  <a:txBody>
+                    <a:bodyPr/>
+                    <a:lstStyle/>
+                    <a:p>
+                      <a:pPr algn="l" fontAlgn="t"/>
+                      <a:r>
+                        <a:rPr lang="hu-HU" dirty="0">
+                          <a:effectLst/>
+                        </a:rPr>
+                        <a:t>0.001</a:t>
+                      </a:r>
+                      <a:endParaRPr lang="hu-HU" dirty="0">
+                        <a:solidFill>
+                          <a:srgbClr val="212121"/>
+                        </a:solidFill>
+                        <a:effectLst/>
+                      </a:endParaRPr>
+                    </a:p>
+                  </a:txBody>
+                  <a:tcPr marL="76200" marR="76200" marT="66675" marB="76200"/>
+                </a:tc>
+                <a:extLst>
+                  <a:ext uri="{0D108BD9-81ED-4DB2-BD59-A6C34878D82A}">
+                    <a16:rowId xmlns:a16="http://schemas.microsoft.com/office/drawing/2014/main" val="139915112"/>
+                  </a:ext>
+                </a:extLst>
+              </a:tr>
+              <a:tr h="0">
+                <a:tc>
+                  <a:txBody>
+                    <a:bodyPr/>
+                    <a:lstStyle/>
+                    <a:p>
+                      <a:pPr algn="l" fontAlgn="t"/>
+                      <a:r>
+                        <a:rPr lang="hu-HU" dirty="0" err="1">
+                          <a:effectLst/>
+                        </a:rPr>
+                        <a:t>bear</a:t>
+                      </a:r>
+                      <a:endParaRPr lang="hu-HU" dirty="0">
+                        <a:solidFill>
+                          <a:srgbClr val="212121"/>
+                        </a:solidFill>
+                        <a:effectLst/>
+                      </a:endParaRPr>
+                    </a:p>
+                  </a:txBody>
+                  <a:tcPr marL="76200" marR="76200" marT="66675" marB="76200"/>
+                </a:tc>
+                <a:tc>
+                  <a:txBody>
+                    <a:bodyPr/>
+                    <a:lstStyle/>
+                    <a:p>
+                      <a:pPr algn="l" fontAlgn="t"/>
+                      <a:r>
+                        <a:rPr lang="hu-HU" dirty="0">
+                          <a:effectLst/>
+                        </a:rPr>
+                        <a:t>0.04</a:t>
+                      </a:r>
+                      <a:endParaRPr lang="hu-HU" dirty="0">
+                        <a:solidFill>
+                          <a:srgbClr val="212121"/>
+                        </a:solidFill>
+                        <a:effectLst/>
+                      </a:endParaRPr>
+                    </a:p>
+                  </a:txBody>
+                  <a:tcPr marL="76200" marR="76200" marT="66675" marB="76200"/>
+                </a:tc>
+                <a:extLst>
+                  <a:ext uri="{0D108BD9-81ED-4DB2-BD59-A6C34878D82A}">
+                    <a16:rowId xmlns:a16="http://schemas.microsoft.com/office/drawing/2014/main" val="988562933"/>
+                  </a:ext>
+                </a:extLst>
+              </a:tr>
+              <a:tr h="0">
+                <a:tc>
+                  <a:txBody>
+                    <a:bodyPr/>
+                    <a:lstStyle/>
+                    <a:p>
+                      <a:pPr algn="l" fontAlgn="t"/>
+                      <a:r>
+                        <a:rPr lang="hu-HU" dirty="0" err="1">
+                          <a:effectLst/>
+                        </a:rPr>
+                        <a:t>candy</a:t>
+                      </a:r>
+                      <a:endParaRPr lang="hu-HU" dirty="0">
+                        <a:solidFill>
+                          <a:srgbClr val="212121"/>
+                        </a:solidFill>
+                        <a:effectLst/>
+                      </a:endParaRPr>
+                    </a:p>
+                  </a:txBody>
+                  <a:tcPr marL="76200" marR="76200" marT="66675" marB="76200"/>
+                </a:tc>
+                <a:tc>
+                  <a:txBody>
+                    <a:bodyPr/>
+                    <a:lstStyle/>
+                    <a:p>
+                      <a:pPr algn="l" fontAlgn="t"/>
+                      <a:r>
+                        <a:rPr lang="hu-HU" dirty="0">
+                          <a:effectLst/>
+                        </a:rPr>
+                        <a:t>0.008</a:t>
+                      </a:r>
+                      <a:endParaRPr lang="hu-HU" dirty="0">
+                        <a:solidFill>
+                          <a:srgbClr val="212121"/>
+                        </a:solidFill>
+                        <a:effectLst/>
+                      </a:endParaRPr>
+                    </a:p>
+                  </a:txBody>
+                  <a:tcPr marL="76200" marR="76200" marT="66675" marB="76200"/>
+                </a:tc>
+                <a:extLst>
+                  <a:ext uri="{0D108BD9-81ED-4DB2-BD59-A6C34878D82A}">
+                    <a16:rowId xmlns:a16="http://schemas.microsoft.com/office/drawing/2014/main" val="3224504740"/>
+                  </a:ext>
+                </a:extLst>
+              </a:tr>
+              <a:tr h="0">
+                <a:tc>
+                  <a:txBody>
+                    <a:bodyPr/>
+                    <a:lstStyle/>
+                    <a:p>
+                      <a:pPr algn="l" fontAlgn="t"/>
+                      <a:r>
+                        <a:rPr lang="hu-HU">
+                          <a:effectLst/>
+                        </a:rPr>
+                        <a:t>dog</a:t>
+                      </a:r>
+                      <a:endParaRPr lang="hu-HU">
+                        <a:solidFill>
+                          <a:srgbClr val="212121"/>
+                        </a:solidFill>
+                        <a:effectLst/>
+                      </a:endParaRPr>
+                    </a:p>
+                  </a:txBody>
+                  <a:tcPr marL="76200" marR="76200" marT="66675" marB="76200"/>
+                </a:tc>
+                <a:tc>
+                  <a:txBody>
+                    <a:bodyPr/>
+                    <a:lstStyle/>
+                    <a:p>
+                      <a:pPr algn="l" fontAlgn="t"/>
+                      <a:r>
+                        <a:rPr lang="hu-HU">
+                          <a:effectLst/>
+                        </a:rPr>
+                        <a:t>0.95</a:t>
+                      </a:r>
+                      <a:endParaRPr lang="hu-HU">
+                        <a:solidFill>
+                          <a:srgbClr val="212121"/>
+                        </a:solidFill>
+                        <a:effectLst/>
+                      </a:endParaRPr>
+                    </a:p>
+                  </a:txBody>
+                  <a:tcPr marL="76200" marR="76200" marT="66675" marB="76200"/>
+                </a:tc>
+                <a:extLst>
+                  <a:ext uri="{0D108BD9-81ED-4DB2-BD59-A6C34878D82A}">
+                    <a16:rowId xmlns:a16="http://schemas.microsoft.com/office/drawing/2014/main" val="769047650"/>
+                  </a:ext>
+                </a:extLst>
+              </a:tr>
+              <a:tr h="0">
+                <a:tc>
+                  <a:txBody>
+                    <a:bodyPr/>
+                    <a:lstStyle/>
+                    <a:p>
+                      <a:pPr algn="l" fontAlgn="t"/>
+                      <a:r>
+                        <a:rPr lang="hu-HU" dirty="0" err="1">
+                          <a:effectLst/>
+                        </a:rPr>
+                        <a:t>egg</a:t>
+                      </a:r>
+                      <a:endParaRPr lang="hu-HU" dirty="0">
+                        <a:solidFill>
+                          <a:srgbClr val="212121"/>
+                        </a:solidFill>
+                        <a:effectLst/>
+                      </a:endParaRPr>
+                    </a:p>
+                  </a:txBody>
+                  <a:tcPr marL="76200" marR="76200" marT="66675" marB="76200"/>
+                </a:tc>
+                <a:tc>
+                  <a:txBody>
+                    <a:bodyPr/>
+                    <a:lstStyle/>
+                    <a:p>
+                      <a:pPr algn="l" fontAlgn="t"/>
+                      <a:r>
+                        <a:rPr lang="hu-HU" dirty="0">
+                          <a:effectLst/>
+                        </a:rPr>
+                        <a:t>0.001</a:t>
+                      </a:r>
+                      <a:endParaRPr lang="hu-HU" dirty="0">
+                        <a:solidFill>
+                          <a:srgbClr val="212121"/>
+                        </a:solidFill>
+                        <a:effectLst/>
+                      </a:endParaRPr>
+                    </a:p>
+                  </a:txBody>
+                  <a:tcPr marL="76200" marR="76200" marT="66675" marB="76200"/>
+                </a:tc>
+                <a:extLst>
+                  <a:ext uri="{0D108BD9-81ED-4DB2-BD59-A6C34878D82A}">
+                    <a16:rowId xmlns:a16="http://schemas.microsoft.com/office/drawing/2014/main" val="4126752950"/>
+                  </a:ext>
+                </a:extLst>
+              </a:tr>
+            </a:tbl>
+          </a:graphicData>
+        </a:graphic>
+      </p:graphicFrame>
+    </p:spTree>
+    <p:extLst>
+      <p:ext uri="{BB962C8B-B14F-4D97-AF65-F5344CB8AC3E}">
+        <p14:creationId xmlns:p14="http://schemas.microsoft.com/office/powerpoint/2010/main" val="997556113"/>
+      </p:ext>
+    </p:extLst>
+  </p:cSld>
+  <p:clrMapOvr>
+    <a:masterClrMapping/>
+  </p:clrMapOvr>
+</p:sld>
+</file>
+
+<file path=ppt/slides/slide27.xml><?xml version="1.0" encoding="utf-8"?>
+<p:sld xmlns:a="http://schemas.openxmlformats.org/drawingml/2006/main" xmlns:r="http://schemas.openxmlformats.org/officeDocument/2006/relationships" xmlns:p="http://schemas.openxmlformats.org/presentationml/2006/main">
+  <p:cSld>
+    <p:spTree>
+      <p:nvGrpSpPr>
+        <p:cNvPr id="1" name=""/>
+        <p:cNvGrpSpPr/>
+        <p:nvPr/>
+      </p:nvGrpSpPr>
+      <p:grpSpPr>
+        <a:xfrm>
+          <a:off x="0" y="0"/>
+          <a:ext cx="0" cy="0"/>
+          <a:chOff x="0" y="0"/>
+          <a:chExt cx="0" cy="0"/>
+        </a:xfrm>
+      </p:grpSpPr>
+      <p:sp>
+        <p:nvSpPr>
+          <p:cNvPr id="2" name="Cím 1">
+            <a:extLst>
+              <a:ext uri="{FF2B5EF4-FFF2-40B4-BE49-F238E27FC236}">
                 <a16:creationId xmlns:a16="http://schemas.microsoft.com/office/drawing/2014/main" id="{7AE56E2E-6A7E-43D3-BA5A-7864A98806D2}"/>
               </a:ext>
             </a:extLst>
@@ -17743,31 +18293,38 @@
           </a:p>
         </p:txBody>
       </p:sp>
-      <p:sp>
-        <p:nvSpPr>
-          <p:cNvPr id="3" name="Tartalom helye 2">
+      <p:pic>
+        <p:nvPicPr>
+          <p:cNvPr id="10" name="Tartalom helye 9">
             <a:extLst>
               <a:ext uri="{FF2B5EF4-FFF2-40B4-BE49-F238E27FC236}">
-                <a16:creationId xmlns:a16="http://schemas.microsoft.com/office/drawing/2014/main" id="{D4AF26CB-BEA4-47E4-AB35-042EFB777382}"/>
+                <a16:creationId xmlns:a16="http://schemas.microsoft.com/office/drawing/2014/main" id="{8EC2B9D2-80F4-4E77-9B7A-63389ACC0BD8}"/>
               </a:ext>
             </a:extLst>
           </p:cNvPr>
-          <p:cNvSpPr>
-            <a:spLocks noGrp="1"/>
-          </p:cNvSpPr>
+          <p:cNvPicPr>
+            <a:picLocks noGrp="1" noChangeAspect="1"/>
+          </p:cNvPicPr>
           <p:nvPr>
             <p:ph idx="1"/>
           </p:nvPr>
-        </p:nvSpPr>
-        <p:spPr/>
-        <p:txBody>
-          <a:bodyPr/>
-          <a:lstStyle/>
-          <a:p>
-            <a:endParaRPr lang="hu-HU"/>
-          </a:p>
-        </p:txBody>
-      </p:sp>
+        </p:nvPicPr>
+        <p:blipFill>
+          <a:blip r:embed="rId3"/>
+          <a:stretch>
+            <a:fillRect/>
+          </a:stretch>
+        </p:blipFill>
+        <p:spPr>
+          <a:xfrm>
+            <a:off x="2948940" y="2057401"/>
+            <a:ext cx="6294120" cy="4561794"/>
+          </a:xfrm>
+          <a:prstGeom prst="rect">
+            <a:avLst/>
+          </a:prstGeom>
+        </p:spPr>
+      </p:pic>
     </p:spTree>
     <p:extLst>
       <p:ext uri="{BB962C8B-B14F-4D97-AF65-F5344CB8AC3E}">
@@ -17781,7 +18338,7 @@
 </p:sld>
 </file>
 
-<file path=ppt/slides/slide27.xml><?xml version="1.0" encoding="utf-8"?>
+<file path=ppt/slides/slide28.xml><?xml version="1.0" encoding="utf-8"?>
 <p:sld xmlns:a="http://schemas.openxmlformats.org/drawingml/2006/main" xmlns:r="http://schemas.openxmlformats.org/officeDocument/2006/relationships" xmlns:p="http://schemas.openxmlformats.org/presentationml/2006/main">
   <p:cSld>
     <p:spTree>
@@ -17924,7 +18481,7 @@
 </p:sld>
 </file>
 
-<file path=ppt/slides/slide28.xml><?xml version="1.0" encoding="utf-8"?>
+<file path=ppt/slides/slide29.xml><?xml version="1.0" encoding="utf-8"?>
 <p:sld xmlns:a="http://schemas.openxmlformats.org/drawingml/2006/main" xmlns:r="http://schemas.openxmlformats.org/officeDocument/2006/relationships" xmlns:p="http://schemas.openxmlformats.org/presentationml/2006/main">
   <p:cSld>
     <p:spTree>
@@ -18038,100 +18595,6 @@
     <p:extLst>
       <p:ext uri="{BB962C8B-B14F-4D97-AF65-F5344CB8AC3E}">
         <p14:creationId xmlns:p14="http://schemas.microsoft.com/office/powerpoint/2010/main" val="1857427292"/>
-      </p:ext>
-    </p:extLst>
-  </p:cSld>
-  <p:clrMapOvr>
-    <a:masterClrMapping/>
-  </p:clrMapOvr>
-</p:sld>
-</file>
-
-<file path=ppt/slides/slide29.xml><?xml version="1.0" encoding="utf-8"?>
-<p:sld xmlns:a="http://schemas.openxmlformats.org/drawingml/2006/main" xmlns:r="http://schemas.openxmlformats.org/officeDocument/2006/relationships" xmlns:p="http://schemas.openxmlformats.org/presentationml/2006/main">
-  <p:cSld>
-    <p:spTree>
-      <p:nvGrpSpPr>
-        <p:cNvPr id="1" name=""/>
-        <p:cNvGrpSpPr/>
-        <p:nvPr/>
-      </p:nvGrpSpPr>
-      <p:grpSpPr>
-        <a:xfrm>
-          <a:off x="0" y="0"/>
-          <a:ext cx="0" cy="0"/>
-          <a:chOff x="0" y="0"/>
-          <a:chExt cx="0" cy="0"/>
-        </a:xfrm>
-      </p:grpSpPr>
-      <p:sp>
-        <p:nvSpPr>
-          <p:cNvPr id="2" name="Cím 1">
-            <a:extLst>
-              <a:ext uri="{FF2B5EF4-FFF2-40B4-BE49-F238E27FC236}">
-                <a16:creationId xmlns:a16="http://schemas.microsoft.com/office/drawing/2014/main" id="{275E3A80-830A-4A8D-B3F5-D5B3E5916A58}"/>
-              </a:ext>
-            </a:extLst>
-          </p:cNvPr>
-          <p:cNvSpPr>
-            <a:spLocks noGrp="1"/>
-          </p:cNvSpPr>
-          <p:nvPr>
-            <p:ph type="title"/>
-          </p:nvPr>
-        </p:nvSpPr>
-        <p:spPr/>
-        <p:txBody>
-          <a:bodyPr/>
-          <a:lstStyle/>
-          <a:p>
-            <a:r>
-              <a:rPr lang="hu-HU" dirty="0" err="1"/>
-              <a:t>Lenet</a:t>
-            </a:r>
-            <a:r>
-              <a:rPr lang="hu-HU" dirty="0"/>
-              <a:t> 5</a:t>
-            </a:r>
-          </a:p>
-        </p:txBody>
-      </p:sp>
-      <p:pic>
-        <p:nvPicPr>
-          <p:cNvPr id="4" name="Tartalom helye 3">
-            <a:extLst>
-              <a:ext uri="{FF2B5EF4-FFF2-40B4-BE49-F238E27FC236}">
-                <a16:creationId xmlns:a16="http://schemas.microsoft.com/office/drawing/2014/main" id="{1B638C55-F412-46C3-A14D-BC572EA9DF54}"/>
-              </a:ext>
-            </a:extLst>
-          </p:cNvPr>
-          <p:cNvPicPr>
-            <a:picLocks noGrp="1" noChangeAspect="1"/>
-          </p:cNvPicPr>
-          <p:nvPr>
-            <p:ph idx="1"/>
-          </p:nvPr>
-        </p:nvPicPr>
-        <p:blipFill>
-          <a:blip r:embed="rId2"/>
-          <a:stretch>
-            <a:fillRect/>
-          </a:stretch>
-        </p:blipFill>
-        <p:spPr>
-          <a:xfrm>
-            <a:off x="1790700" y="2057401"/>
-            <a:ext cx="9715500" cy="4237037"/>
-          </a:xfrm>
-          <a:prstGeom prst="rect">
-            <a:avLst/>
-          </a:prstGeom>
-        </p:spPr>
-      </p:pic>
-    </p:spTree>
-    <p:extLst>
-      <p:ext uri="{BB962C8B-B14F-4D97-AF65-F5344CB8AC3E}">
-        <p14:creationId xmlns:p14="http://schemas.microsoft.com/office/powerpoint/2010/main" val="738922332"/>
       </p:ext>
     </p:extLst>
   </p:cSld>
@@ -18276,6 +18739,100 @@
           <p:cNvPr id="2" name="Cím 1">
             <a:extLst>
               <a:ext uri="{FF2B5EF4-FFF2-40B4-BE49-F238E27FC236}">
+                <a16:creationId xmlns:a16="http://schemas.microsoft.com/office/drawing/2014/main" id="{275E3A80-830A-4A8D-B3F5-D5B3E5916A58}"/>
+              </a:ext>
+            </a:extLst>
+          </p:cNvPr>
+          <p:cNvSpPr>
+            <a:spLocks noGrp="1"/>
+          </p:cNvSpPr>
+          <p:nvPr>
+            <p:ph type="title"/>
+          </p:nvPr>
+        </p:nvSpPr>
+        <p:spPr/>
+        <p:txBody>
+          <a:bodyPr/>
+          <a:lstStyle/>
+          <a:p>
+            <a:r>
+              <a:rPr lang="hu-HU" dirty="0" err="1"/>
+              <a:t>Lenet</a:t>
+            </a:r>
+            <a:r>
+              <a:rPr lang="hu-HU" dirty="0"/>
+              <a:t> 5</a:t>
+            </a:r>
+          </a:p>
+        </p:txBody>
+      </p:sp>
+      <p:pic>
+        <p:nvPicPr>
+          <p:cNvPr id="4" name="Tartalom helye 3">
+            <a:extLst>
+              <a:ext uri="{FF2B5EF4-FFF2-40B4-BE49-F238E27FC236}">
+                <a16:creationId xmlns:a16="http://schemas.microsoft.com/office/drawing/2014/main" id="{1B638C55-F412-46C3-A14D-BC572EA9DF54}"/>
+              </a:ext>
+            </a:extLst>
+          </p:cNvPr>
+          <p:cNvPicPr>
+            <a:picLocks noGrp="1" noChangeAspect="1"/>
+          </p:cNvPicPr>
+          <p:nvPr>
+            <p:ph idx="1"/>
+          </p:nvPr>
+        </p:nvPicPr>
+        <p:blipFill>
+          <a:blip r:embed="rId2"/>
+          <a:stretch>
+            <a:fillRect/>
+          </a:stretch>
+        </p:blipFill>
+        <p:spPr>
+          <a:xfrm>
+            <a:off x="1790700" y="2057401"/>
+            <a:ext cx="9715500" cy="4237037"/>
+          </a:xfrm>
+          <a:prstGeom prst="rect">
+            <a:avLst/>
+          </a:prstGeom>
+        </p:spPr>
+      </p:pic>
+    </p:spTree>
+    <p:extLst>
+      <p:ext uri="{BB962C8B-B14F-4D97-AF65-F5344CB8AC3E}">
+        <p14:creationId xmlns:p14="http://schemas.microsoft.com/office/powerpoint/2010/main" val="738922332"/>
+      </p:ext>
+    </p:extLst>
+  </p:cSld>
+  <p:clrMapOvr>
+    <a:masterClrMapping/>
+  </p:clrMapOvr>
+</p:sld>
+</file>
+
+<file path=ppt/slides/slide31.xml><?xml version="1.0" encoding="utf-8"?>
+<p:sld xmlns:a="http://schemas.openxmlformats.org/drawingml/2006/main" xmlns:r="http://schemas.openxmlformats.org/officeDocument/2006/relationships" xmlns:p="http://schemas.openxmlformats.org/presentationml/2006/main">
+  <p:cSld>
+    <p:spTree>
+      <p:nvGrpSpPr>
+        <p:cNvPr id="1" name=""/>
+        <p:cNvGrpSpPr/>
+        <p:nvPr/>
+      </p:nvGrpSpPr>
+      <p:grpSpPr>
+        <a:xfrm>
+          <a:off x="0" y="0"/>
+          <a:ext cx="0" cy="0"/>
+          <a:chOff x="0" y="0"/>
+          <a:chExt cx="0" cy="0"/>
+        </a:xfrm>
+      </p:grpSpPr>
+      <p:sp>
+        <p:nvSpPr>
+          <p:cNvPr id="2" name="Cím 1">
+            <a:extLst>
+              <a:ext uri="{FF2B5EF4-FFF2-40B4-BE49-F238E27FC236}">
                 <a16:creationId xmlns:a16="http://schemas.microsoft.com/office/drawing/2014/main" id="{6A3AD342-535B-4807-8011-7D485471E481}"/>
               </a:ext>
             </a:extLst>
@@ -18397,7 +18954,7 @@
 </p:sld>
 </file>
 
-<file path=ppt/slides/slide31.xml><?xml version="1.0" encoding="utf-8"?>
+<file path=ppt/slides/slide32.xml><?xml version="1.0" encoding="utf-8"?>
 <p:sld xmlns:a="http://schemas.openxmlformats.org/drawingml/2006/main" xmlns:r="http://schemas.openxmlformats.org/officeDocument/2006/relationships" xmlns:p="http://schemas.openxmlformats.org/presentationml/2006/main">
   <p:cSld>
     <p:spTree>
@@ -18502,7 +19059,7 @@
 </p:sld>
 </file>
 
-<file path=ppt/slides/slide32.xml><?xml version="1.0" encoding="utf-8"?>
+<file path=ppt/slides/slide33.xml><?xml version="1.0" encoding="utf-8"?>
 <p:sld xmlns:a="http://schemas.openxmlformats.org/drawingml/2006/main" xmlns:r="http://schemas.openxmlformats.org/officeDocument/2006/relationships" xmlns:p="http://schemas.openxmlformats.org/presentationml/2006/main">
   <p:cSld>
     <p:spTree>
